--- a/mymsc-chatGpt-Presentation.pptx
+++ b/mymsc-chatGpt-Presentation.pptx
@@ -4,6 +4,12 @@
   <p:sldMasterIdLst>
     <p:sldMasterId id="2147483648" r:id="rId1"/>
   </p:sldMasterIdLst>
+  <p:notesMasterIdLst>
+    <p:notesMasterId r:id="rId20"/>
+  </p:notesMasterIdLst>
+  <p:handoutMasterIdLst>
+    <p:handoutMasterId r:id="rId21"/>
+  </p:handoutMasterIdLst>
   <p:sldIdLst>
     <p:sldId id="256" r:id="rId2"/>
     <p:sldId id="260" r:id="rId3"/>
@@ -13,15 +19,16 @@
     <p:sldId id="267" r:id="rId7"/>
     <p:sldId id="258" r:id="rId8"/>
     <p:sldId id="259" r:id="rId9"/>
-    <p:sldId id="272" r:id="rId10"/>
+    <p:sldId id="262" r:id="rId10"/>
     <p:sldId id="257" r:id="rId11"/>
     <p:sldId id="263" r:id="rId12"/>
-    <p:sldId id="264" r:id="rId13"/>
-    <p:sldId id="265" r:id="rId14"/>
-    <p:sldId id="262" r:id="rId15"/>
-    <p:sldId id="268" r:id="rId16"/>
-    <p:sldId id="269" r:id="rId17"/>
+    <p:sldId id="272" r:id="rId13"/>
+    <p:sldId id="269" r:id="rId14"/>
+    <p:sldId id="264" r:id="rId15"/>
+    <p:sldId id="265" r:id="rId16"/>
+    <p:sldId id="268" r:id="rId17"/>
     <p:sldId id="270" r:id="rId18"/>
+    <p:sldId id="273" r:id="rId19"/>
   </p:sldIdLst>
   <p:sldSz cx="12192000" cy="6858000"/>
   <p:notesSz cx="6858000" cy="9144000"/>
@@ -539,6 +546,546 @@
 </pc:chgInfo>
 </file>
 
+<file path=ppt/handoutMasters/handoutMaster1.xml><?xml version="1.0" encoding="utf-8"?>
+<p:handoutMaster xmlns:a="http://schemas.openxmlformats.org/drawingml/2006/main" xmlns:r="http://schemas.openxmlformats.org/officeDocument/2006/relationships" xmlns:p="http://schemas.openxmlformats.org/presentationml/2006/main">
+  <p:cSld>
+    <p:bg>
+      <p:bgRef idx="1001">
+        <a:schemeClr val="bg1"/>
+      </p:bgRef>
+    </p:bg>
+    <p:spTree>
+      <p:nvGrpSpPr>
+        <p:cNvPr id="1" name=""/>
+        <p:cNvGrpSpPr/>
+        <p:nvPr/>
+      </p:nvGrpSpPr>
+      <p:grpSpPr>
+        <a:xfrm>
+          <a:off x="0" y="0"/>
+          <a:ext cx="0" cy="0"/>
+          <a:chOff x="0" y="0"/>
+          <a:chExt cx="0" cy="0"/>
+        </a:xfrm>
+      </p:grpSpPr>
+      <p:sp>
+        <p:nvSpPr>
+          <p:cNvPr id="2" name="Header Placeholder 1">
+            <a:extLst>
+              <a:ext uri="{FF2B5EF4-FFF2-40B4-BE49-F238E27FC236}">
+                <a16:creationId xmlns:a16="http://schemas.microsoft.com/office/drawing/2014/main" id="{17F39A58-8495-C35D-D133-23ABFA097BCB}"/>
+              </a:ext>
+            </a:extLst>
+          </p:cNvPr>
+          <p:cNvSpPr>
+            <a:spLocks noGrp="1"/>
+          </p:cNvSpPr>
+          <p:nvPr>
+            <p:ph type="hdr" sz="quarter"/>
+          </p:nvPr>
+        </p:nvSpPr>
+        <p:spPr>
+          <a:xfrm>
+            <a:off x="0" y="0"/>
+            <a:ext cx="2971800" cy="458788"/>
+          </a:xfrm>
+          <a:prstGeom prst="rect">
+            <a:avLst/>
+          </a:prstGeom>
+        </p:spPr>
+        <p:txBody>
+          <a:bodyPr vert="horz" lIns="91440" tIns="45720" rIns="91440" bIns="45720" rtlCol="0"/>
+          <a:lstStyle>
+            <a:lvl1pPr algn="l">
+              <a:defRPr sz="1200"/>
+            </a:lvl1pPr>
+          </a:lstStyle>
+          <a:p>
+            <a:endParaRPr lang="en-US"/>
+          </a:p>
+        </p:txBody>
+      </p:sp>
+      <p:sp>
+        <p:nvSpPr>
+          <p:cNvPr id="3" name="Date Placeholder 2">
+            <a:extLst>
+              <a:ext uri="{FF2B5EF4-FFF2-40B4-BE49-F238E27FC236}">
+                <a16:creationId xmlns:a16="http://schemas.microsoft.com/office/drawing/2014/main" id="{DF1B72B6-4A4B-918A-A4A6-BD6D8059B8D5}"/>
+              </a:ext>
+            </a:extLst>
+          </p:cNvPr>
+          <p:cNvSpPr>
+            <a:spLocks noGrp="1"/>
+          </p:cNvSpPr>
+          <p:nvPr>
+            <p:ph type="dt" sz="quarter" idx="1"/>
+          </p:nvPr>
+        </p:nvSpPr>
+        <p:spPr>
+          <a:xfrm>
+            <a:off x="3884613" y="0"/>
+            <a:ext cx="2971800" cy="458788"/>
+          </a:xfrm>
+          <a:prstGeom prst="rect">
+            <a:avLst/>
+          </a:prstGeom>
+        </p:spPr>
+        <p:txBody>
+          <a:bodyPr vert="horz" lIns="91440" tIns="45720" rIns="91440" bIns="45720" rtlCol="0"/>
+          <a:lstStyle>
+            <a:lvl1pPr algn="r">
+              <a:defRPr sz="1200"/>
+            </a:lvl1pPr>
+          </a:lstStyle>
+          <a:p>
+            <a:fld id="{BC0D67CD-1376-4041-9C2C-7C68791EC28F}" type="datetimeFigureOut">
+              <a:rPr lang="en-US" smtClean="0"/>
+              <a:t>5/29/2023</a:t>
+            </a:fld>
+            <a:endParaRPr lang="en-US"/>
+          </a:p>
+        </p:txBody>
+      </p:sp>
+      <p:sp>
+        <p:nvSpPr>
+          <p:cNvPr id="4" name="Footer Placeholder 3">
+            <a:extLst>
+              <a:ext uri="{FF2B5EF4-FFF2-40B4-BE49-F238E27FC236}">
+                <a16:creationId xmlns:a16="http://schemas.microsoft.com/office/drawing/2014/main" id="{0F5B13F8-360A-3AC5-286D-AE1E2D826782}"/>
+              </a:ext>
+            </a:extLst>
+          </p:cNvPr>
+          <p:cNvSpPr>
+            <a:spLocks noGrp="1"/>
+          </p:cNvSpPr>
+          <p:nvPr>
+            <p:ph type="ftr" sz="quarter" idx="2"/>
+          </p:nvPr>
+        </p:nvSpPr>
+        <p:spPr>
+          <a:xfrm>
+            <a:off x="0" y="8685213"/>
+            <a:ext cx="2971800" cy="458787"/>
+          </a:xfrm>
+          <a:prstGeom prst="rect">
+            <a:avLst/>
+          </a:prstGeom>
+        </p:spPr>
+        <p:txBody>
+          <a:bodyPr vert="horz" lIns="91440" tIns="45720" rIns="91440" bIns="45720" rtlCol="0" anchor="b"/>
+          <a:lstStyle>
+            <a:lvl1pPr algn="l">
+              <a:defRPr sz="1200"/>
+            </a:lvl1pPr>
+          </a:lstStyle>
+          <a:p>
+            <a:endParaRPr lang="en-US"/>
+          </a:p>
+        </p:txBody>
+      </p:sp>
+      <p:sp>
+        <p:nvSpPr>
+          <p:cNvPr id="5" name="Slide Number Placeholder 4">
+            <a:extLst>
+              <a:ext uri="{FF2B5EF4-FFF2-40B4-BE49-F238E27FC236}">
+                <a16:creationId xmlns:a16="http://schemas.microsoft.com/office/drawing/2014/main" id="{E557EA2E-6DA4-BE19-C86F-3E8762A58AF1}"/>
+              </a:ext>
+            </a:extLst>
+          </p:cNvPr>
+          <p:cNvSpPr>
+            <a:spLocks noGrp="1"/>
+          </p:cNvSpPr>
+          <p:nvPr>
+            <p:ph type="sldNum" sz="quarter" idx="3"/>
+          </p:nvPr>
+        </p:nvSpPr>
+        <p:spPr>
+          <a:xfrm>
+            <a:off x="3884613" y="8685213"/>
+            <a:ext cx="2971800" cy="458787"/>
+          </a:xfrm>
+          <a:prstGeom prst="rect">
+            <a:avLst/>
+          </a:prstGeom>
+        </p:spPr>
+        <p:txBody>
+          <a:bodyPr vert="horz" lIns="91440" tIns="45720" rIns="91440" bIns="45720" rtlCol="0" anchor="b"/>
+          <a:lstStyle>
+            <a:lvl1pPr algn="r">
+              <a:defRPr sz="1200"/>
+            </a:lvl1pPr>
+          </a:lstStyle>
+          <a:p>
+            <a:fld id="{F1FEC27B-AE88-405E-A651-3243A6CA2A2C}" type="slidenum">
+              <a:rPr lang="en-US" smtClean="0"/>
+              <a:t>‹#›</a:t>
+            </a:fld>
+            <a:endParaRPr lang="en-US"/>
+          </a:p>
+        </p:txBody>
+      </p:sp>
+    </p:spTree>
+    <p:extLst>
+      <p:ext uri="{BB962C8B-B14F-4D97-AF65-F5344CB8AC3E}">
+        <p14:creationId xmlns:p14="http://schemas.microsoft.com/office/powerpoint/2010/main" val="3203212788"/>
+      </p:ext>
+    </p:extLst>
+  </p:cSld>
+  <p:clrMap bg1="lt1" tx1="dk1" bg2="lt2" tx2="dk2" accent1="accent1" accent2="accent2" accent3="accent3" accent4="accent4" accent5="accent5" accent6="accent6" hlink="hlink" folHlink="folHlink"/>
+  <p:hf dt="0"/>
+</p:handoutMaster>
+</file>
+
+<file path=ppt/notesMasters/notesMaster1.xml><?xml version="1.0" encoding="utf-8"?>
+<p:notesMaster xmlns:a="http://schemas.openxmlformats.org/drawingml/2006/main" xmlns:r="http://schemas.openxmlformats.org/officeDocument/2006/relationships" xmlns:p="http://schemas.openxmlformats.org/presentationml/2006/main">
+  <p:cSld>
+    <p:bg>
+      <p:bgRef idx="1001">
+        <a:schemeClr val="bg1"/>
+      </p:bgRef>
+    </p:bg>
+    <p:spTree>
+      <p:nvGrpSpPr>
+        <p:cNvPr id="1" name=""/>
+        <p:cNvGrpSpPr/>
+        <p:nvPr/>
+      </p:nvGrpSpPr>
+      <p:grpSpPr>
+        <a:xfrm>
+          <a:off x="0" y="0"/>
+          <a:ext cx="0" cy="0"/>
+          <a:chOff x="0" y="0"/>
+          <a:chExt cx="0" cy="0"/>
+        </a:xfrm>
+      </p:grpSpPr>
+      <p:sp>
+        <p:nvSpPr>
+          <p:cNvPr id="2" name="Header Placeholder 1"/>
+          <p:cNvSpPr>
+            <a:spLocks noGrp="1"/>
+          </p:cNvSpPr>
+          <p:nvPr>
+            <p:ph type="hdr" sz="quarter"/>
+          </p:nvPr>
+        </p:nvSpPr>
+        <p:spPr>
+          <a:xfrm>
+            <a:off x="0" y="0"/>
+            <a:ext cx="2971800" cy="458788"/>
+          </a:xfrm>
+          <a:prstGeom prst="rect">
+            <a:avLst/>
+          </a:prstGeom>
+        </p:spPr>
+        <p:txBody>
+          <a:bodyPr vert="horz" lIns="91440" tIns="45720" rIns="91440" bIns="45720" rtlCol="0"/>
+          <a:lstStyle>
+            <a:lvl1pPr algn="l">
+              <a:defRPr sz="1200"/>
+            </a:lvl1pPr>
+          </a:lstStyle>
+          <a:p>
+            <a:endParaRPr lang="en-US"/>
+          </a:p>
+        </p:txBody>
+      </p:sp>
+      <p:sp>
+        <p:nvSpPr>
+          <p:cNvPr id="3" name="Date Placeholder 2"/>
+          <p:cNvSpPr>
+            <a:spLocks noGrp="1"/>
+          </p:cNvSpPr>
+          <p:nvPr>
+            <p:ph type="dt" idx="1"/>
+          </p:nvPr>
+        </p:nvSpPr>
+        <p:spPr>
+          <a:xfrm>
+            <a:off x="3884613" y="0"/>
+            <a:ext cx="2971800" cy="458788"/>
+          </a:xfrm>
+          <a:prstGeom prst="rect">
+            <a:avLst/>
+          </a:prstGeom>
+        </p:spPr>
+        <p:txBody>
+          <a:bodyPr vert="horz" lIns="91440" tIns="45720" rIns="91440" bIns="45720" rtlCol="0"/>
+          <a:lstStyle>
+            <a:lvl1pPr algn="r">
+              <a:defRPr sz="1200"/>
+            </a:lvl1pPr>
+          </a:lstStyle>
+          <a:p>
+            <a:fld id="{97583D98-412F-4391-9700-1C73209DE1F1}" type="datetimeFigureOut">
+              <a:rPr lang="en-US" smtClean="0"/>
+              <a:t>5/29/2023</a:t>
+            </a:fld>
+            <a:endParaRPr lang="en-US"/>
+          </a:p>
+        </p:txBody>
+      </p:sp>
+      <p:sp>
+        <p:nvSpPr>
+          <p:cNvPr id="4" name="Slide Image Placeholder 3"/>
+          <p:cNvSpPr>
+            <a:spLocks noGrp="1" noRot="1" noChangeAspect="1"/>
+          </p:cNvSpPr>
+          <p:nvPr>
+            <p:ph type="sldImg" idx="2"/>
+          </p:nvPr>
+        </p:nvSpPr>
+        <p:spPr>
+          <a:xfrm>
+            <a:off x="685800" y="1143000"/>
+            <a:ext cx="5486400" cy="3086100"/>
+          </a:xfrm>
+          <a:prstGeom prst="rect">
+            <a:avLst/>
+          </a:prstGeom>
+          <a:noFill/>
+          <a:ln w="12700">
+            <a:solidFill>
+              <a:prstClr val="black"/>
+            </a:solidFill>
+          </a:ln>
+        </p:spPr>
+        <p:txBody>
+          <a:bodyPr vert="horz" lIns="91440" tIns="45720" rIns="91440" bIns="45720" rtlCol="0" anchor="ctr"/>
+          <a:lstStyle/>
+          <a:p>
+            <a:endParaRPr lang="en-US"/>
+          </a:p>
+        </p:txBody>
+      </p:sp>
+      <p:sp>
+        <p:nvSpPr>
+          <p:cNvPr id="5" name="Notes Placeholder 4"/>
+          <p:cNvSpPr>
+            <a:spLocks noGrp="1"/>
+          </p:cNvSpPr>
+          <p:nvPr>
+            <p:ph type="body" sz="quarter" idx="3"/>
+          </p:nvPr>
+        </p:nvSpPr>
+        <p:spPr>
+          <a:xfrm>
+            <a:off x="685800" y="4400550"/>
+            <a:ext cx="5486400" cy="3600450"/>
+          </a:xfrm>
+          <a:prstGeom prst="rect">
+            <a:avLst/>
+          </a:prstGeom>
+        </p:spPr>
+        <p:txBody>
+          <a:bodyPr vert="horz" lIns="91440" tIns="45720" rIns="91440" bIns="45720" rtlCol="0"/>
+          <a:lstStyle/>
+          <a:p>
+            <a:pPr lvl="0"/>
+            <a:r>
+              <a:rPr lang="en-US"/>
+              <a:t>Click to edit Master text styles</a:t>
+            </a:r>
+          </a:p>
+          <a:p>
+            <a:pPr lvl="1"/>
+            <a:r>
+              <a:rPr lang="en-US"/>
+              <a:t>Second level</a:t>
+            </a:r>
+          </a:p>
+          <a:p>
+            <a:pPr lvl="2"/>
+            <a:r>
+              <a:rPr lang="en-US"/>
+              <a:t>Third level</a:t>
+            </a:r>
+          </a:p>
+          <a:p>
+            <a:pPr lvl="3"/>
+            <a:r>
+              <a:rPr lang="en-US"/>
+              <a:t>Fourth level</a:t>
+            </a:r>
+          </a:p>
+          <a:p>
+            <a:pPr lvl="4"/>
+            <a:r>
+              <a:rPr lang="en-US"/>
+              <a:t>Fifth level</a:t>
+            </a:r>
+          </a:p>
+        </p:txBody>
+      </p:sp>
+      <p:sp>
+        <p:nvSpPr>
+          <p:cNvPr id="6" name="Footer Placeholder 5"/>
+          <p:cNvSpPr>
+            <a:spLocks noGrp="1"/>
+          </p:cNvSpPr>
+          <p:nvPr>
+            <p:ph type="ftr" sz="quarter" idx="4"/>
+          </p:nvPr>
+        </p:nvSpPr>
+        <p:spPr>
+          <a:xfrm>
+            <a:off x="0" y="8685213"/>
+            <a:ext cx="2971800" cy="458787"/>
+          </a:xfrm>
+          <a:prstGeom prst="rect">
+            <a:avLst/>
+          </a:prstGeom>
+        </p:spPr>
+        <p:txBody>
+          <a:bodyPr vert="horz" lIns="91440" tIns="45720" rIns="91440" bIns="45720" rtlCol="0" anchor="b"/>
+          <a:lstStyle>
+            <a:lvl1pPr algn="l">
+              <a:defRPr sz="1200"/>
+            </a:lvl1pPr>
+          </a:lstStyle>
+          <a:p>
+            <a:endParaRPr lang="en-US"/>
+          </a:p>
+        </p:txBody>
+      </p:sp>
+      <p:sp>
+        <p:nvSpPr>
+          <p:cNvPr id="7" name="Slide Number Placeholder 6"/>
+          <p:cNvSpPr>
+            <a:spLocks noGrp="1"/>
+          </p:cNvSpPr>
+          <p:nvPr>
+            <p:ph type="sldNum" sz="quarter" idx="5"/>
+          </p:nvPr>
+        </p:nvSpPr>
+        <p:spPr>
+          <a:xfrm>
+            <a:off x="3884613" y="8685213"/>
+            <a:ext cx="2971800" cy="458787"/>
+          </a:xfrm>
+          <a:prstGeom prst="rect">
+            <a:avLst/>
+          </a:prstGeom>
+        </p:spPr>
+        <p:txBody>
+          <a:bodyPr vert="horz" lIns="91440" tIns="45720" rIns="91440" bIns="45720" rtlCol="0" anchor="b"/>
+          <a:lstStyle>
+            <a:lvl1pPr algn="r">
+              <a:defRPr sz="1200"/>
+            </a:lvl1pPr>
+          </a:lstStyle>
+          <a:p>
+            <a:fld id="{C44475EB-D6EA-494D-AAFC-94EFEB745D03}" type="slidenum">
+              <a:rPr lang="en-US" smtClean="0"/>
+              <a:t>‹#›</a:t>
+            </a:fld>
+            <a:endParaRPr lang="en-US"/>
+          </a:p>
+        </p:txBody>
+      </p:sp>
+    </p:spTree>
+    <p:extLst>
+      <p:ext uri="{BB962C8B-B14F-4D97-AF65-F5344CB8AC3E}">
+        <p14:creationId xmlns:p14="http://schemas.microsoft.com/office/powerpoint/2010/main" val="1311897056"/>
+      </p:ext>
+    </p:extLst>
+  </p:cSld>
+  <p:clrMap bg1="lt1" tx1="dk1" bg2="lt2" tx2="dk2" accent1="accent1" accent2="accent2" accent3="accent3" accent4="accent4" accent5="accent5" accent6="accent6" hlink="hlink" folHlink="folHlink"/>
+  <p:hf dt="0"/>
+  <p:notesStyle>
+    <a:lvl1pPr marL="0" algn="l" defTabSz="914400" rtl="0" eaLnBrk="1" latinLnBrk="0" hangingPunct="1">
+      <a:defRPr sz="1200" kern="1200">
+        <a:solidFill>
+          <a:schemeClr val="tx1"/>
+        </a:solidFill>
+        <a:latin typeface="+mn-lt"/>
+        <a:ea typeface="+mn-ea"/>
+        <a:cs typeface="+mn-cs"/>
+      </a:defRPr>
+    </a:lvl1pPr>
+    <a:lvl2pPr marL="457200" algn="l" defTabSz="914400" rtl="0" eaLnBrk="1" latinLnBrk="0" hangingPunct="1">
+      <a:defRPr sz="1200" kern="1200">
+        <a:solidFill>
+          <a:schemeClr val="tx1"/>
+        </a:solidFill>
+        <a:latin typeface="+mn-lt"/>
+        <a:ea typeface="+mn-ea"/>
+        <a:cs typeface="+mn-cs"/>
+      </a:defRPr>
+    </a:lvl2pPr>
+    <a:lvl3pPr marL="914400" algn="l" defTabSz="914400" rtl="0" eaLnBrk="1" latinLnBrk="0" hangingPunct="1">
+      <a:defRPr sz="1200" kern="1200">
+        <a:solidFill>
+          <a:schemeClr val="tx1"/>
+        </a:solidFill>
+        <a:latin typeface="+mn-lt"/>
+        <a:ea typeface="+mn-ea"/>
+        <a:cs typeface="+mn-cs"/>
+      </a:defRPr>
+    </a:lvl3pPr>
+    <a:lvl4pPr marL="1371600" algn="l" defTabSz="914400" rtl="0" eaLnBrk="1" latinLnBrk="0" hangingPunct="1">
+      <a:defRPr sz="1200" kern="1200">
+        <a:solidFill>
+          <a:schemeClr val="tx1"/>
+        </a:solidFill>
+        <a:latin typeface="+mn-lt"/>
+        <a:ea typeface="+mn-ea"/>
+        <a:cs typeface="+mn-cs"/>
+      </a:defRPr>
+    </a:lvl4pPr>
+    <a:lvl5pPr marL="1828800" algn="l" defTabSz="914400" rtl="0" eaLnBrk="1" latinLnBrk="0" hangingPunct="1">
+      <a:defRPr sz="1200" kern="1200">
+        <a:solidFill>
+          <a:schemeClr val="tx1"/>
+        </a:solidFill>
+        <a:latin typeface="+mn-lt"/>
+        <a:ea typeface="+mn-ea"/>
+        <a:cs typeface="+mn-cs"/>
+      </a:defRPr>
+    </a:lvl5pPr>
+    <a:lvl6pPr marL="2286000" algn="l" defTabSz="914400" rtl="0" eaLnBrk="1" latinLnBrk="0" hangingPunct="1">
+      <a:defRPr sz="1200" kern="1200">
+        <a:solidFill>
+          <a:schemeClr val="tx1"/>
+        </a:solidFill>
+        <a:latin typeface="+mn-lt"/>
+        <a:ea typeface="+mn-ea"/>
+        <a:cs typeface="+mn-cs"/>
+      </a:defRPr>
+    </a:lvl6pPr>
+    <a:lvl7pPr marL="2743200" algn="l" defTabSz="914400" rtl="0" eaLnBrk="1" latinLnBrk="0" hangingPunct="1">
+      <a:defRPr sz="1200" kern="1200">
+        <a:solidFill>
+          <a:schemeClr val="tx1"/>
+        </a:solidFill>
+        <a:latin typeface="+mn-lt"/>
+        <a:ea typeface="+mn-ea"/>
+        <a:cs typeface="+mn-cs"/>
+      </a:defRPr>
+    </a:lvl7pPr>
+    <a:lvl8pPr marL="3200400" algn="l" defTabSz="914400" rtl="0" eaLnBrk="1" latinLnBrk="0" hangingPunct="1">
+      <a:defRPr sz="1200" kern="1200">
+        <a:solidFill>
+          <a:schemeClr val="tx1"/>
+        </a:solidFill>
+        <a:latin typeface="+mn-lt"/>
+        <a:ea typeface="+mn-ea"/>
+        <a:cs typeface="+mn-cs"/>
+      </a:defRPr>
+    </a:lvl8pPr>
+    <a:lvl9pPr marL="3657600" algn="l" defTabSz="914400" rtl="0" eaLnBrk="1" latinLnBrk="0" hangingPunct="1">
+      <a:defRPr sz="1200" kern="1200">
+        <a:solidFill>
+          <a:schemeClr val="tx1"/>
+        </a:solidFill>
+        <a:latin typeface="+mn-lt"/>
+        <a:ea typeface="+mn-ea"/>
+        <a:cs typeface="+mn-cs"/>
+      </a:defRPr>
+    </a:lvl9pPr>
+  </p:notesStyle>
+</p:notesMaster>
+</file>
+
 <file path=ppt/slideLayouts/slideLayout1.xml><?xml version="1.0" encoding="utf-8"?>
 <p:sldLayout xmlns:a="http://schemas.openxmlformats.org/drawingml/2006/main" xmlns:r="http://schemas.openxmlformats.org/officeDocument/2006/relationships" xmlns:p="http://schemas.openxmlformats.org/presentationml/2006/main" type="title" preserve="1">
   <p:cSld name="Title Slide">
@@ -3434,10 +3981,10 @@
       </p:sp>
       <p:sp>
         <p:nvSpPr>
-          <p:cNvPr id="8" name="TextBox 7">
-            <a:extLst>
-              <a:ext uri="{FF2B5EF4-FFF2-40B4-BE49-F238E27FC236}">
-                <a16:creationId xmlns:a16="http://schemas.microsoft.com/office/drawing/2014/main" id="{99ECA4E4-FC1F-2FB7-2EA3-85B397A8E328}"/>
+          <p:cNvPr id="9" name="TextBox 8">
+            <a:extLst>
+              <a:ext uri="{FF2B5EF4-FFF2-40B4-BE49-F238E27FC236}">
+                <a16:creationId xmlns:a16="http://schemas.microsoft.com/office/drawing/2014/main" id="{95B977CB-D169-3236-C44F-0BCE5729EC79}"/>
               </a:ext>
             </a:extLst>
           </p:cNvPr>
@@ -3453,7 +4000,7 @@
         <p:spPr>
           <a:xfrm>
             <a:off x="190500" y="6515100"/>
-            <a:ext cx="1019175" cy="152400"/>
+            <a:ext cx="923925" cy="152400"/>
           </a:xfrm>
           <a:prstGeom prst="rect">
             <a:avLst/>
@@ -3474,7 +4021,7 @@
                 <a:latin typeface="Calibri" panose="020F0502020204030204" pitchFamily="34" charset="0"/>
                 <a:cs typeface="Calibri" panose="020F0502020204030204" pitchFamily="34" charset="0"/>
               </a:rPr>
-              <a:t>Sensitivity: Internal</a:t>
+              <a:t>Sensitivity: Public</a:t>
             </a:r>
           </a:p>
         </p:txBody>
@@ -3822,19 +4369,11 @@
           <a:lstStyle/>
           <a:p>
             <a:r>
-              <a:rPr lang="it-IT" dirty="0"/>
-              <a:t>C# </a:t>
-            </a:r>
-            <a:r>
-              <a:rPr lang="it-IT" dirty="0" err="1"/>
-              <a:t>meets</a:t>
-            </a:r>
-            <a:r>
-              <a:rPr lang="it-IT" dirty="0"/>
-              <a:t> </a:t>
-            </a:r>
-            <a:r>
-              <a:rPr lang="it-IT" dirty="0" err="1"/>
+              <a:rPr lang="en-US" dirty="0"/>
+              <a:t>C# meets </a:t>
+            </a:r>
+            <a:r>
+              <a:rPr lang="en-US" dirty="0" err="1"/>
               <a:t>ChatGpt</a:t>
             </a:r>
             <a:endParaRPr lang="en-US" dirty="0"/>
@@ -3863,43 +4402,15 @@
           <a:lstStyle/>
           <a:p>
             <a:r>
-              <a:rPr lang="it-IT" dirty="0"/>
-              <a:t>Setup </a:t>
-            </a:r>
-            <a:r>
-              <a:rPr lang="it-IT" dirty="0" err="1"/>
-              <a:t>your</a:t>
-            </a:r>
-            <a:r>
-              <a:rPr lang="it-IT" dirty="0"/>
-              <a:t> "domain </a:t>
-            </a:r>
-            <a:r>
-              <a:rPr lang="it-IT" dirty="0" err="1"/>
-              <a:t>expert</a:t>
-            </a:r>
-            <a:r>
-              <a:rPr lang="it-IT" dirty="0"/>
-              <a:t>" chatbot </a:t>
-            </a:r>
-            <a:r>
-              <a:rPr lang="it-IT" i="1" dirty="0" err="1"/>
-              <a:t>without</a:t>
-            </a:r>
-            <a:r>
-              <a:rPr lang="it-IT" i="1" dirty="0"/>
-              <a:t> </a:t>
-            </a:r>
-            <a:r>
-              <a:rPr lang="it-IT" i="1" dirty="0" err="1"/>
-              <a:t>Phyton</a:t>
-            </a:r>
-            <a:r>
-              <a:rPr lang="it-IT" i="1" dirty="0"/>
-              <a:t> </a:t>
-            </a:r>
-            <a:r>
-              <a:rPr lang="it-IT" i="1" dirty="0">
+              <a:rPr lang="en-US" dirty="0"/>
+              <a:t>Setup your "domain expert" chatbot </a:t>
+            </a:r>
+            <a:r>
+              <a:rPr lang="en-US" i="1" dirty="0"/>
+              <a:t>without Phyton </a:t>
+            </a:r>
+            <a:r>
+              <a:rPr lang="en-US" i="1" dirty="0">
                 <a:sym typeface="Wingdings" panose="05000000000000000000" pitchFamily="2" charset="2"/>
               </a:rPr>
               <a:t></a:t>
@@ -3984,15 +4495,7 @@
             </a:br>
             <a:r>
               <a:rPr lang="it-IT" dirty="0"/>
-              <a:t>Chatbot </a:t>
-            </a:r>
-            <a:r>
-              <a:rPr lang="it-IT" dirty="0" err="1"/>
-              <a:t>upfront</a:t>
-            </a:r>
-            <a:r>
-              <a:rPr lang="it-IT" dirty="0"/>
-              <a:t> setup </a:t>
+              <a:t>a) Chatbot up-front setup </a:t>
             </a:r>
             <a:endParaRPr lang="en-US" dirty="0"/>
           </a:p>
@@ -4022,26 +4525,9 @@
           <a:lstStyle/>
           <a:p>
             <a:r>
-              <a:rPr lang="it-IT" dirty="0" err="1"/>
-              <a:t>Documentation</a:t>
-            </a:r>
-            <a:r>
-              <a:rPr lang="it-IT" dirty="0"/>
-              <a:t> </a:t>
-            </a:r>
-            <a:r>
-              <a:rPr lang="it-IT" dirty="0" err="1"/>
-              <a:t>Embeddings</a:t>
-            </a:r>
-            <a:r>
-              <a:rPr lang="it-IT" dirty="0"/>
-              <a:t> </a:t>
-            </a:r>
-            <a:r>
-              <a:rPr lang="it-IT" dirty="0" err="1"/>
-              <a:t>preparation</a:t>
-            </a:r>
-            <a:endParaRPr lang="it-IT" dirty="0"/>
+              <a:rPr lang="en-US" dirty="0"/>
+              <a:t>Documentation Embeddings preparation</a:t>
+            </a:r>
           </a:p>
           <a:p>
             <a:pPr marL="914400" lvl="1" indent="-457200">
@@ -4049,70 +4535,39 @@
               <a:buAutoNum type="arabicPeriod"/>
             </a:pPr>
             <a:r>
-              <a:rPr lang="it-IT" dirty="0"/>
+              <a:rPr lang="en-US" dirty="0"/>
               <a:t>Use </a:t>
             </a:r>
             <a:r>
-              <a:rPr lang="it-IT" dirty="0" err="1"/>
+              <a:rPr lang="en-US" dirty="0" err="1"/>
               <a:t>openAi</a:t>
             </a:r>
             <a:r>
-              <a:rPr lang="it-IT" dirty="0"/>
-              <a:t> </a:t>
-            </a:r>
-            <a:r>
-              <a:rPr lang="it-IT" dirty="0" err="1"/>
-              <a:t>embeddiong</a:t>
-            </a:r>
-            <a:r>
-              <a:rPr lang="it-IT" dirty="0"/>
-              <a:t> api endpoint to </a:t>
-            </a:r>
-            <a:r>
-              <a:rPr lang="it-IT" dirty="0" err="1"/>
-              <a:t>get</a:t>
-            </a:r>
-            <a:r>
-              <a:rPr lang="it-IT" dirty="0"/>
-              <a:t> </a:t>
-            </a:r>
-            <a:r>
-              <a:rPr lang="it-IT" dirty="0" err="1"/>
-              <a:t>corresponding</a:t>
-            </a:r>
-            <a:r>
-              <a:rPr lang="it-IT" dirty="0"/>
-              <a:t> </a:t>
-            </a:r>
-            <a:r>
-              <a:rPr lang="it-IT" dirty="0" err="1"/>
-              <a:t>embedding</a:t>
-            </a:r>
-            <a:r>
-              <a:rPr lang="it-IT" dirty="0"/>
-              <a:t> of </a:t>
-            </a:r>
-            <a:r>
-              <a:rPr lang="it-IT" dirty="0" err="1"/>
-              <a:t>your</a:t>
-            </a:r>
-            <a:r>
-              <a:rPr lang="it-IT" dirty="0"/>
-              <a:t> </a:t>
-            </a:r>
-            <a:r>
-              <a:rPr lang="it-IT" dirty="0" err="1"/>
-              <a:t>relevant</a:t>
-            </a:r>
-            <a:r>
-              <a:rPr lang="it-IT" dirty="0"/>
-              <a:t> </a:t>
-            </a:r>
-            <a:r>
-              <a:rPr lang="it-IT" dirty="0" err="1"/>
-              <a:t>documents</a:t>
-            </a:r>
-            <a:endParaRPr lang="it-IT" dirty="0"/>
+              <a:rPr lang="en-US" dirty="0"/>
+              <a:t> embedding api endpoint to get corresponding embedding of your relevant "documents"</a:t>
+            </a:r>
+          </a:p>
+          <a:p>
+            <a:pPr lvl="2"/>
+            <a:r>
+              <a:rPr lang="en-US" dirty="0"/>
+              <a:t>Track token count of embedded text since the text will be sent to chat/completion endpoint that have a global token limit (</a:t>
+            </a:r>
+            <a:r>
+              <a:rPr lang="en-US" dirty="0" err="1"/>
+              <a:t>chatgpt</a:t>
+            </a:r>
+            <a:r>
+              <a:rPr lang="en-US" dirty="0"/>
+              <a:t> 3.5 turbo : 4096)</a:t>
+            </a:r>
+            <a:br>
+              <a:rPr lang="en-US" dirty="0"/>
+            </a:br>
+            <a:r>
+              <a:rPr lang="en-US" dirty="0"/>
+              <a:t>Suggestion is to try to stay below 500</a:t>
+            </a:r>
           </a:p>
           <a:p>
             <a:pPr marL="914400" lvl="1" indent="-457200">
@@ -4120,86 +4575,22 @@
               <a:buAutoNum type="arabicPeriod"/>
             </a:pPr>
             <a:r>
-              <a:rPr lang="it-IT" dirty="0"/>
-              <a:t>Store </a:t>
-            </a:r>
-            <a:r>
-              <a:rPr lang="it-IT" dirty="0" err="1"/>
-              <a:t>embedding</a:t>
-            </a:r>
-            <a:r>
-              <a:rPr lang="it-IT" dirty="0"/>
-              <a:t> and </a:t>
-            </a:r>
-            <a:r>
-              <a:rPr lang="it-IT" dirty="0" err="1"/>
-              <a:t>original</a:t>
-            </a:r>
-            <a:r>
-              <a:rPr lang="it-IT" dirty="0"/>
-              <a:t> text</a:t>
+              <a:rPr lang="en-US" dirty="0"/>
+              <a:t>Store embedding and original text</a:t>
             </a:r>
           </a:p>
           <a:p>
             <a:pPr lvl="2"/>
             <a:r>
-              <a:rPr lang="it-IT" dirty="0" err="1"/>
-              <a:t>There</a:t>
-            </a:r>
-            <a:r>
-              <a:rPr lang="it-IT" dirty="0"/>
-              <a:t> are </a:t>
-            </a:r>
-            <a:r>
-              <a:rPr lang="it-IT" dirty="0" err="1"/>
-              <a:t>vectors</a:t>
-            </a:r>
-            <a:r>
-              <a:rPr lang="it-IT" dirty="0"/>
-              <a:t> databases </a:t>
-            </a:r>
-            <a:r>
-              <a:rPr lang="it-IT" dirty="0" err="1"/>
-              <a:t>that</a:t>
-            </a:r>
-            <a:r>
-              <a:rPr lang="it-IT" dirty="0"/>
-              <a:t> </a:t>
-            </a:r>
-            <a:r>
-              <a:rPr lang="it-IT" dirty="0" err="1"/>
-              <a:t>provide</a:t>
-            </a:r>
-            <a:r>
-              <a:rPr lang="it-IT" dirty="0"/>
-              <a:t> cosine </a:t>
-            </a:r>
-            <a:r>
-              <a:rPr lang="it-IT" dirty="0" err="1"/>
-              <a:t>similarity</a:t>
-            </a:r>
-            <a:r>
-              <a:rPr lang="it-IT" dirty="0"/>
-              <a:t> out-of-the-box</a:t>
+              <a:rPr lang="en-US" dirty="0"/>
+              <a:t>There are vectors databases that provide vector operations out-of-the-box (e.g. cosine similarity, more on it later)</a:t>
             </a:r>
           </a:p>
           <a:p>
             <a:pPr lvl="2"/>
             <a:r>
-              <a:rPr lang="it-IT" dirty="0" err="1"/>
-              <a:t>Sql</a:t>
-            </a:r>
-            <a:r>
-              <a:rPr lang="it-IT" dirty="0"/>
-              <a:t> server </a:t>
-            </a:r>
-            <a:r>
-              <a:rPr lang="it-IT" dirty="0" err="1"/>
-              <a:t>is</a:t>
-            </a:r>
-            <a:r>
-              <a:rPr lang="it-IT" dirty="0"/>
-              <a:t> ok to start with</a:t>
+              <a:rPr lang="en-US" dirty="0"/>
+              <a:t>SQL server is ok to start with</a:t>
             </a:r>
           </a:p>
         </p:txBody>
@@ -4256,58 +4647,18 @@
           <a:lstStyle/>
           <a:p>
             <a:r>
-              <a:rPr lang="it-IT" dirty="0"/>
-              <a:t>How can </a:t>
-            </a:r>
-            <a:r>
-              <a:rPr lang="it-IT" dirty="0" err="1"/>
-              <a:t>embeddings</a:t>
-            </a:r>
-            <a:r>
-              <a:rPr lang="it-IT" dirty="0"/>
-              <a:t> can help me </a:t>
-            </a:r>
-            <a:r>
-              <a:rPr lang="it-IT" dirty="0" err="1"/>
-              <a:t>then</a:t>
-            </a:r>
-            <a:r>
-              <a:rPr lang="it-IT" dirty="0"/>
-              <a:t>?</a:t>
+              <a:rPr lang="en-US" dirty="0"/>
+              <a:t>How can embeddings can help me then?</a:t>
             </a:r>
             <a:br>
-              <a:rPr lang="it-IT" dirty="0"/>
+              <a:rPr lang="en-US" dirty="0"/>
             </a:br>
             <a:r>
-              <a:rPr lang="it-IT" dirty="0"/>
-              <a:t>b) user </a:t>
-            </a:r>
-            <a:r>
-              <a:rPr lang="it-IT" dirty="0" err="1"/>
-              <a:t>question</a:t>
-            </a:r>
-            <a:r>
-              <a:rPr lang="it-IT" dirty="0"/>
-              <a:t> </a:t>
-            </a:r>
-            <a:r>
-              <a:rPr lang="it-IT" dirty="0" err="1"/>
-              <a:t>arrives</a:t>
-            </a:r>
-            <a:r>
-              <a:rPr lang="it-IT" dirty="0"/>
-              <a:t> to "</a:t>
-            </a:r>
-            <a:r>
-              <a:rPr lang="it-IT" dirty="0" err="1"/>
-              <a:t>your</a:t>
-            </a:r>
-            <a:r>
-              <a:rPr lang="it-IT" dirty="0"/>
-              <a:t>" </a:t>
-            </a:r>
-            <a:r>
-              <a:rPr lang="it-IT" dirty="0" err="1"/>
+              <a:rPr lang="en-US" dirty="0"/>
+              <a:t>b) user question arrives to "your" </a:t>
+            </a:r>
+            <a:r>
+              <a:rPr lang="en-US" dirty="0" err="1"/>
               <a:t>ChatBot</a:t>
             </a:r>
             <a:endParaRPr lang="en-US" dirty="0"/>
@@ -4338,44 +4689,8 @@
           <a:lstStyle/>
           <a:p>
             <a:r>
-              <a:rPr lang="it-IT" dirty="0" err="1"/>
-              <a:t>Prepare</a:t>
-            </a:r>
-            <a:r>
-              <a:rPr lang="it-IT" dirty="0"/>
-              <a:t> payload to be </a:t>
-            </a:r>
-            <a:r>
-              <a:rPr lang="it-IT" dirty="0" err="1"/>
-              <a:t>sent</a:t>
-            </a:r>
-            <a:r>
-              <a:rPr lang="it-IT" dirty="0"/>
-              <a:t> to </a:t>
-            </a:r>
-            <a:r>
-              <a:rPr lang="it-IT" dirty="0" err="1"/>
-              <a:t>openai</a:t>
-            </a:r>
-            <a:r>
-              <a:rPr lang="it-IT" dirty="0"/>
-              <a:t> </a:t>
-            </a:r>
-            <a:r>
-              <a:rPr lang="it-IT" dirty="0" err="1"/>
-              <a:t>complition</a:t>
-            </a:r>
-            <a:r>
-              <a:rPr lang="it-IT" dirty="0"/>
-              <a:t> api </a:t>
-            </a:r>
-            <a:r>
-              <a:rPr lang="it-IT" dirty="0" err="1"/>
-              <a:t>as</a:t>
-            </a:r>
-            <a:r>
-              <a:rPr lang="it-IT" dirty="0"/>
-              <a:t> follow</a:t>
+              <a:rPr lang="en-US" dirty="0"/>
+              <a:t>Prepare payload to be sent to open.ai completion api as follow</a:t>
             </a:r>
           </a:p>
           <a:p>
@@ -4384,36 +4699,8 @@
               <a:buAutoNum type="arabicPeriod"/>
             </a:pPr>
             <a:r>
-              <a:rPr lang="it-IT" dirty="0" err="1"/>
-              <a:t>Add</a:t>
-            </a:r>
-            <a:r>
-              <a:rPr lang="it-IT" dirty="0"/>
-              <a:t> </a:t>
-            </a:r>
-            <a:r>
-              <a:rPr lang="it-IT" dirty="0" err="1"/>
-              <a:t>Role</a:t>
-            </a:r>
-            <a:r>
-              <a:rPr lang="it-IT" dirty="0"/>
-              <a:t>="System" </a:t>
-            </a:r>
-            <a:r>
-              <a:rPr lang="it-IT" dirty="0" err="1"/>
-              <a:t>message</a:t>
-            </a:r>
-            <a:r>
-              <a:rPr lang="it-IT" dirty="0"/>
-              <a:t>(s) (drive </a:t>
-            </a:r>
-            <a:r>
-              <a:rPr lang="it-IT" dirty="0" err="1"/>
-              <a:t>behaviour</a:t>
-            </a:r>
-            <a:r>
-              <a:rPr lang="it-IT" dirty="0"/>
-              <a:t> of model)</a:t>
+              <a:rPr lang="en-US" dirty="0"/>
+              <a:t>Add Role="System" message(s) (drive behavior of model)</a:t>
             </a:r>
           </a:p>
           <a:p>
@@ -4422,93 +4709,24 @@
               <a:buAutoNum type="arabicPeriod"/>
             </a:pPr>
             <a:r>
-              <a:rPr lang="it-IT" dirty="0"/>
-              <a:t>Pick up text </a:t>
-            </a:r>
-            <a:r>
-              <a:rPr lang="it-IT" dirty="0" err="1"/>
-              <a:t>blocks</a:t>
-            </a:r>
-            <a:r>
-              <a:rPr lang="it-IT" dirty="0"/>
-              <a:t> </a:t>
-            </a:r>
-            <a:r>
-              <a:rPr lang="it-IT" dirty="0" err="1"/>
-              <a:t>whose</a:t>
-            </a:r>
-            <a:r>
-              <a:rPr lang="it-IT" dirty="0"/>
-              <a:t> </a:t>
-            </a:r>
-            <a:r>
-              <a:rPr lang="it-IT" dirty="0" err="1"/>
-              <a:t>embeddings</a:t>
-            </a:r>
-            <a:r>
-              <a:rPr lang="it-IT" dirty="0"/>
-              <a:t> are </a:t>
-            </a:r>
-            <a:r>
-              <a:rPr lang="it-IT" dirty="0" err="1"/>
-              <a:t>closer</a:t>
-            </a:r>
-            <a:r>
-              <a:rPr lang="it-IT" dirty="0"/>
-              <a:t> to the </a:t>
-            </a:r>
-            <a:r>
-              <a:rPr lang="it-IT" dirty="0" err="1"/>
-              <a:t>question</a:t>
-            </a:r>
-            <a:r>
-              <a:rPr lang="it-IT" dirty="0"/>
-              <a:t> </a:t>
-            </a:r>
-            <a:r>
-              <a:rPr lang="it-IT" dirty="0" err="1"/>
-              <a:t>embedding</a:t>
+              <a:rPr lang="en-US" dirty="0"/>
+              <a:t>Pick up text from your database whose embeddings </a:t>
+            </a:r>
+            <a:r>
+              <a:rPr lang="en-US" i="1" dirty="0"/>
+              <a:t>are closer to the question embedding using </a:t>
+            </a:r>
+            <a:r>
+              <a:rPr lang="en-US" b="1" i="1" dirty="0"/>
+              <a:t>cosine proximity </a:t>
             </a:r>
             <a:br>
-              <a:rPr lang="it-IT" dirty="0"/>
+              <a:rPr lang="en-US" dirty="0"/>
             </a:br>
             <a:r>
-              <a:rPr lang="it-IT" dirty="0" err="1"/>
-              <a:t>push</a:t>
-            </a:r>
-            <a:r>
-              <a:rPr lang="it-IT" dirty="0"/>
-              <a:t> text </a:t>
-            </a:r>
-            <a:r>
-              <a:rPr lang="it-IT" dirty="0" err="1"/>
-              <a:t>blocks</a:t>
-            </a:r>
-            <a:r>
-              <a:rPr lang="it-IT" dirty="0"/>
-              <a:t> </a:t>
-            </a:r>
-            <a:r>
-              <a:rPr lang="it-IT" dirty="0" err="1"/>
-              <a:t>as</a:t>
-            </a:r>
-            <a:r>
-              <a:rPr lang="it-IT" dirty="0"/>
-              <a:t> </a:t>
-            </a:r>
-            <a:r>
-              <a:rPr lang="it-IT" dirty="0" err="1"/>
-              <a:t>Role</a:t>
-            </a:r>
-            <a:r>
-              <a:rPr lang="it-IT" dirty="0"/>
-              <a:t>="user" </a:t>
-            </a:r>
-            <a:r>
-              <a:rPr lang="it-IT" dirty="0" err="1"/>
-              <a:t>messages</a:t>
-            </a:r>
-            <a:endParaRPr lang="it-IT" dirty="0"/>
+              <a:rPr lang="en-US" dirty="0"/>
+              <a:t>push text blocks as Role="user" messages</a:t>
+            </a:r>
           </a:p>
           <a:p>
             <a:pPr marL="1371600" lvl="2" indent="-457200">
@@ -4516,107 +4734,15 @@
               <a:buAutoNum type="arabicPeriod"/>
             </a:pPr>
             <a:r>
-              <a:rPr lang="it-IT" dirty="0" err="1"/>
-              <a:t>It</a:t>
-            </a:r>
-            <a:r>
-              <a:rPr lang="it-IT" dirty="0"/>
-              <a:t> </a:t>
-            </a:r>
-            <a:r>
-              <a:rPr lang="it-IT" dirty="0" err="1"/>
-              <a:t>would</a:t>
-            </a:r>
-            <a:r>
-              <a:rPr lang="it-IT" dirty="0"/>
-              <a:t> </a:t>
-            </a:r>
-            <a:r>
-              <a:rPr lang="it-IT" dirty="0" err="1"/>
-              <a:t>appear</a:t>
-            </a:r>
-            <a:r>
-              <a:rPr lang="it-IT" dirty="0"/>
-              <a:t> more </a:t>
-            </a:r>
-            <a:r>
-              <a:rPr lang="it-IT" dirty="0" err="1"/>
-              <a:t>logical</a:t>
-            </a:r>
-            <a:r>
-              <a:rPr lang="it-IT" dirty="0"/>
-              <a:t> to put </a:t>
-            </a:r>
-            <a:r>
-              <a:rPr lang="it-IT" dirty="0" err="1"/>
-              <a:t>documents</a:t>
-            </a:r>
-            <a:r>
-              <a:rPr lang="it-IT" dirty="0"/>
-              <a:t> </a:t>
-            </a:r>
-            <a:r>
-              <a:rPr lang="it-IT" dirty="0" err="1"/>
-              <a:t>as</a:t>
-            </a:r>
-            <a:r>
-              <a:rPr lang="it-IT" dirty="0"/>
-              <a:t> </a:t>
-            </a:r>
-            <a:r>
-              <a:rPr lang="it-IT" dirty="0" err="1"/>
-              <a:t>role</a:t>
-            </a:r>
-            <a:r>
-              <a:rPr lang="it-IT" dirty="0"/>
-              <a:t>=System, </a:t>
-            </a:r>
-            <a:r>
-              <a:rPr lang="it-IT" dirty="0" err="1"/>
-              <a:t>but</a:t>
-            </a:r>
-            <a:r>
-              <a:rPr lang="it-IT" dirty="0"/>
-              <a:t> </a:t>
-            </a:r>
-            <a:r>
-              <a:rPr lang="it-IT" dirty="0" err="1"/>
-              <a:t>better</a:t>
-            </a:r>
-            <a:r>
-              <a:rPr lang="it-IT" dirty="0"/>
-              <a:t> stick to </a:t>
-            </a:r>
-            <a:r>
-              <a:rPr lang="it-IT" dirty="0" err="1"/>
-              <a:t>Role</a:t>
-            </a:r>
-            <a:r>
-              <a:rPr lang="it-IT" dirty="0"/>
-              <a:t>="user" , </a:t>
-            </a:r>
-            <a:r>
-              <a:rPr lang="it-IT" dirty="0" err="1"/>
-              <a:t>at</a:t>
-            </a:r>
-            <a:r>
-              <a:rPr lang="it-IT" dirty="0"/>
-              <a:t> </a:t>
-            </a:r>
-            <a:r>
-              <a:rPr lang="it-IT" dirty="0" err="1"/>
-              <a:t>least</a:t>
-            </a:r>
-            <a:r>
-              <a:rPr lang="it-IT" dirty="0"/>
-              <a:t> for </a:t>
-            </a:r>
-            <a:r>
-              <a:rPr lang="it-IT" dirty="0" err="1"/>
+              <a:rPr lang="en-US" dirty="0"/>
+              <a:t>It would appear more logical to put documents as role=System, but better stick to Role="user" , at least for </a:t>
+            </a:r>
+            <a:r>
+              <a:rPr lang="en-US" dirty="0" err="1"/>
               <a:t>chatgpt</a:t>
             </a:r>
             <a:r>
-              <a:rPr lang="it-IT" dirty="0"/>
+              <a:rPr lang="en-US" dirty="0"/>
               <a:t> 3.5 turbo</a:t>
             </a:r>
           </a:p>
@@ -4626,49 +4752,16 @@
               <a:buAutoNum type="arabicPeriod"/>
             </a:pPr>
             <a:r>
-              <a:rPr lang="it-IT" dirty="0" err="1"/>
-              <a:t>Add</a:t>
-            </a:r>
-            <a:r>
-              <a:rPr lang="it-IT" dirty="0"/>
-              <a:t> end user </a:t>
-            </a:r>
-            <a:r>
-              <a:rPr lang="it-IT" dirty="0" err="1"/>
-              <a:t>question</a:t>
-            </a:r>
-            <a:r>
-              <a:rPr lang="it-IT" dirty="0"/>
-              <a:t> </a:t>
-            </a:r>
-            <a:r>
-              <a:rPr lang="it-IT" dirty="0" err="1"/>
-              <a:t>as</a:t>
-            </a:r>
-            <a:r>
-              <a:rPr lang="it-IT" dirty="0"/>
-              <a:t> </a:t>
-            </a:r>
-            <a:r>
-              <a:rPr lang="it-IT" dirty="0" err="1"/>
-              <a:t>Role</a:t>
-            </a:r>
-            <a:r>
-              <a:rPr lang="it-IT" dirty="0"/>
-              <a:t>="user" </a:t>
-            </a:r>
-            <a:r>
-              <a:rPr lang="it-IT" dirty="0" err="1"/>
-              <a:t>message</a:t>
-            </a:r>
-            <a:endParaRPr lang="it-IT" dirty="0"/>
+              <a:rPr lang="en-US" dirty="0"/>
+              <a:t>Add end user question as Role="user" message</a:t>
+            </a:r>
           </a:p>
           <a:p>
             <a:pPr marL="914400" lvl="1" indent="-457200">
               <a:buFont typeface="+mj-lt"/>
               <a:buAutoNum type="arabicPeriod"/>
             </a:pPr>
-            <a:endParaRPr lang="it-IT" dirty="0"/>
+            <a:endParaRPr lang="en-US" dirty="0"/>
           </a:p>
         </p:txBody>
       </p:sp>
@@ -4704,6 +4797,867 @@
       </p:grpSpPr>
       <p:sp>
         <p:nvSpPr>
+          <p:cNvPr id="37" name="Rectangle 36">
+            <a:extLst>
+              <a:ext uri="{FF2B5EF4-FFF2-40B4-BE49-F238E27FC236}">
+                <a16:creationId xmlns:a16="http://schemas.microsoft.com/office/drawing/2014/main" id="{7A6875EF-D497-1E0E-FFCC-2D378105A8EF}"/>
+              </a:ext>
+            </a:extLst>
+          </p:cNvPr>
+          <p:cNvSpPr/>
+          <p:nvPr/>
+        </p:nvSpPr>
+        <p:spPr>
+          <a:xfrm>
+            <a:off x="1025847" y="5337831"/>
+            <a:ext cx="5290452" cy="1199049"/>
+          </a:xfrm>
+          <a:prstGeom prst="rect">
+            <a:avLst/>
+          </a:prstGeom>
+        </p:spPr>
+        <p:style>
+          <a:lnRef idx="2">
+            <a:schemeClr val="accent3">
+              <a:shade val="50000"/>
+            </a:schemeClr>
+          </a:lnRef>
+          <a:fillRef idx="1">
+            <a:schemeClr val="accent3"/>
+          </a:fillRef>
+          <a:effectRef idx="0">
+            <a:schemeClr val="accent3"/>
+          </a:effectRef>
+          <a:fontRef idx="minor">
+            <a:schemeClr val="lt1"/>
+          </a:fontRef>
+        </p:style>
+        <p:txBody>
+          <a:bodyPr rtlCol="0" anchor="ctr"/>
+          <a:lstStyle/>
+          <a:p>
+            <a:pPr algn="ctr"/>
+            <a:endParaRPr lang="en-US"/>
+          </a:p>
+        </p:txBody>
+      </p:sp>
+      <p:sp>
+        <p:nvSpPr>
+          <p:cNvPr id="2" name="Title 1">
+            <a:extLst>
+              <a:ext uri="{FF2B5EF4-FFF2-40B4-BE49-F238E27FC236}">
+                <a16:creationId xmlns:a16="http://schemas.microsoft.com/office/drawing/2014/main" id="{19447BD2-F230-3F22-C949-0D1A94A84CC4}"/>
+              </a:ext>
+            </a:extLst>
+          </p:cNvPr>
+          <p:cNvSpPr>
+            <a:spLocks noGrp="1"/>
+          </p:cNvSpPr>
+          <p:nvPr>
+            <p:ph type="title"/>
+          </p:nvPr>
+        </p:nvSpPr>
+        <p:spPr/>
+        <p:txBody>
+          <a:bodyPr/>
+          <a:lstStyle/>
+          <a:p>
+            <a:r>
+              <a:rPr lang="it-IT" dirty="0"/>
+              <a:t>And </a:t>
+            </a:r>
+            <a:r>
+              <a:rPr lang="it-IT" dirty="0" err="1"/>
+              <a:t>now</a:t>
+            </a:r>
+            <a:r>
+              <a:rPr lang="it-IT" dirty="0"/>
+              <a:t> a </a:t>
+            </a:r>
+            <a:r>
+              <a:rPr lang="it-IT" dirty="0" err="1"/>
+              <a:t>little</a:t>
+            </a:r>
+            <a:r>
+              <a:rPr lang="it-IT" dirty="0"/>
+              <a:t> </a:t>
+            </a:r>
+            <a:r>
+              <a:rPr lang="it-IT" dirty="0" err="1"/>
+              <a:t>math</a:t>
+            </a:r>
+            <a:endParaRPr lang="en-US" dirty="0"/>
+          </a:p>
+        </p:txBody>
+      </p:sp>
+      <p:pic>
+        <p:nvPicPr>
+          <p:cNvPr id="5" name="Content Placeholder 4">
+            <a:extLst>
+              <a:ext uri="{FF2B5EF4-FFF2-40B4-BE49-F238E27FC236}">
+                <a16:creationId xmlns:a16="http://schemas.microsoft.com/office/drawing/2014/main" id="{C53A5048-C239-BB59-D160-48BA728294D8}"/>
+              </a:ext>
+            </a:extLst>
+          </p:cNvPr>
+          <p:cNvPicPr>
+            <a:picLocks noGrp="1" noChangeAspect="1"/>
+          </p:cNvPicPr>
+          <p:nvPr>
+            <p:ph idx="1"/>
+          </p:nvPr>
+        </p:nvPicPr>
+        <p:blipFill>
+          <a:blip r:embed="rId2">
+            <a:extLst>
+              <a:ext uri="{28A0092B-C50C-407E-A947-70E740481C1C}">
+                <a14:useLocalDpi xmlns:a14="http://schemas.microsoft.com/office/drawing/2010/main" val="0"/>
+              </a:ext>
+              <a:ext uri="{96DAC541-7B7A-43D3-8B79-37D633B846F1}">
+                <asvg:svgBlip xmlns:asvg="http://schemas.microsoft.com/office/drawing/2016/SVG/main" r:embed="rId3"/>
+              </a:ext>
+            </a:extLst>
+          </a:blip>
+          <a:stretch>
+            <a:fillRect/>
+          </a:stretch>
+        </p:blipFill>
+        <p:spPr>
+          <a:xfrm>
+            <a:off x="838200" y="4114801"/>
+            <a:ext cx="8357737" cy="1667669"/>
+          </a:xfrm>
+        </p:spPr>
+      </p:pic>
+      <p:pic>
+        <p:nvPicPr>
+          <p:cNvPr id="7" name="Graphic 6">
+            <a:extLst>
+              <a:ext uri="{FF2B5EF4-FFF2-40B4-BE49-F238E27FC236}">
+                <a16:creationId xmlns:a16="http://schemas.microsoft.com/office/drawing/2014/main" id="{C8962B10-7564-DE92-3A68-E443B916C416}"/>
+              </a:ext>
+            </a:extLst>
+          </p:cNvPr>
+          <p:cNvPicPr>
+            <a:picLocks noChangeAspect="1"/>
+          </p:cNvPicPr>
+          <p:nvPr/>
+        </p:nvPicPr>
+        <p:blipFill>
+          <a:blip r:embed="rId4">
+            <a:extLst>
+              <a:ext uri="{28A0092B-C50C-407E-A947-70E740481C1C}">
+                <a14:useLocalDpi xmlns:a14="http://schemas.microsoft.com/office/drawing/2010/main" val="0"/>
+              </a:ext>
+              <a:ext uri="{96DAC541-7B7A-43D3-8B79-37D633B846F1}">
+                <asvg:svgBlip xmlns:asvg="http://schemas.microsoft.com/office/drawing/2016/SVG/main" r:embed="rId5"/>
+              </a:ext>
+            </a:extLst>
+          </a:blip>
+          <a:stretch>
+            <a:fillRect/>
+          </a:stretch>
+        </p:blipFill>
+        <p:spPr>
+          <a:xfrm>
+            <a:off x="7175453" y="1532792"/>
+            <a:ext cx="3939073" cy="2443684"/>
+          </a:xfrm>
+          <a:prstGeom prst="rect">
+            <a:avLst/>
+          </a:prstGeom>
+        </p:spPr>
+      </p:pic>
+      <p:cxnSp>
+        <p:nvCxnSpPr>
+          <p:cNvPr id="9" name="Straight Connector 8">
+            <a:extLst>
+              <a:ext uri="{FF2B5EF4-FFF2-40B4-BE49-F238E27FC236}">
+                <a16:creationId xmlns:a16="http://schemas.microsoft.com/office/drawing/2014/main" id="{21D86117-3B80-1101-7CDD-5B7CE7D5D3C2}"/>
+              </a:ext>
+            </a:extLst>
+          </p:cNvPr>
+          <p:cNvCxnSpPr/>
+          <p:nvPr/>
+        </p:nvCxnSpPr>
+        <p:spPr>
+          <a:xfrm>
+            <a:off x="3147754" y="1616623"/>
+            <a:ext cx="0" cy="3191069"/>
+          </a:xfrm>
+          <a:prstGeom prst="line">
+            <a:avLst/>
+          </a:prstGeom>
+          <a:ln>
+            <a:headEnd type="triangle" w="lg" len="med"/>
+            <a:tailEnd type="none"/>
+          </a:ln>
+        </p:spPr>
+        <p:style>
+          <a:lnRef idx="1">
+            <a:schemeClr val="accent1"/>
+          </a:lnRef>
+          <a:fillRef idx="0">
+            <a:schemeClr val="accent1"/>
+          </a:fillRef>
+          <a:effectRef idx="0">
+            <a:schemeClr val="accent1"/>
+          </a:effectRef>
+          <a:fontRef idx="minor">
+            <a:schemeClr val="tx1"/>
+          </a:fontRef>
+        </p:style>
+      </p:cxnSp>
+      <p:cxnSp>
+        <p:nvCxnSpPr>
+          <p:cNvPr id="10" name="Straight Connector 9">
+            <a:extLst>
+              <a:ext uri="{FF2B5EF4-FFF2-40B4-BE49-F238E27FC236}">
+                <a16:creationId xmlns:a16="http://schemas.microsoft.com/office/drawing/2014/main" id="{E38A56F9-AC2C-2E36-C73F-70AE7A94573D}"/>
+              </a:ext>
+            </a:extLst>
+          </p:cNvPr>
+          <p:cNvCxnSpPr>
+            <a:cxnSpLocks/>
+          </p:cNvCxnSpPr>
+          <p:nvPr/>
+        </p:nvCxnSpPr>
+        <p:spPr>
+          <a:xfrm>
+            <a:off x="1164957" y="3390808"/>
+            <a:ext cx="3917658" cy="0"/>
+          </a:xfrm>
+          <a:prstGeom prst="line">
+            <a:avLst/>
+          </a:prstGeom>
+          <a:ln>
+            <a:tailEnd type="triangle"/>
+          </a:ln>
+        </p:spPr>
+        <p:style>
+          <a:lnRef idx="1">
+            <a:schemeClr val="accent1"/>
+          </a:lnRef>
+          <a:fillRef idx="0">
+            <a:schemeClr val="accent1"/>
+          </a:fillRef>
+          <a:effectRef idx="0">
+            <a:schemeClr val="accent1"/>
+          </a:effectRef>
+          <a:fontRef idx="minor">
+            <a:schemeClr val="tx1"/>
+          </a:fontRef>
+        </p:style>
+      </p:cxnSp>
+      <p:sp>
+        <p:nvSpPr>
+          <p:cNvPr id="15" name="TextBox 14">
+            <a:extLst>
+              <a:ext uri="{FF2B5EF4-FFF2-40B4-BE49-F238E27FC236}">
+                <a16:creationId xmlns:a16="http://schemas.microsoft.com/office/drawing/2014/main" id="{E75BAD07-8389-81CB-DF3F-514270F477FA}"/>
+              </a:ext>
+            </a:extLst>
+          </p:cNvPr>
+          <p:cNvSpPr txBox="1"/>
+          <p:nvPr/>
+        </p:nvSpPr>
+        <p:spPr>
+          <a:xfrm>
+            <a:off x="5130552" y="3313852"/>
+            <a:ext cx="284052" cy="369332"/>
+          </a:xfrm>
+          <a:prstGeom prst="rect">
+            <a:avLst/>
+          </a:prstGeom>
+          <a:noFill/>
+        </p:spPr>
+        <p:txBody>
+          <a:bodyPr wrap="none" rtlCol="0">
+            <a:spAutoFit/>
+          </a:bodyPr>
+          <a:lstStyle/>
+          <a:p>
+            <a:r>
+              <a:rPr lang="it-IT" dirty="0"/>
+              <a:t>x</a:t>
+            </a:r>
+            <a:endParaRPr lang="en-US" dirty="0"/>
+          </a:p>
+        </p:txBody>
+      </p:sp>
+      <p:sp>
+        <p:nvSpPr>
+          <p:cNvPr id="17" name="TextBox 16">
+            <a:extLst>
+              <a:ext uri="{FF2B5EF4-FFF2-40B4-BE49-F238E27FC236}">
+                <a16:creationId xmlns:a16="http://schemas.microsoft.com/office/drawing/2014/main" id="{5B75B719-C5E3-1E95-5217-93818A0FD52C}"/>
+              </a:ext>
+            </a:extLst>
+          </p:cNvPr>
+          <p:cNvSpPr txBox="1"/>
+          <p:nvPr/>
+        </p:nvSpPr>
+        <p:spPr>
+          <a:xfrm>
+            <a:off x="3258209" y="1348126"/>
+            <a:ext cx="288862" cy="369332"/>
+          </a:xfrm>
+          <a:prstGeom prst="rect">
+            <a:avLst/>
+          </a:prstGeom>
+          <a:noFill/>
+        </p:spPr>
+        <p:txBody>
+          <a:bodyPr wrap="none" rtlCol="0">
+            <a:spAutoFit/>
+          </a:bodyPr>
+          <a:lstStyle/>
+          <a:p>
+            <a:r>
+              <a:rPr lang="it-IT" dirty="0"/>
+              <a:t>y</a:t>
+            </a:r>
+            <a:endParaRPr lang="en-US" dirty="0"/>
+          </a:p>
+        </p:txBody>
+      </p:sp>
+      <p:cxnSp>
+        <p:nvCxnSpPr>
+          <p:cNvPr id="21" name="Straight Connector 20">
+            <a:extLst>
+              <a:ext uri="{FF2B5EF4-FFF2-40B4-BE49-F238E27FC236}">
+                <a16:creationId xmlns:a16="http://schemas.microsoft.com/office/drawing/2014/main" id="{619B3AAE-1E2A-8BB2-9C25-01D78C2C91A4}"/>
+              </a:ext>
+            </a:extLst>
+          </p:cNvPr>
+          <p:cNvCxnSpPr>
+            <a:cxnSpLocks/>
+          </p:cNvCxnSpPr>
+          <p:nvPr/>
+        </p:nvCxnSpPr>
+        <p:spPr>
+          <a:xfrm flipH="1">
+            <a:off x="3147754" y="2306146"/>
+            <a:ext cx="1476291" cy="1084662"/>
+          </a:xfrm>
+          <a:prstGeom prst="line">
+            <a:avLst/>
+          </a:prstGeom>
+          <a:ln>
+            <a:headEnd type="triangle" w="lg" len="med"/>
+            <a:tailEnd type="none"/>
+          </a:ln>
+        </p:spPr>
+        <p:style>
+          <a:lnRef idx="1">
+            <a:schemeClr val="accent1"/>
+          </a:lnRef>
+          <a:fillRef idx="0">
+            <a:schemeClr val="accent1"/>
+          </a:fillRef>
+          <a:effectRef idx="0">
+            <a:schemeClr val="accent1"/>
+          </a:effectRef>
+          <a:fontRef idx="minor">
+            <a:schemeClr val="tx1"/>
+          </a:fontRef>
+        </p:style>
+      </p:cxnSp>
+      <p:cxnSp>
+        <p:nvCxnSpPr>
+          <p:cNvPr id="25" name="Straight Connector 24">
+            <a:extLst>
+              <a:ext uri="{FF2B5EF4-FFF2-40B4-BE49-F238E27FC236}">
+                <a16:creationId xmlns:a16="http://schemas.microsoft.com/office/drawing/2014/main" id="{AD7B5C6E-CA86-8E75-C08A-9D9DB35163D9}"/>
+              </a:ext>
+            </a:extLst>
+          </p:cNvPr>
+          <p:cNvCxnSpPr>
+            <a:cxnSpLocks/>
+          </p:cNvCxnSpPr>
+          <p:nvPr/>
+        </p:nvCxnSpPr>
+        <p:spPr>
+          <a:xfrm flipH="1">
+            <a:off x="3125928" y="1616623"/>
+            <a:ext cx="998202" cy="1781338"/>
+          </a:xfrm>
+          <a:prstGeom prst="line">
+            <a:avLst/>
+          </a:prstGeom>
+          <a:ln>
+            <a:headEnd type="triangle" w="lg" len="med"/>
+            <a:tailEnd type="none"/>
+          </a:ln>
+        </p:spPr>
+        <p:style>
+          <a:lnRef idx="1">
+            <a:schemeClr val="accent1"/>
+          </a:lnRef>
+          <a:fillRef idx="0">
+            <a:schemeClr val="accent1"/>
+          </a:fillRef>
+          <a:effectRef idx="0">
+            <a:schemeClr val="accent1"/>
+          </a:effectRef>
+          <a:fontRef idx="minor">
+            <a:schemeClr val="tx1"/>
+          </a:fontRef>
+        </p:style>
+      </p:cxnSp>
+      <p:cxnSp>
+        <p:nvCxnSpPr>
+          <p:cNvPr id="26" name="Straight Connector 25">
+            <a:extLst>
+              <a:ext uri="{FF2B5EF4-FFF2-40B4-BE49-F238E27FC236}">
+                <a16:creationId xmlns:a16="http://schemas.microsoft.com/office/drawing/2014/main" id="{B92E9C7B-331D-EF4D-7662-F0BB9AED36F8}"/>
+              </a:ext>
+            </a:extLst>
+          </p:cNvPr>
+          <p:cNvCxnSpPr>
+            <a:cxnSpLocks/>
+          </p:cNvCxnSpPr>
+          <p:nvPr/>
+        </p:nvCxnSpPr>
+        <p:spPr>
+          <a:xfrm flipV="1">
+            <a:off x="1346718" y="3390807"/>
+            <a:ext cx="1801035" cy="539329"/>
+          </a:xfrm>
+          <a:prstGeom prst="line">
+            <a:avLst/>
+          </a:prstGeom>
+          <a:ln>
+            <a:headEnd type="triangle" w="lg" len="med"/>
+            <a:tailEnd type="none"/>
+          </a:ln>
+        </p:spPr>
+        <p:style>
+          <a:lnRef idx="1">
+            <a:schemeClr val="accent1"/>
+          </a:lnRef>
+          <a:fillRef idx="0">
+            <a:schemeClr val="accent1"/>
+          </a:fillRef>
+          <a:effectRef idx="0">
+            <a:schemeClr val="accent1"/>
+          </a:effectRef>
+          <a:fontRef idx="minor">
+            <a:schemeClr val="tx1"/>
+          </a:fontRef>
+        </p:style>
+      </p:cxnSp>
+      <p:sp>
+        <p:nvSpPr>
+          <p:cNvPr id="30" name="TextBox 29">
+            <a:extLst>
+              <a:ext uri="{FF2B5EF4-FFF2-40B4-BE49-F238E27FC236}">
+                <a16:creationId xmlns:a16="http://schemas.microsoft.com/office/drawing/2014/main" id="{2294BD79-FA2F-C23C-D376-E1F069FABDBC}"/>
+              </a:ext>
+            </a:extLst>
+          </p:cNvPr>
+          <p:cNvSpPr txBox="1"/>
+          <p:nvPr/>
+        </p:nvSpPr>
+        <p:spPr>
+          <a:xfrm>
+            <a:off x="4099087" y="1340973"/>
+            <a:ext cx="1093569" cy="369332"/>
+          </a:xfrm>
+          <a:prstGeom prst="rect">
+            <a:avLst/>
+          </a:prstGeom>
+          <a:noFill/>
+        </p:spPr>
+        <p:txBody>
+          <a:bodyPr wrap="none" rtlCol="0">
+            <a:spAutoFit/>
+          </a:bodyPr>
+          <a:lstStyle/>
+          <a:p>
+            <a:r>
+              <a:rPr lang="it-IT" dirty="0"/>
+              <a:t>V1 (0.5,1)</a:t>
+            </a:r>
+            <a:endParaRPr lang="en-US" dirty="0"/>
+          </a:p>
+        </p:txBody>
+      </p:sp>
+      <p:sp>
+        <p:nvSpPr>
+          <p:cNvPr id="31" name="TextBox 30">
+            <a:extLst>
+              <a:ext uri="{FF2B5EF4-FFF2-40B4-BE49-F238E27FC236}">
+                <a16:creationId xmlns:a16="http://schemas.microsoft.com/office/drawing/2014/main" id="{49E4C3BD-62EE-810A-F6F4-8548BA14410E}"/>
+              </a:ext>
+            </a:extLst>
+          </p:cNvPr>
+          <p:cNvSpPr txBox="1"/>
+          <p:nvPr/>
+        </p:nvSpPr>
+        <p:spPr>
+          <a:xfrm>
+            <a:off x="4645871" y="2092756"/>
+            <a:ext cx="1268296" cy="369332"/>
+          </a:xfrm>
+          <a:prstGeom prst="rect">
+            <a:avLst/>
+          </a:prstGeom>
+          <a:noFill/>
+        </p:spPr>
+        <p:txBody>
+          <a:bodyPr wrap="none" rtlCol="0">
+            <a:spAutoFit/>
+          </a:bodyPr>
+          <a:lstStyle/>
+          <a:p>
+            <a:r>
+              <a:rPr lang="it-IT" dirty="0"/>
+              <a:t>V2 (0.7,0.7)</a:t>
+            </a:r>
+            <a:endParaRPr lang="en-US" dirty="0"/>
+          </a:p>
+        </p:txBody>
+      </p:sp>
+      <p:sp>
+        <p:nvSpPr>
+          <p:cNvPr id="32" name="TextBox 31">
+            <a:extLst>
+              <a:ext uri="{FF2B5EF4-FFF2-40B4-BE49-F238E27FC236}">
+                <a16:creationId xmlns:a16="http://schemas.microsoft.com/office/drawing/2014/main" id="{8755BFDA-2AF3-849D-7707-CEF2C2F3D29F}"/>
+              </a:ext>
+            </a:extLst>
+          </p:cNvPr>
+          <p:cNvSpPr txBox="1"/>
+          <p:nvPr/>
+        </p:nvSpPr>
+        <p:spPr>
+          <a:xfrm>
+            <a:off x="1025847" y="3930136"/>
+            <a:ext cx="1409360" cy="369332"/>
+          </a:xfrm>
+          <a:prstGeom prst="rect">
+            <a:avLst/>
+          </a:prstGeom>
+          <a:noFill/>
+        </p:spPr>
+        <p:txBody>
+          <a:bodyPr wrap="none" rtlCol="0">
+            <a:spAutoFit/>
+          </a:bodyPr>
+          <a:lstStyle/>
+          <a:p>
+            <a:r>
+              <a:rPr lang="it-IT" dirty="0"/>
+              <a:t>V3 (-1.5,-0.5)</a:t>
+            </a:r>
+            <a:endParaRPr lang="en-US" dirty="0"/>
+          </a:p>
+        </p:txBody>
+      </p:sp>
+      <p:sp>
+        <p:nvSpPr>
+          <p:cNvPr id="36" name="TextBox 35">
+            <a:extLst>
+              <a:ext uri="{FF2B5EF4-FFF2-40B4-BE49-F238E27FC236}">
+                <a16:creationId xmlns:a16="http://schemas.microsoft.com/office/drawing/2014/main" id="{68C79DC0-D808-78FE-15E1-5BE5167A4CBF}"/>
+              </a:ext>
+            </a:extLst>
+          </p:cNvPr>
+          <p:cNvSpPr txBox="1"/>
+          <p:nvPr/>
+        </p:nvSpPr>
+        <p:spPr>
+          <a:xfrm>
+            <a:off x="987241" y="5509874"/>
+            <a:ext cx="3658630" cy="369332"/>
+          </a:xfrm>
+          <a:prstGeom prst="rect">
+            <a:avLst/>
+          </a:prstGeom>
+          <a:noFill/>
+        </p:spPr>
+        <p:txBody>
+          <a:bodyPr wrap="none" rtlCol="0">
+            <a:spAutoFit/>
+          </a:bodyPr>
+          <a:lstStyle/>
+          <a:p>
+            <a:r>
+              <a:rPr lang="it-IT" dirty="0"/>
+              <a:t> </a:t>
+            </a:r>
+            <a:r>
+              <a:rPr lang="it-IT" dirty="0" err="1"/>
+              <a:t>Don't</a:t>
+            </a:r>
+            <a:r>
+              <a:rPr lang="it-IT" dirty="0"/>
+              <a:t> be </a:t>
+            </a:r>
+            <a:r>
+              <a:rPr lang="it-IT" dirty="0" err="1"/>
+              <a:t>afraid</a:t>
+            </a:r>
+            <a:r>
+              <a:rPr lang="it-IT" dirty="0"/>
+              <a:t> : </a:t>
+            </a:r>
+            <a:r>
+              <a:rPr lang="it-IT" dirty="0" err="1"/>
+              <a:t>this</a:t>
+            </a:r>
+            <a:r>
+              <a:rPr lang="it-IT" dirty="0"/>
+              <a:t> </a:t>
+            </a:r>
+            <a:r>
+              <a:rPr lang="it-IT" dirty="0" err="1"/>
+              <a:t>is</a:t>
+            </a:r>
+            <a:r>
+              <a:rPr lang="it-IT" dirty="0"/>
+              <a:t> a for loop </a:t>
+            </a:r>
+            <a:r>
+              <a:rPr lang="it-IT" dirty="0">
+                <a:sym typeface="Wingdings" panose="05000000000000000000" pitchFamily="2" charset="2"/>
+              </a:rPr>
+              <a:t></a:t>
+            </a:r>
+            <a:endParaRPr lang="en-US" dirty="0"/>
+          </a:p>
+        </p:txBody>
+      </p:sp>
+      <p:pic>
+        <p:nvPicPr>
+          <p:cNvPr id="38" name="Picture 37" descr="A picture containing black, darkness&#10;&#10;Description automatically generated">
+            <a:extLst>
+              <a:ext uri="{FF2B5EF4-FFF2-40B4-BE49-F238E27FC236}">
+                <a16:creationId xmlns:a16="http://schemas.microsoft.com/office/drawing/2014/main" id="{DCD567A2-6454-6BB6-2A37-C680B5F791B0}"/>
+              </a:ext>
+            </a:extLst>
+          </p:cNvPr>
+          <p:cNvPicPr>
+            <a:picLocks noChangeAspect="1"/>
+          </p:cNvPicPr>
+          <p:nvPr/>
+        </p:nvPicPr>
+        <p:blipFill>
+          <a:blip r:embed="rId6">
+            <a:extLst>
+              <a:ext uri="{28A0092B-C50C-407E-A947-70E740481C1C}">
+                <a14:useLocalDpi xmlns:a14="http://schemas.microsoft.com/office/drawing/2010/main" val="0"/>
+              </a:ext>
+            </a:extLst>
+          </a:blip>
+          <a:stretch>
+            <a:fillRect/>
+          </a:stretch>
+        </p:blipFill>
+        <p:spPr>
+          <a:xfrm>
+            <a:off x="4537055" y="5445760"/>
+            <a:ext cx="1091120" cy="1091120"/>
+          </a:xfrm>
+          <a:prstGeom prst="rect">
+            <a:avLst/>
+          </a:prstGeom>
+        </p:spPr>
+      </p:pic>
+    </p:spTree>
+    <p:extLst>
+      <p:ext uri="{BB962C8B-B14F-4D97-AF65-F5344CB8AC3E}">
+        <p14:creationId xmlns:p14="http://schemas.microsoft.com/office/powerpoint/2010/main" val="2214468846"/>
+      </p:ext>
+    </p:extLst>
+  </p:cSld>
+  <p:clrMapOvr>
+    <a:masterClrMapping/>
+  </p:clrMapOvr>
+</p:sld>
+</file>
+
+<file path=ppt/slides/slide13.xml><?xml version="1.0" encoding="utf-8"?>
+<p:sld xmlns:a="http://schemas.openxmlformats.org/drawingml/2006/main" xmlns:r="http://schemas.openxmlformats.org/officeDocument/2006/relationships" xmlns:p="http://schemas.openxmlformats.org/presentationml/2006/main">
+  <p:cSld>
+    <p:spTree>
+      <p:nvGrpSpPr>
+        <p:cNvPr id="1" name=""/>
+        <p:cNvGrpSpPr/>
+        <p:nvPr/>
+      </p:nvGrpSpPr>
+      <p:grpSpPr>
+        <a:xfrm>
+          <a:off x="0" y="0"/>
+          <a:ext cx="0" cy="0"/>
+          <a:chOff x="0" y="0"/>
+          <a:chExt cx="0" cy="0"/>
+        </a:xfrm>
+      </p:grpSpPr>
+      <p:sp>
+        <p:nvSpPr>
+          <p:cNvPr id="2" name="Title 1">
+            <a:extLst>
+              <a:ext uri="{FF2B5EF4-FFF2-40B4-BE49-F238E27FC236}">
+                <a16:creationId xmlns:a16="http://schemas.microsoft.com/office/drawing/2014/main" id="{FF264A16-6F48-5EC4-62A0-58D14511F1BA}"/>
+              </a:ext>
+            </a:extLst>
+          </p:cNvPr>
+          <p:cNvSpPr>
+            <a:spLocks noGrp="1"/>
+          </p:cNvSpPr>
+          <p:nvPr>
+            <p:ph type="title"/>
+          </p:nvPr>
+        </p:nvSpPr>
+        <p:spPr/>
+        <p:txBody>
+          <a:bodyPr/>
+          <a:lstStyle/>
+          <a:p>
+            <a:r>
+              <a:rPr lang="it-IT" dirty="0"/>
+              <a:t>Note on Cosine </a:t>
+            </a:r>
+            <a:r>
+              <a:rPr lang="it-IT" dirty="0" err="1"/>
+              <a:t>proximity</a:t>
+            </a:r>
+            <a:endParaRPr lang="en-US" dirty="0"/>
+          </a:p>
+        </p:txBody>
+      </p:sp>
+      <p:sp>
+        <p:nvSpPr>
+          <p:cNvPr id="3" name="Content Placeholder 2">
+            <a:extLst>
+              <a:ext uri="{FF2B5EF4-FFF2-40B4-BE49-F238E27FC236}">
+                <a16:creationId xmlns:a16="http://schemas.microsoft.com/office/drawing/2014/main" id="{D30BD983-352A-A76B-2588-A2553B9A0543}"/>
+              </a:ext>
+            </a:extLst>
+          </p:cNvPr>
+          <p:cNvSpPr>
+            <a:spLocks noGrp="1"/>
+          </p:cNvSpPr>
+          <p:nvPr>
+            <p:ph idx="1"/>
+          </p:nvPr>
+        </p:nvSpPr>
+        <p:spPr/>
+        <p:txBody>
+          <a:bodyPr/>
+          <a:lstStyle/>
+          <a:p>
+            <a:r>
+              <a:rPr lang="en-US" dirty="0"/>
+              <a:t>With random vectors distribution it ranges from -1 to 1</a:t>
+            </a:r>
+          </a:p>
+          <a:p>
+            <a:r>
+              <a:rPr lang="en-US" dirty="0"/>
+              <a:t>Vectors coming from </a:t>
+            </a:r>
+            <a:r>
+              <a:rPr lang="en-US" i="1" dirty="0"/>
+              <a:t>text-embedding-ada-002 </a:t>
+            </a:r>
+            <a:r>
+              <a:rPr lang="en-US" dirty="0"/>
+              <a:t>have a bias, values always positive, approximately distributed in a gaussian way around 0.7</a:t>
+            </a:r>
+          </a:p>
+          <a:p>
+            <a:pPr lvl="1"/>
+            <a:r>
+              <a:rPr lang="en-US" dirty="0"/>
+              <a:t>Experiment with values in the range like 0,75 – 0.8 for minimum proximity threshold </a:t>
+            </a:r>
+          </a:p>
+          <a:p>
+            <a:pPr lvl="1"/>
+            <a:r>
+              <a:rPr lang="en-US" dirty="0">
+                <a:hlinkClick r:id="rId2"/>
+              </a:rPr>
+              <a:t>https://community.openai.com/t/embeddings-and-cosine-similarity/17761/10</a:t>
+            </a:r>
+            <a:endParaRPr lang="en-US" dirty="0"/>
+          </a:p>
+          <a:p>
+            <a:pPr lvl="1"/>
+            <a:endParaRPr lang="en-US" dirty="0"/>
+          </a:p>
+        </p:txBody>
+      </p:sp>
+      <p:pic>
+        <p:nvPicPr>
+          <p:cNvPr id="5" name="Picture 4" descr="A picture containing plot, diagram, text, screenshot&#10;&#10;Description automatically generated">
+            <a:extLst>
+              <a:ext uri="{FF2B5EF4-FFF2-40B4-BE49-F238E27FC236}">
+                <a16:creationId xmlns:a16="http://schemas.microsoft.com/office/drawing/2014/main" id="{5E9BCB8A-7E59-BF57-4777-DA3EB33FB5D7}"/>
+              </a:ext>
+            </a:extLst>
+          </p:cNvPr>
+          <p:cNvPicPr>
+            <a:picLocks noChangeAspect="1"/>
+          </p:cNvPicPr>
+          <p:nvPr/>
+        </p:nvPicPr>
+        <p:blipFill>
+          <a:blip r:embed="rId3">
+            <a:extLst>
+              <a:ext uri="{28A0092B-C50C-407E-A947-70E740481C1C}">
+                <a14:useLocalDpi xmlns:a14="http://schemas.microsoft.com/office/drawing/2010/main" val="0"/>
+              </a:ext>
+            </a:extLst>
+          </a:blip>
+          <a:stretch>
+            <a:fillRect/>
+          </a:stretch>
+        </p:blipFill>
+        <p:spPr>
+          <a:xfrm>
+            <a:off x="8634144" y="4721290"/>
+            <a:ext cx="3206827" cy="2016414"/>
+          </a:xfrm>
+          <a:prstGeom prst="rect">
+            <a:avLst/>
+          </a:prstGeom>
+        </p:spPr>
+      </p:pic>
+    </p:spTree>
+    <p:extLst>
+      <p:ext uri="{BB962C8B-B14F-4D97-AF65-F5344CB8AC3E}">
+        <p14:creationId xmlns:p14="http://schemas.microsoft.com/office/powerpoint/2010/main" val="429932530"/>
+      </p:ext>
+    </p:extLst>
+  </p:cSld>
+  <p:clrMapOvr>
+    <a:masterClrMapping/>
+  </p:clrMapOvr>
+</p:sld>
+</file>
+
+<file path=ppt/slides/slide14.xml><?xml version="1.0" encoding="utf-8"?>
+<p:sld xmlns:a="http://schemas.openxmlformats.org/drawingml/2006/main" xmlns:r="http://schemas.openxmlformats.org/officeDocument/2006/relationships" xmlns:p="http://schemas.openxmlformats.org/presentationml/2006/main">
+  <p:cSld>
+    <p:spTree>
+      <p:nvGrpSpPr>
+        <p:cNvPr id="1" name=""/>
+        <p:cNvGrpSpPr/>
+        <p:nvPr/>
+      </p:nvGrpSpPr>
+      <p:grpSpPr>
+        <a:xfrm>
+          <a:off x="0" y="0"/>
+          <a:ext cx="0" cy="0"/>
+          <a:chOff x="0" y="0"/>
+          <a:chExt cx="0" cy="0"/>
+        </a:xfrm>
+      </p:grpSpPr>
+      <p:sp>
+        <p:nvSpPr>
           <p:cNvPr id="2" name="Title 1">
             <a:extLst>
               <a:ext uri="{FF2B5EF4-FFF2-40B4-BE49-F238E27FC236}">
@@ -4761,337 +5715,97 @@
           <a:lstStyle/>
           <a:p>
             <a:r>
-              <a:rPr lang="it-IT" dirty="0" err="1"/>
+              <a:rPr lang="en-US" dirty="0" err="1"/>
               <a:t>ChatGpt</a:t>
             </a:r>
             <a:r>
-              <a:rPr lang="it-IT" dirty="0"/>
-              <a:t> </a:t>
-            </a:r>
-            <a:r>
-              <a:rPr lang="it-IT" dirty="0" err="1"/>
-              <a:t>has</a:t>
-            </a:r>
-            <a:r>
-              <a:rPr lang="it-IT" dirty="0"/>
-              <a:t> no concept of </a:t>
-            </a:r>
-            <a:r>
-              <a:rPr lang="it-IT" dirty="0" err="1"/>
-              <a:t>conversation</a:t>
-            </a:r>
-            <a:r>
-              <a:rPr lang="it-IT" dirty="0"/>
-              <a:t> </a:t>
-            </a:r>
-            <a:r>
-              <a:rPr lang="it-IT" dirty="0" err="1"/>
-              <a:t>built</a:t>
-            </a:r>
-            <a:r>
-              <a:rPr lang="it-IT" dirty="0"/>
-              <a:t>-in</a:t>
+              <a:rPr lang="en-US" dirty="0"/>
+              <a:t> has no concept of conversation built-in</a:t>
             </a:r>
           </a:p>
           <a:p>
             <a:pPr lvl="1"/>
             <a:r>
-              <a:rPr lang="it-IT" dirty="0"/>
+              <a:rPr lang="en-US" dirty="0"/>
               <a:t>But </a:t>
             </a:r>
             <a:r>
-              <a:rPr lang="it-IT" dirty="0">
+              <a:rPr lang="en-US" dirty="0">
                 <a:hlinkClick r:id="rId2"/>
               </a:rPr>
               <a:t>https://chat.openai.com/</a:t>
             </a:r>
             <a:r>
-              <a:rPr lang="it-IT" dirty="0"/>
-              <a:t> </a:t>
-            </a:r>
-            <a:r>
-              <a:rPr lang="it-IT" dirty="0" err="1"/>
-              <a:t>has</a:t>
-            </a:r>
-            <a:r>
-              <a:rPr lang="it-IT" dirty="0"/>
-              <a:t> </a:t>
-            </a:r>
-            <a:r>
-              <a:rPr lang="it-IT" dirty="0" err="1"/>
-              <a:t>it</a:t>
-            </a:r>
-            <a:r>
-              <a:rPr lang="it-IT" dirty="0"/>
-              <a:t> !, </a:t>
-            </a:r>
-            <a:r>
-              <a:rPr lang="it-IT" dirty="0" err="1"/>
-              <a:t>how</a:t>
-            </a:r>
-            <a:r>
-              <a:rPr lang="it-IT" dirty="0"/>
-              <a:t> </a:t>
-            </a:r>
-            <a:r>
-              <a:rPr lang="it-IT" dirty="0" err="1"/>
-              <a:t>does</a:t>
-            </a:r>
-            <a:r>
-              <a:rPr lang="it-IT" dirty="0"/>
-              <a:t> </a:t>
-            </a:r>
-            <a:r>
-              <a:rPr lang="it-IT" dirty="0" err="1"/>
-              <a:t>it</a:t>
-            </a:r>
-            <a:r>
-              <a:rPr lang="it-IT" dirty="0"/>
-              <a:t> works </a:t>
-            </a:r>
-            <a:r>
-              <a:rPr lang="it-IT" dirty="0" err="1"/>
-              <a:t>then</a:t>
-            </a:r>
-            <a:r>
-              <a:rPr lang="it-IT" dirty="0"/>
-              <a:t> ?</a:t>
-            </a:r>
-          </a:p>
-          <a:p>
-            <a:r>
-              <a:rPr lang="it-IT" dirty="0" err="1"/>
-              <a:t>It's</a:t>
-            </a:r>
-            <a:r>
-              <a:rPr lang="it-IT" dirty="0"/>
-              <a:t> under "</a:t>
-            </a:r>
-            <a:r>
-              <a:rPr lang="it-IT" dirty="0" err="1"/>
-              <a:t>your</a:t>
-            </a:r>
-            <a:r>
-              <a:rPr lang="it-IT" dirty="0"/>
-              <a:t>" </a:t>
-            </a:r>
-            <a:r>
-              <a:rPr lang="it-IT" dirty="0" err="1"/>
-              <a:t>responsability</a:t>
-            </a:r>
-            <a:endParaRPr lang="it-IT" dirty="0"/>
+              <a:rPr lang="en-US" dirty="0"/>
+              <a:t> has it !, how does it work then ?</a:t>
+            </a:r>
+          </a:p>
+          <a:p>
+            <a:r>
+              <a:rPr lang="en-US" dirty="0"/>
+              <a:t>It's under "your" responsibility</a:t>
+            </a:r>
           </a:p>
           <a:p>
             <a:pPr lvl="1"/>
             <a:r>
-              <a:rPr lang="it-IT" dirty="0"/>
-              <a:t>Record user </a:t>
-            </a:r>
-            <a:r>
-              <a:rPr lang="it-IT" dirty="0" err="1"/>
-              <a:t>question</a:t>
-            </a:r>
-            <a:r>
-              <a:rPr lang="it-IT" dirty="0"/>
-              <a:t> and </a:t>
-            </a:r>
-            <a:r>
-              <a:rPr lang="it-IT" dirty="0" err="1"/>
-              <a:t>chatGpt</a:t>
-            </a:r>
-            <a:r>
-              <a:rPr lang="it-IT" dirty="0"/>
-              <a:t> </a:t>
-            </a:r>
-            <a:r>
-              <a:rPr lang="it-IT" dirty="0" err="1"/>
-              <a:t>answer</a:t>
-            </a:r>
-            <a:endParaRPr lang="it-IT" dirty="0"/>
+              <a:rPr lang="en-US" dirty="0"/>
+              <a:t>Record user question and </a:t>
+            </a:r>
+            <a:r>
+              <a:rPr lang="en-US" dirty="0" err="1"/>
+              <a:t>ChatGpt</a:t>
+            </a:r>
+            <a:r>
+              <a:rPr lang="en-US" dirty="0"/>
+              <a:t> answer</a:t>
+            </a:r>
           </a:p>
           <a:p>
             <a:pPr lvl="1"/>
             <a:r>
-              <a:rPr lang="it-IT" dirty="0" err="1"/>
-              <a:t>When</a:t>
-            </a:r>
-            <a:r>
-              <a:rPr lang="it-IT" dirty="0"/>
-              <a:t> </a:t>
-            </a:r>
-            <a:r>
-              <a:rPr lang="it-IT" dirty="0" err="1"/>
-              <a:t>next</a:t>
-            </a:r>
-            <a:r>
-              <a:rPr lang="it-IT" dirty="0"/>
-              <a:t> user </a:t>
-            </a:r>
-            <a:r>
-              <a:rPr lang="it-IT" dirty="0" err="1"/>
-              <a:t>question</a:t>
-            </a:r>
-            <a:r>
-              <a:rPr lang="it-IT" dirty="0"/>
-              <a:t> </a:t>
-            </a:r>
-            <a:r>
-              <a:rPr lang="it-IT" dirty="0" err="1"/>
-              <a:t>arrives</a:t>
-            </a:r>
-            <a:r>
-              <a:rPr lang="it-IT" dirty="0"/>
-              <a:t>, </a:t>
-            </a:r>
-            <a:r>
-              <a:rPr lang="it-IT" dirty="0" err="1"/>
-              <a:t>add</a:t>
-            </a:r>
-            <a:r>
-              <a:rPr lang="it-IT" dirty="0"/>
-              <a:t> </a:t>
-            </a:r>
-            <a:r>
-              <a:rPr lang="it-IT" dirty="0" err="1"/>
-              <a:t>previous</a:t>
-            </a:r>
-            <a:r>
-              <a:rPr lang="it-IT" dirty="0"/>
-              <a:t> user </a:t>
-            </a:r>
-            <a:r>
-              <a:rPr lang="it-IT" dirty="0" err="1"/>
-              <a:t>questions</a:t>
-            </a:r>
-            <a:r>
-              <a:rPr lang="it-IT" dirty="0"/>
-              <a:t> and </a:t>
-            </a:r>
-            <a:r>
-              <a:rPr lang="it-IT" dirty="0" err="1"/>
-              <a:t>chatGpt</a:t>
-            </a:r>
-            <a:r>
-              <a:rPr lang="it-IT" dirty="0"/>
-              <a:t> </a:t>
-            </a:r>
-            <a:r>
-              <a:rPr lang="it-IT" dirty="0" err="1"/>
-              <a:t>answers</a:t>
-            </a:r>
-            <a:r>
-              <a:rPr lang="it-IT" dirty="0"/>
-              <a:t> in </a:t>
-            </a:r>
-            <a:r>
-              <a:rPr lang="it-IT" dirty="0" err="1"/>
-              <a:t>proper</a:t>
-            </a:r>
-            <a:r>
-              <a:rPr lang="it-IT" dirty="0"/>
-              <a:t> </a:t>
-            </a:r>
-            <a:r>
-              <a:rPr lang="it-IT" dirty="0" err="1"/>
-              <a:t>sequential</a:t>
-            </a:r>
-            <a:r>
-              <a:rPr lang="it-IT" dirty="0"/>
-              <a:t> </a:t>
-            </a:r>
-            <a:r>
-              <a:rPr lang="it-IT" dirty="0" err="1"/>
-              <a:t>order</a:t>
-            </a:r>
-            <a:r>
-              <a:rPr lang="it-IT" dirty="0"/>
-              <a:t>, </a:t>
-            </a:r>
-            <a:r>
-              <a:rPr lang="it-IT" dirty="0" err="1"/>
-              <a:t>then</a:t>
-            </a:r>
-            <a:r>
-              <a:rPr lang="it-IT" dirty="0"/>
-              <a:t> </a:t>
-            </a:r>
-            <a:r>
-              <a:rPr lang="it-IT" dirty="0" err="1"/>
-              <a:t>add</a:t>
-            </a:r>
-            <a:r>
-              <a:rPr lang="it-IT" dirty="0"/>
-              <a:t> the last user </a:t>
-            </a:r>
-            <a:r>
-              <a:rPr lang="it-IT" dirty="0" err="1"/>
-              <a:t>question</a:t>
-            </a:r>
-            <a:endParaRPr lang="it-IT" dirty="0"/>
+              <a:rPr lang="en-US" dirty="0"/>
+              <a:t>When next user question arrives, add previous user questions and </a:t>
+            </a:r>
+            <a:r>
+              <a:rPr lang="en-US" dirty="0" err="1"/>
+              <a:t>ChatGpt</a:t>
+            </a:r>
+            <a:r>
+              <a:rPr lang="en-US" dirty="0"/>
+              <a:t> answers in proper sequential order, then add the last user question</a:t>
+            </a:r>
           </a:p>
           <a:p>
             <a:pPr lvl="2"/>
             <a:r>
-              <a:rPr lang="it-IT" dirty="0"/>
+              <a:rPr lang="en-US" dirty="0"/>
               <a:t>Use </a:t>
             </a:r>
             <a:r>
-              <a:rPr lang="it-IT" b="1" dirty="0" err="1"/>
-              <a:t>role</a:t>
-            </a:r>
-            <a:r>
-              <a:rPr lang="it-IT" b="1" dirty="0"/>
-              <a:t>="</a:t>
-            </a:r>
-            <a:r>
-              <a:rPr lang="it-IT" b="1" dirty="0" err="1"/>
-              <a:t>assistant</a:t>
-            </a:r>
-            <a:r>
-              <a:rPr lang="it-IT" b="1" dirty="0"/>
-              <a:t>" </a:t>
-            </a:r>
-            <a:r>
-              <a:rPr lang="it-IT" dirty="0"/>
-              <a:t>to </a:t>
-            </a:r>
-            <a:r>
-              <a:rPr lang="it-IT" dirty="0" err="1"/>
-              <a:t>send</a:t>
-            </a:r>
-            <a:r>
-              <a:rPr lang="it-IT" dirty="0"/>
-              <a:t> back </a:t>
-            </a:r>
-            <a:r>
-              <a:rPr lang="it-IT" dirty="0" err="1"/>
-              <a:t>previous</a:t>
-            </a:r>
-            <a:r>
-              <a:rPr lang="it-IT" dirty="0"/>
-              <a:t> </a:t>
-            </a:r>
-            <a:r>
-              <a:rPr lang="it-IT" dirty="0" err="1"/>
-              <a:t>chatgpt</a:t>
-            </a:r>
-            <a:r>
-              <a:rPr lang="it-IT" dirty="0"/>
-              <a:t> </a:t>
-            </a:r>
-            <a:r>
-              <a:rPr lang="it-IT" dirty="0" err="1"/>
-              <a:t>replies</a:t>
-            </a:r>
-            <a:endParaRPr lang="it-IT" dirty="0"/>
+              <a:rPr lang="en-US" b="1" dirty="0"/>
+              <a:t>role="assistant" </a:t>
+            </a:r>
+            <a:r>
+              <a:rPr lang="en-US" dirty="0"/>
+              <a:t>to send back previous </a:t>
+            </a:r>
+            <a:r>
+              <a:rPr lang="en-US" dirty="0" err="1"/>
+              <a:t>ChatGpt</a:t>
+            </a:r>
+            <a:r>
+              <a:rPr lang="en-US" dirty="0"/>
+              <a:t> replies</a:t>
+            </a:r>
           </a:p>
           <a:p>
             <a:pPr lvl="2"/>
-            <a:endParaRPr lang="it-IT" dirty="0"/>
+            <a:endParaRPr lang="en-US" dirty="0"/>
           </a:p>
           <a:p>
             <a:pPr lvl="1"/>
-            <a:endParaRPr lang="it-IT" dirty="0"/>
+            <a:endParaRPr lang="en-US" dirty="0"/>
           </a:p>
           <a:p>
             <a:endParaRPr lang="en-US" dirty="0"/>
@@ -5111,7 +5825,7 @@
 </p:sld>
 </file>
 
-<file path=ppt/slides/slide13.xml><?xml version="1.0" encoding="utf-8"?>
+<file path=ppt/slides/slide15.xml><?xml version="1.0" encoding="utf-8"?>
 <p:sld xmlns:a="http://schemas.openxmlformats.org/drawingml/2006/main" xmlns:r="http://schemas.openxmlformats.org/officeDocument/2006/relationships" xmlns:p="http://schemas.openxmlformats.org/presentationml/2006/main">
   <p:cSld>
     <p:spTree>
@@ -5759,13 +6473,13 @@
         </p:nvSpPr>
         <p:spPr>
           <a:xfrm>
-            <a:off x="2713140" y="2408770"/>
-            <a:ext cx="914400" cy="612648"/>
+            <a:off x="2273767" y="2114783"/>
+            <a:ext cx="1677448" cy="903752"/>
           </a:xfrm>
           <a:prstGeom prst="wedgeRectCallout">
             <a:avLst>
-              <a:gd name="adj1" fmla="val -12576"/>
-              <a:gd name="adj2" fmla="val 104948"/>
+              <a:gd name="adj1" fmla="val -73"/>
+              <a:gd name="adj2" fmla="val 82670"/>
             </a:avLst>
           </a:prstGeom>
           <a:solidFill>
@@ -5794,6 +6508,21 @@
           <a:p>
             <a:pPr algn="ctr"/>
             <a:r>
+              <a:rPr lang="it-IT" sz="1600" dirty="0">
+                <a:solidFill>
+                  <a:schemeClr val="tx1"/>
+                </a:solidFill>
+              </a:rPr>
+              <a:t>-&gt;</a:t>
+            </a:r>
+            <a:br>
+              <a:rPr lang="it-IT" sz="1000" dirty="0">
+                <a:solidFill>
+                  <a:schemeClr val="tx1"/>
+                </a:solidFill>
+              </a:rPr>
+            </a:br>
+            <a:r>
               <a:rPr lang="it-IT" sz="1000" dirty="0" err="1">
                 <a:solidFill>
                   <a:schemeClr val="tx1"/>
@@ -5807,7 +6536,87 @@
                   <a:schemeClr val="tx1"/>
                 </a:solidFill>
               </a:rPr>
-              <a:t> manager</a:t>
+              <a:t> manager: </a:t>
+            </a:r>
+            <a:r>
+              <a:rPr lang="it-IT" sz="1000" dirty="0" err="1">
+                <a:solidFill>
+                  <a:schemeClr val="tx1"/>
+                </a:solidFill>
+              </a:rPr>
+              <a:t>read</a:t>
+            </a:r>
+            <a:r>
+              <a:rPr lang="it-IT" sz="1000" dirty="0">
+                <a:solidFill>
+                  <a:schemeClr val="tx1"/>
+                </a:solidFill>
+              </a:rPr>
+              <a:t> from </a:t>
+            </a:r>
+            <a:r>
+              <a:rPr lang="it-IT" sz="1000" dirty="0" err="1">
+                <a:solidFill>
+                  <a:schemeClr val="tx1"/>
+                </a:solidFill>
+              </a:rPr>
+              <a:t>db</a:t>
+            </a:r>
+            <a:r>
+              <a:rPr lang="it-IT" sz="1000" dirty="0">
+                <a:solidFill>
+                  <a:schemeClr val="tx1"/>
+                </a:solidFill>
+              </a:rPr>
+              <a:t> and </a:t>
+            </a:r>
+            <a:r>
+              <a:rPr lang="it-IT" sz="1000" dirty="0" err="1">
+                <a:solidFill>
+                  <a:schemeClr val="tx1"/>
+                </a:solidFill>
+              </a:rPr>
+              <a:t>push</a:t>
+            </a:r>
+            <a:r>
+              <a:rPr lang="it-IT" sz="1000" dirty="0">
+                <a:solidFill>
+                  <a:schemeClr val="tx1"/>
+                </a:solidFill>
+              </a:rPr>
+              <a:t> </a:t>
+            </a:r>
+            <a:r>
+              <a:rPr lang="it-IT" sz="1000" dirty="0" err="1">
+                <a:solidFill>
+                  <a:schemeClr val="tx1"/>
+                </a:solidFill>
+              </a:rPr>
+              <a:t>conversation</a:t>
+            </a:r>
+            <a:r>
+              <a:rPr lang="it-IT" sz="1000" dirty="0">
+                <a:solidFill>
+                  <a:schemeClr val="tx1"/>
+                </a:solidFill>
+              </a:rPr>
+              <a:t> history in </a:t>
+            </a:r>
+            <a:r>
+              <a:rPr lang="it-IT" sz="1000" dirty="0" err="1">
+                <a:solidFill>
+                  <a:schemeClr val="tx1"/>
+                </a:solidFill>
+              </a:rPr>
+              <a:t>request</a:t>
+            </a:r>
+            <a:r>
+              <a:rPr lang="it-IT" sz="1000" dirty="0">
+                <a:solidFill>
+                  <a:schemeClr val="tx1"/>
+                </a:solidFill>
+              </a:rPr>
+              <a:t> </a:t>
             </a:r>
             <a:endParaRPr lang="en-US" sz="1000" dirty="0">
               <a:solidFill>
@@ -6184,7 +6993,7 @@
         <p:spPr>
           <a:xfrm>
             <a:off x="897622" y="5612235"/>
-            <a:ext cx="4816255" cy="307777"/>
+            <a:ext cx="5197898" cy="307777"/>
           </a:xfrm>
           <a:prstGeom prst="rect">
             <a:avLst/>
@@ -6223,7 +7032,7 @@
             </a:r>
             <a:r>
               <a:rPr lang="it-IT" sz="1400" dirty="0"/>
-              <a:t> items or </a:t>
+              <a:t> items and / or </a:t>
             </a:r>
             <a:r>
               <a:rPr lang="it-IT" sz="1400" dirty="0" err="1"/>
@@ -6246,6 +7055,149 @@
               <a:t>documents</a:t>
             </a:r>
             <a:endParaRPr lang="en-US" sz="1400" dirty="0"/>
+          </a:p>
+        </p:txBody>
+      </p:sp>
+      <p:sp>
+        <p:nvSpPr>
+          <p:cNvPr id="19" name="Speech Bubble: Rectangle 18">
+            <a:extLst>
+              <a:ext uri="{FF2B5EF4-FFF2-40B4-BE49-F238E27FC236}">
+                <a16:creationId xmlns:a16="http://schemas.microsoft.com/office/drawing/2014/main" id="{F0C4FD00-F9A1-024A-F8F5-D00F3BB7DC3B}"/>
+              </a:ext>
+            </a:extLst>
+          </p:cNvPr>
+          <p:cNvSpPr/>
+          <p:nvPr/>
+        </p:nvSpPr>
+        <p:spPr>
+          <a:xfrm>
+            <a:off x="2521592" y="4365515"/>
+            <a:ext cx="1429623" cy="1002842"/>
+          </a:xfrm>
+          <a:prstGeom prst="wedgeRectCallout">
+            <a:avLst>
+              <a:gd name="adj1" fmla="val -7435"/>
+              <a:gd name="adj2" fmla="val -88123"/>
+            </a:avLst>
+          </a:prstGeom>
+          <a:solidFill>
+            <a:schemeClr val="bg2"/>
+          </a:solidFill>
+        </p:spPr>
+        <p:style>
+          <a:lnRef idx="2">
+            <a:schemeClr val="accent4">
+              <a:shade val="50000"/>
+            </a:schemeClr>
+          </a:lnRef>
+          <a:fillRef idx="1">
+            <a:schemeClr val="accent4"/>
+          </a:fillRef>
+          <a:effectRef idx="0">
+            <a:schemeClr val="accent4"/>
+          </a:effectRef>
+          <a:fontRef idx="minor">
+            <a:schemeClr val="lt1"/>
+          </a:fontRef>
+        </p:style>
+        <p:txBody>
+          <a:bodyPr rtlCol="0" anchor="ctr"/>
+          <a:lstStyle/>
+          <a:p>
+            <a:pPr algn="ctr"/>
+            <a:r>
+              <a:rPr lang="it-IT" sz="1600" dirty="0">
+                <a:solidFill>
+                  <a:schemeClr val="tx1"/>
+                </a:solidFill>
+              </a:rPr>
+              <a:t>&lt;-</a:t>
+            </a:r>
+            <a:br>
+              <a:rPr lang="it-IT" sz="1000" dirty="0">
+                <a:solidFill>
+                  <a:schemeClr val="tx1"/>
+                </a:solidFill>
+              </a:rPr>
+            </a:br>
+            <a:r>
+              <a:rPr lang="it-IT" sz="1000" dirty="0" err="1">
+                <a:solidFill>
+                  <a:schemeClr val="tx1"/>
+                </a:solidFill>
+              </a:rPr>
+              <a:t>Conversation</a:t>
+            </a:r>
+            <a:r>
+              <a:rPr lang="it-IT" sz="1000" dirty="0">
+                <a:solidFill>
+                  <a:schemeClr val="tx1"/>
+                </a:solidFill>
+              </a:rPr>
+              <a:t> manager: </a:t>
+            </a:r>
+            <a:r>
+              <a:rPr lang="it-IT" sz="1000" dirty="0" err="1">
+                <a:solidFill>
+                  <a:schemeClr val="tx1"/>
+                </a:solidFill>
+              </a:rPr>
+              <a:t>save</a:t>
+            </a:r>
+            <a:r>
+              <a:rPr lang="it-IT" sz="1000" dirty="0">
+                <a:solidFill>
+                  <a:schemeClr val="tx1"/>
+                </a:solidFill>
+              </a:rPr>
+              <a:t> user </a:t>
+            </a:r>
+            <a:r>
+              <a:rPr lang="it-IT" sz="1000" dirty="0" err="1">
+                <a:solidFill>
+                  <a:schemeClr val="tx1"/>
+                </a:solidFill>
+              </a:rPr>
+              <a:t>question</a:t>
+            </a:r>
+            <a:r>
+              <a:rPr lang="it-IT" sz="1000" dirty="0">
+                <a:solidFill>
+                  <a:schemeClr val="tx1"/>
+                </a:solidFill>
+              </a:rPr>
+              <a:t> and </a:t>
+            </a:r>
+            <a:r>
+              <a:rPr lang="it-IT" sz="1000" dirty="0" err="1">
+                <a:solidFill>
+                  <a:schemeClr val="tx1"/>
+                </a:solidFill>
+              </a:rPr>
+              <a:t>chatgpt</a:t>
+            </a:r>
+            <a:r>
+              <a:rPr lang="it-IT" sz="1000" dirty="0">
+                <a:solidFill>
+                  <a:schemeClr val="tx1"/>
+                </a:solidFill>
+              </a:rPr>
+              <a:t> </a:t>
+            </a:r>
+            <a:r>
+              <a:rPr lang="it-IT" sz="1000" dirty="0" err="1">
+                <a:solidFill>
+                  <a:schemeClr val="tx1"/>
+                </a:solidFill>
+              </a:rPr>
+              <a:t>reply</a:t>
+            </a:r>
+            <a:endParaRPr lang="en-US" sz="1000" dirty="0">
+              <a:solidFill>
+                <a:schemeClr val="tx1"/>
+              </a:solidFill>
+            </a:endParaRPr>
           </a:p>
         </p:txBody>
       </p:sp>
@@ -6262,7 +7214,7 @@
 </p:sld>
 </file>
 
-<file path=ppt/slides/slide14.xml><?xml version="1.0" encoding="utf-8"?>
+<file path=ppt/slides/slide16.xml><?xml version="1.0" encoding="utf-8"?>
 <p:sld xmlns:a="http://schemas.openxmlformats.org/drawingml/2006/main" xmlns:r="http://schemas.openxmlformats.org/officeDocument/2006/relationships" xmlns:p="http://schemas.openxmlformats.org/presentationml/2006/main">
   <p:cSld>
     <p:spTree>
@@ -6284,267 +7236,6 @@
           <p:cNvPr id="2" name="Title 1">
             <a:extLst>
               <a:ext uri="{FF2B5EF4-FFF2-40B4-BE49-F238E27FC236}">
-                <a16:creationId xmlns:a16="http://schemas.microsoft.com/office/drawing/2014/main" id="{6AEC95F5-6CD6-29D3-645A-9DFD7745F050}"/>
-              </a:ext>
-            </a:extLst>
-          </p:cNvPr>
-          <p:cNvSpPr>
-            <a:spLocks noGrp="1"/>
-          </p:cNvSpPr>
-          <p:nvPr>
-            <p:ph type="title"/>
-          </p:nvPr>
-        </p:nvSpPr>
-        <p:spPr/>
-        <p:txBody>
-          <a:bodyPr/>
-          <a:lstStyle/>
-          <a:p>
-            <a:r>
-              <a:rPr lang="it-IT" dirty="0"/>
-              <a:t>Token </a:t>
-            </a:r>
-            <a:r>
-              <a:rPr lang="it-IT" dirty="0" err="1"/>
-              <a:t>limits</a:t>
-            </a:r>
-            <a:r>
-              <a:rPr lang="it-IT" dirty="0"/>
-              <a:t> (</a:t>
-            </a:r>
-            <a:r>
-              <a:rPr lang="it-IT" dirty="0" err="1"/>
-              <a:t>what</a:t>
-            </a:r>
-            <a:r>
-              <a:rPr lang="it-IT" dirty="0"/>
-              <a:t> are tokens </a:t>
-            </a:r>
-            <a:r>
-              <a:rPr lang="it-IT" dirty="0" err="1"/>
-              <a:t>btw</a:t>
-            </a:r>
-            <a:r>
-              <a:rPr lang="it-IT" dirty="0"/>
-              <a:t>?)</a:t>
-            </a:r>
-            <a:endParaRPr lang="en-US" dirty="0"/>
-          </a:p>
-        </p:txBody>
-      </p:sp>
-      <p:sp>
-        <p:nvSpPr>
-          <p:cNvPr id="3" name="Content Placeholder 2">
-            <a:extLst>
-              <a:ext uri="{FF2B5EF4-FFF2-40B4-BE49-F238E27FC236}">
-                <a16:creationId xmlns:a16="http://schemas.microsoft.com/office/drawing/2014/main" id="{42168503-AFFE-A5AD-A297-7D2B906BE0FA}"/>
-              </a:ext>
-            </a:extLst>
-          </p:cNvPr>
-          <p:cNvSpPr>
-            <a:spLocks noGrp="1"/>
-          </p:cNvSpPr>
-          <p:nvPr>
-            <p:ph idx="1"/>
-          </p:nvPr>
-        </p:nvSpPr>
-        <p:spPr>
-          <a:xfrm>
-            <a:off x="838200" y="1825624"/>
-            <a:ext cx="10515600" cy="4519191"/>
-          </a:xfrm>
-        </p:spPr>
-        <p:txBody>
-          <a:bodyPr>
-            <a:normAutofit lnSpcReduction="10000"/>
-          </a:bodyPr>
-          <a:lstStyle/>
-          <a:p>
-            <a:r>
-              <a:rPr lang="it-IT" dirty="0"/>
-              <a:t>First pass </a:t>
-            </a:r>
-            <a:r>
-              <a:rPr lang="it-IT" dirty="0" err="1"/>
-              <a:t>when</a:t>
-            </a:r>
-            <a:r>
-              <a:rPr lang="it-IT" dirty="0"/>
-              <a:t> processing a </a:t>
-            </a:r>
-            <a:r>
-              <a:rPr lang="it-IT" dirty="0" err="1"/>
-              <a:t>question</a:t>
-            </a:r>
-            <a:r>
-              <a:rPr lang="it-IT" dirty="0"/>
-              <a:t> </a:t>
-            </a:r>
-            <a:r>
-              <a:rPr lang="it-IT" dirty="0" err="1"/>
-              <a:t>is</a:t>
-            </a:r>
-            <a:r>
-              <a:rPr lang="it-IT" dirty="0"/>
-              <a:t> </a:t>
-            </a:r>
-            <a:r>
-              <a:rPr lang="it-IT" dirty="0" err="1"/>
-              <a:t>remove</a:t>
-            </a:r>
-            <a:r>
-              <a:rPr lang="it-IT" dirty="0"/>
-              <a:t> </a:t>
-            </a:r>
-            <a:r>
-              <a:rPr lang="it-IT" dirty="0" err="1"/>
-              <a:t>irrelevant</a:t>
-            </a:r>
-            <a:r>
-              <a:rPr lang="it-IT" dirty="0"/>
-              <a:t> words (</a:t>
-            </a:r>
-            <a:r>
-              <a:rPr lang="it-IT" dirty="0" err="1"/>
-              <a:t>such</a:t>
-            </a:r>
-            <a:r>
-              <a:rPr lang="it-IT" dirty="0"/>
-              <a:t> </a:t>
-            </a:r>
-            <a:r>
-              <a:rPr lang="it-IT" dirty="0" err="1"/>
-              <a:t>as</a:t>
-            </a:r>
-            <a:r>
-              <a:rPr lang="it-IT" dirty="0"/>
-              <a:t> </a:t>
-            </a:r>
-            <a:r>
-              <a:rPr lang="it-IT" dirty="0" err="1"/>
-              <a:t>please</a:t>
-            </a:r>
-            <a:r>
-              <a:rPr lang="it-IT" dirty="0"/>
-              <a:t>)</a:t>
-            </a:r>
-          </a:p>
-          <a:p>
-            <a:r>
-              <a:rPr lang="it-IT" dirty="0"/>
-              <a:t>Next words are split </a:t>
-            </a:r>
-            <a:r>
-              <a:rPr lang="it-IT" dirty="0" err="1"/>
-              <a:t>into</a:t>
-            </a:r>
-            <a:r>
-              <a:rPr lang="it-IT" dirty="0"/>
-              <a:t> tokens </a:t>
-            </a:r>
-          </a:p>
-          <a:p>
-            <a:pPr lvl="1"/>
-            <a:r>
-              <a:rPr lang="en-US" dirty="0"/>
-              <a:t>You can think of tokens as pieces of words used for natural language processing</a:t>
-            </a:r>
-            <a:endParaRPr lang="it-IT" dirty="0"/>
-          </a:p>
-          <a:p>
-            <a:pPr lvl="1"/>
-            <a:r>
-              <a:rPr lang="en-US" dirty="0"/>
-              <a:t>For English text, 1 token is approximately 4 characters or 0.75 words, e.g.</a:t>
-            </a:r>
-            <a:br>
-              <a:rPr lang="en-US" dirty="0"/>
-            </a:br>
-            <a:r>
-              <a:rPr lang="en-US" dirty="0"/>
-              <a:t>text of 100 chars * 4/3 =&gt; about 133 tokens</a:t>
-            </a:r>
-          </a:p>
-          <a:p>
-            <a:r>
-              <a:rPr lang="en-US" dirty="0"/>
-              <a:t>Each model has a token limit for each request (question + answer)</a:t>
-            </a:r>
-          </a:p>
-          <a:p>
-            <a:pPr lvl="1"/>
-            <a:r>
-              <a:rPr lang="en-US" dirty="0"/>
-              <a:t>gpt-3.5-turbo : max tokens is 4096</a:t>
-            </a:r>
-          </a:p>
-          <a:p>
-            <a:r>
-              <a:rPr lang="en-US" dirty="0"/>
-              <a:t>So keep track of it when setting up request to </a:t>
-            </a:r>
-            <a:r>
-              <a:rPr lang="en-US" dirty="0" err="1"/>
-              <a:t>chatGpt</a:t>
-            </a:r>
-            <a:endParaRPr lang="en-US" dirty="0"/>
-          </a:p>
-          <a:p>
-            <a:pPr lvl="1"/>
-            <a:r>
-              <a:rPr lang="en-US" dirty="0"/>
-              <a:t>There are existing </a:t>
-            </a:r>
-            <a:r>
-              <a:rPr lang="en-US" dirty="0" err="1"/>
-              <a:t>linbraries</a:t>
-            </a:r>
-            <a:r>
-              <a:rPr lang="en-US" dirty="0"/>
-              <a:t> to calculate tokens from words (no open ai api exposed for that)</a:t>
-            </a:r>
-          </a:p>
-          <a:p>
-            <a:pPr lvl="1"/>
-            <a:endParaRPr lang="en-US" dirty="0"/>
-          </a:p>
-        </p:txBody>
-      </p:sp>
-    </p:spTree>
-    <p:extLst>
-      <p:ext uri="{BB962C8B-B14F-4D97-AF65-F5344CB8AC3E}">
-        <p14:creationId xmlns:p14="http://schemas.microsoft.com/office/powerpoint/2010/main" val="3917042565"/>
-      </p:ext>
-    </p:extLst>
-  </p:cSld>
-  <p:clrMapOvr>
-    <a:masterClrMapping/>
-  </p:clrMapOvr>
-</p:sld>
-</file>
-
-<file path=ppt/slides/slide15.xml><?xml version="1.0" encoding="utf-8"?>
-<p:sld xmlns:a="http://schemas.openxmlformats.org/drawingml/2006/main" xmlns:r="http://schemas.openxmlformats.org/officeDocument/2006/relationships" xmlns:p="http://schemas.openxmlformats.org/presentationml/2006/main">
-  <p:cSld>
-    <p:spTree>
-      <p:nvGrpSpPr>
-        <p:cNvPr id="1" name=""/>
-        <p:cNvGrpSpPr/>
-        <p:nvPr/>
-      </p:nvGrpSpPr>
-      <p:grpSpPr>
-        <a:xfrm>
-          <a:off x="0" y="0"/>
-          <a:ext cx="0" cy="0"/>
-          <a:chOff x="0" y="0"/>
-          <a:chExt cx="0" cy="0"/>
-        </a:xfrm>
-      </p:grpSpPr>
-      <p:sp>
-        <p:nvSpPr>
-          <p:cNvPr id="2" name="Title 1">
-            <a:extLst>
-              <a:ext uri="{FF2B5EF4-FFF2-40B4-BE49-F238E27FC236}">
                 <a16:creationId xmlns:a16="http://schemas.microsoft.com/office/drawing/2014/main" id="{6436F389-FBC8-ADEB-034C-8ED7BD305F9E}"/>
               </a:ext>
             </a:extLst>
@@ -6591,86 +7282,35 @@
           <a:lstStyle/>
           <a:p>
             <a:r>
-              <a:rPr lang="it-IT" dirty="0"/>
-              <a:t>Input </a:t>
-            </a:r>
-            <a:r>
-              <a:rPr lang="it-IT" dirty="0" err="1"/>
-              <a:t>parameter</a:t>
-            </a:r>
-            <a:r>
-              <a:rPr lang="it-IT" dirty="0"/>
-              <a:t> to </a:t>
-            </a:r>
-            <a:r>
-              <a:rPr lang="it-IT" dirty="0" err="1"/>
-              <a:t>completion</a:t>
-            </a:r>
-            <a:r>
-              <a:rPr lang="it-IT" dirty="0"/>
-              <a:t> api from 0 to 1 </a:t>
-            </a:r>
-          </a:p>
-          <a:p>
-            <a:r>
-              <a:rPr lang="it-IT" dirty="0"/>
-              <a:t>Control the "</a:t>
-            </a:r>
-            <a:r>
-              <a:rPr lang="it-IT" dirty="0" err="1"/>
-              <a:t>creativity</a:t>
-            </a:r>
-            <a:r>
-              <a:rPr lang="it-IT" dirty="0"/>
-              <a:t>" of the model </a:t>
+              <a:rPr lang="en-US" dirty="0"/>
+              <a:t>Input parameter to completion api from 0 to 1 </a:t>
+            </a:r>
+          </a:p>
+          <a:p>
+            <a:r>
+              <a:rPr lang="en-US" dirty="0"/>
+              <a:t>Control the "creativity" of the model </a:t>
             </a:r>
           </a:p>
           <a:p>
             <a:pPr lvl="1"/>
             <a:r>
-              <a:rPr lang="it-IT" dirty="0" err="1"/>
-              <a:t>Smaller</a:t>
-            </a:r>
-            <a:r>
-              <a:rPr lang="it-IT" dirty="0"/>
-              <a:t> : more precise </a:t>
-            </a:r>
-            <a:r>
-              <a:rPr lang="it-IT" dirty="0" err="1"/>
-              <a:t>response</a:t>
-            </a:r>
-            <a:endParaRPr lang="it-IT" dirty="0"/>
+              <a:rPr lang="en-US" dirty="0"/>
+              <a:t>Smaller : more precise response</a:t>
+            </a:r>
           </a:p>
           <a:p>
             <a:pPr lvl="1"/>
             <a:r>
-              <a:rPr lang="it-IT" dirty="0"/>
-              <a:t>Greater : more creative </a:t>
-            </a:r>
-            <a:r>
-              <a:rPr lang="it-IT" dirty="0" err="1"/>
-              <a:t>response</a:t>
-            </a:r>
-            <a:endParaRPr lang="it-IT" dirty="0"/>
-          </a:p>
-          <a:p>
-            <a:r>
-              <a:rPr lang="it-IT" dirty="0"/>
-              <a:t>Stick </a:t>
-            </a:r>
-            <a:r>
-              <a:rPr lang="it-IT" dirty="0" err="1"/>
-              <a:t>around</a:t>
-            </a:r>
-            <a:r>
-              <a:rPr lang="it-IT" dirty="0"/>
-              <a:t> 0.25 / 0.35 for precise </a:t>
-            </a:r>
-            <a:r>
-              <a:rPr lang="it-IT" dirty="0" err="1"/>
-              <a:t>responses</a:t>
-            </a:r>
-            <a:endParaRPr lang="it-IT" dirty="0"/>
+              <a:rPr lang="en-US" dirty="0"/>
+              <a:t>Greater : more creative response</a:t>
+            </a:r>
+          </a:p>
+          <a:p>
+            <a:r>
+              <a:rPr lang="en-US" dirty="0"/>
+              <a:t>Stick around 0.25 / 0.35 for precise responses</a:t>
+            </a:r>
           </a:p>
           <a:p>
             <a:endParaRPr lang="en-US" dirty="0"/>
@@ -6730,235 +7370,6 @@
 </p:sld>
 </file>
 
-<file path=ppt/slides/slide16.xml><?xml version="1.0" encoding="utf-8"?>
-<p:sld xmlns:a="http://schemas.openxmlformats.org/drawingml/2006/main" xmlns:r="http://schemas.openxmlformats.org/officeDocument/2006/relationships" xmlns:p="http://schemas.openxmlformats.org/presentationml/2006/main">
-  <p:cSld>
-    <p:spTree>
-      <p:nvGrpSpPr>
-        <p:cNvPr id="1" name=""/>
-        <p:cNvGrpSpPr/>
-        <p:nvPr/>
-      </p:nvGrpSpPr>
-      <p:grpSpPr>
-        <a:xfrm>
-          <a:off x="0" y="0"/>
-          <a:ext cx="0" cy="0"/>
-          <a:chOff x="0" y="0"/>
-          <a:chExt cx="0" cy="0"/>
-        </a:xfrm>
-      </p:grpSpPr>
-      <p:sp>
-        <p:nvSpPr>
-          <p:cNvPr id="2" name="Title 1">
-            <a:extLst>
-              <a:ext uri="{FF2B5EF4-FFF2-40B4-BE49-F238E27FC236}">
-                <a16:creationId xmlns:a16="http://schemas.microsoft.com/office/drawing/2014/main" id="{FF264A16-6F48-5EC4-62A0-58D14511F1BA}"/>
-              </a:ext>
-            </a:extLst>
-          </p:cNvPr>
-          <p:cNvSpPr>
-            <a:spLocks noGrp="1"/>
-          </p:cNvSpPr>
-          <p:nvPr>
-            <p:ph type="title"/>
-          </p:nvPr>
-        </p:nvSpPr>
-        <p:spPr/>
-        <p:txBody>
-          <a:bodyPr/>
-          <a:lstStyle/>
-          <a:p>
-            <a:r>
-              <a:rPr lang="it-IT" dirty="0"/>
-              <a:t>Note on Cosine </a:t>
-            </a:r>
-            <a:r>
-              <a:rPr lang="it-IT" dirty="0" err="1"/>
-              <a:t>proximity</a:t>
-            </a:r>
-            <a:endParaRPr lang="en-US" dirty="0"/>
-          </a:p>
-        </p:txBody>
-      </p:sp>
-      <p:sp>
-        <p:nvSpPr>
-          <p:cNvPr id="3" name="Content Placeholder 2">
-            <a:extLst>
-              <a:ext uri="{FF2B5EF4-FFF2-40B4-BE49-F238E27FC236}">
-                <a16:creationId xmlns:a16="http://schemas.microsoft.com/office/drawing/2014/main" id="{D30BD983-352A-A76B-2588-A2553B9A0543}"/>
-              </a:ext>
-            </a:extLst>
-          </p:cNvPr>
-          <p:cNvSpPr>
-            <a:spLocks noGrp="1"/>
-          </p:cNvSpPr>
-          <p:nvPr>
-            <p:ph idx="1"/>
-          </p:nvPr>
-        </p:nvSpPr>
-        <p:spPr/>
-        <p:txBody>
-          <a:bodyPr/>
-          <a:lstStyle/>
-          <a:p>
-            <a:r>
-              <a:rPr lang="it-IT" dirty="0"/>
-              <a:t>With random </a:t>
-            </a:r>
-            <a:r>
-              <a:rPr lang="it-IT" dirty="0" err="1"/>
-              <a:t>vectors</a:t>
-            </a:r>
-            <a:r>
-              <a:rPr lang="it-IT" dirty="0"/>
-              <a:t> </a:t>
-            </a:r>
-            <a:r>
-              <a:rPr lang="it-IT" dirty="0" err="1"/>
-              <a:t>distribution</a:t>
-            </a:r>
-            <a:r>
-              <a:rPr lang="it-IT" dirty="0"/>
-              <a:t> </a:t>
-            </a:r>
-            <a:r>
-              <a:rPr lang="it-IT" dirty="0" err="1"/>
-              <a:t>it</a:t>
-            </a:r>
-            <a:r>
-              <a:rPr lang="it-IT" dirty="0"/>
-              <a:t> ranges from -1 to 1</a:t>
-            </a:r>
-          </a:p>
-          <a:p>
-            <a:r>
-              <a:rPr lang="it-IT" dirty="0" err="1"/>
-              <a:t>Vectors</a:t>
-            </a:r>
-            <a:r>
-              <a:rPr lang="it-IT" dirty="0"/>
-              <a:t> coming from </a:t>
-            </a:r>
-            <a:r>
-              <a:rPr lang="it-IT" i="1" dirty="0"/>
-              <a:t>text-embedding-ada-002 </a:t>
-            </a:r>
-            <a:r>
-              <a:rPr lang="it-IT" dirty="0" err="1"/>
-              <a:t>have</a:t>
-            </a:r>
-            <a:r>
-              <a:rPr lang="it-IT" dirty="0"/>
-              <a:t> a </a:t>
-            </a:r>
-            <a:r>
-              <a:rPr lang="it-IT" dirty="0" err="1"/>
-              <a:t>bias</a:t>
-            </a:r>
-            <a:r>
-              <a:rPr lang="it-IT" dirty="0"/>
-              <a:t>, </a:t>
-            </a:r>
-            <a:r>
-              <a:rPr lang="it-IT" dirty="0" err="1"/>
-              <a:t>values</a:t>
-            </a:r>
-            <a:r>
-              <a:rPr lang="it-IT" dirty="0"/>
-              <a:t> </a:t>
-            </a:r>
-            <a:r>
-              <a:rPr lang="it-IT" dirty="0" err="1"/>
-              <a:t>always</a:t>
-            </a:r>
-            <a:r>
-              <a:rPr lang="it-IT" dirty="0"/>
-              <a:t> positive, </a:t>
-            </a:r>
-            <a:r>
-              <a:rPr lang="it-IT" dirty="0" err="1"/>
-              <a:t>approximately</a:t>
-            </a:r>
-            <a:r>
-              <a:rPr lang="it-IT" dirty="0"/>
-              <a:t> </a:t>
-            </a:r>
-            <a:r>
-              <a:rPr lang="it-IT" dirty="0" err="1"/>
-              <a:t>distributed</a:t>
-            </a:r>
-            <a:r>
-              <a:rPr lang="it-IT" dirty="0"/>
-              <a:t> in a </a:t>
-            </a:r>
-            <a:r>
-              <a:rPr lang="it-IT" dirty="0" err="1"/>
-              <a:t>gaussian</a:t>
-            </a:r>
-            <a:r>
-              <a:rPr lang="it-IT" dirty="0"/>
-              <a:t> way </a:t>
-            </a:r>
-            <a:r>
-              <a:rPr lang="it-IT" dirty="0" err="1"/>
-              <a:t>around</a:t>
-            </a:r>
-            <a:r>
-              <a:rPr lang="it-IT" dirty="0"/>
-              <a:t> 0.7</a:t>
-            </a:r>
-          </a:p>
-          <a:p>
-            <a:pPr lvl="1"/>
-            <a:r>
-              <a:rPr lang="it-IT" dirty="0"/>
-              <a:t>Experiment with </a:t>
-            </a:r>
-            <a:r>
-              <a:rPr lang="it-IT" dirty="0" err="1"/>
-              <a:t>values</a:t>
-            </a:r>
-            <a:r>
-              <a:rPr lang="it-IT" dirty="0"/>
-              <a:t> in </a:t>
-            </a:r>
-            <a:r>
-              <a:rPr lang="it-IT" dirty="0" err="1"/>
-              <a:t>teh</a:t>
-            </a:r>
-            <a:r>
-              <a:rPr lang="it-IT" dirty="0"/>
-              <a:t> range like 0,75 – 0.8 for minimum </a:t>
-            </a:r>
-            <a:r>
-              <a:rPr lang="it-IT" dirty="0" err="1"/>
-              <a:t>relevance</a:t>
-            </a:r>
-            <a:r>
-              <a:rPr lang="it-IT" dirty="0"/>
-              <a:t> </a:t>
-            </a:r>
-            <a:r>
-              <a:rPr lang="it-IT" dirty="0" err="1"/>
-              <a:t>thresold</a:t>
-            </a:r>
-            <a:endParaRPr lang="en-US" dirty="0"/>
-          </a:p>
-        </p:txBody>
-      </p:sp>
-    </p:spTree>
-    <p:extLst>
-      <p:ext uri="{BB962C8B-B14F-4D97-AF65-F5344CB8AC3E}">
-        <p14:creationId xmlns:p14="http://schemas.microsoft.com/office/powerpoint/2010/main" val="429932530"/>
-      </p:ext>
-    </p:extLst>
-  </p:cSld>
-  <p:clrMapOvr>
-    <a:masterClrMapping/>
-  </p:clrMapOvr>
-</p:sld>
-</file>
-
 <file path=ppt/slides/slide17.xml><?xml version="1.0" encoding="utf-8"?>
 <p:sld xmlns:a="http://schemas.openxmlformats.org/drawingml/2006/main" xmlns:r="http://schemas.openxmlformats.org/officeDocument/2006/relationships" xmlns:p="http://schemas.openxmlformats.org/presentationml/2006/main">
   <p:cSld>
@@ -7027,22 +7438,159 @@
           <a:lstStyle/>
           <a:p>
             <a:r>
-              <a:rPr lang="en-US">
+              <a:rPr lang="en-US" dirty="0">
                 <a:hlinkClick r:id="rId2"/>
               </a:rPr>
-              <a:t>https://dev.azure.com/msc-sandbox/Turin-Playground/_git/myMsc-Chatgpt</a:t>
-            </a:r>
-            <a:endParaRPr lang="en-US"/>
-          </a:p>
-          <a:p>
-            <a:endParaRPr lang="en-US"/>
+              <a:t>https://github.com/sabbadino/csharp-meets-chatgpt</a:t>
+            </a:r>
+            <a:endParaRPr lang="en-US" dirty="0"/>
+          </a:p>
+          <a:p>
+            <a:r>
+              <a:rPr lang="en-US" dirty="0"/>
+              <a:t>Based on information gathered on the web about </a:t>
+            </a:r>
+            <a:r>
+              <a:rPr lang="en-US" dirty="0" err="1"/>
+              <a:t>msBuild</a:t>
+            </a:r>
+            <a:r>
+              <a:rPr lang="en-US" dirty="0"/>
+              <a:t> 2023</a:t>
+            </a:r>
+          </a:p>
+          <a:p>
+            <a:r>
+              <a:rPr lang="en-US" dirty="0"/>
+              <a:t>Knowledge of chatgpt-3.5-turbo ends in </a:t>
+            </a:r>
+            <a:r>
+              <a:rPr lang="en-US" i="1" dirty="0"/>
+              <a:t>September 2021</a:t>
+            </a:r>
           </a:p>
         </p:txBody>
       </p:sp>
     </p:spTree>
     <p:extLst>
       <p:ext uri="{BB962C8B-B14F-4D97-AF65-F5344CB8AC3E}">
-        <p14:creationId xmlns:p14="http://schemas.microsoft.com/office/powerpoint/2010/main" val="1402044560"/>
+        <p14:creationId xmlns:p14="http://schemas.microsoft.com/office/powerpoint/2010/main" val="945138354"/>
+      </p:ext>
+    </p:extLst>
+  </p:cSld>
+  <p:clrMapOvr>
+    <a:masterClrMapping/>
+  </p:clrMapOvr>
+</p:sld>
+</file>
+
+<file path=ppt/slides/slide18.xml><?xml version="1.0" encoding="utf-8"?>
+<p:sld xmlns:a="http://schemas.openxmlformats.org/drawingml/2006/main" xmlns:r="http://schemas.openxmlformats.org/officeDocument/2006/relationships" xmlns:p="http://schemas.openxmlformats.org/presentationml/2006/main">
+  <p:cSld>
+    <p:spTree>
+      <p:nvGrpSpPr>
+        <p:cNvPr id="1" name=""/>
+        <p:cNvGrpSpPr/>
+        <p:nvPr/>
+      </p:nvGrpSpPr>
+      <p:grpSpPr>
+        <a:xfrm>
+          <a:off x="0" y="0"/>
+          <a:ext cx="0" cy="0"/>
+          <a:chOff x="0" y="0"/>
+          <a:chExt cx="0" cy="0"/>
+        </a:xfrm>
+      </p:grpSpPr>
+      <p:sp>
+        <p:nvSpPr>
+          <p:cNvPr id="2" name="Title 1">
+            <a:extLst>
+              <a:ext uri="{FF2B5EF4-FFF2-40B4-BE49-F238E27FC236}">
+                <a16:creationId xmlns:a16="http://schemas.microsoft.com/office/drawing/2014/main" id="{5BAF32DF-B3D5-AEEF-A7FB-8BFE819C0EDE}"/>
+              </a:ext>
+            </a:extLst>
+          </p:cNvPr>
+          <p:cNvSpPr>
+            <a:spLocks noGrp="1"/>
+          </p:cNvSpPr>
+          <p:nvPr>
+            <p:ph type="title"/>
+          </p:nvPr>
+        </p:nvSpPr>
+        <p:spPr/>
+        <p:txBody>
+          <a:bodyPr/>
+          <a:lstStyle/>
+          <a:p>
+            <a:endParaRPr lang="en-US"/>
+          </a:p>
+        </p:txBody>
+      </p:sp>
+      <p:sp>
+        <p:nvSpPr>
+          <p:cNvPr id="3" name="Content Placeholder 2">
+            <a:extLst>
+              <a:ext uri="{FF2B5EF4-FFF2-40B4-BE49-F238E27FC236}">
+                <a16:creationId xmlns:a16="http://schemas.microsoft.com/office/drawing/2014/main" id="{4AE6ECED-24D4-85FA-E11F-57F8BF56212E}"/>
+              </a:ext>
+            </a:extLst>
+          </p:cNvPr>
+          <p:cNvSpPr>
+            <a:spLocks noGrp="1"/>
+          </p:cNvSpPr>
+          <p:nvPr>
+            <p:ph idx="1"/>
+          </p:nvPr>
+        </p:nvSpPr>
+        <p:spPr/>
+        <p:txBody>
+          <a:bodyPr/>
+          <a:lstStyle/>
+          <a:p>
+            <a:endParaRPr lang="en-US"/>
+          </a:p>
+        </p:txBody>
+      </p:sp>
+      <p:pic>
+        <p:nvPicPr>
+          <p:cNvPr id="4" name="Picture 3" descr="A screenshot of a computer&#10;&#10;Description automatically generated with medium confidence">
+            <a:extLst>
+              <a:ext uri="{FF2B5EF4-FFF2-40B4-BE49-F238E27FC236}">
+                <a16:creationId xmlns:a16="http://schemas.microsoft.com/office/drawing/2014/main" id="{847EF840-25FB-BEB7-A230-194B06F98F94}"/>
+              </a:ext>
+            </a:extLst>
+          </p:cNvPr>
+          <p:cNvPicPr>
+            <a:picLocks noChangeAspect="1"/>
+          </p:cNvPicPr>
+          <p:nvPr/>
+        </p:nvPicPr>
+        <p:blipFill>
+          <a:blip r:embed="rId2">
+            <a:extLst>
+              <a:ext uri="{28A0092B-C50C-407E-A947-70E740481C1C}">
+                <a14:useLocalDpi xmlns:a14="http://schemas.microsoft.com/office/drawing/2010/main" val="0"/>
+              </a:ext>
+            </a:extLst>
+          </a:blip>
+          <a:stretch>
+            <a:fillRect/>
+          </a:stretch>
+        </p:blipFill>
+        <p:spPr>
+          <a:xfrm>
+            <a:off x="0" y="343571"/>
+            <a:ext cx="12192000" cy="6170857"/>
+          </a:xfrm>
+          <a:prstGeom prst="rect">
+            <a:avLst/>
+          </a:prstGeom>
+        </p:spPr>
+      </p:pic>
+    </p:spTree>
+    <p:extLst>
+      <p:ext uri="{BB962C8B-B14F-4D97-AF65-F5344CB8AC3E}">
+        <p14:creationId xmlns:p14="http://schemas.microsoft.com/office/powerpoint/2010/main" val="1184907896"/>
       </p:ext>
     </p:extLst>
   </p:cSld>
@@ -7118,189 +7666,121 @@
             <p:ph idx="1"/>
           </p:nvPr>
         </p:nvSpPr>
-        <p:spPr/>
+        <p:spPr>
+          <a:xfrm>
+            <a:off x="838200" y="1476375"/>
+            <a:ext cx="10515600" cy="4700588"/>
+          </a:xfrm>
+        </p:spPr>
         <p:txBody>
           <a:bodyPr>
-            <a:normAutofit fontScale="92500" lnSpcReduction="10000"/>
+            <a:normAutofit lnSpcReduction="10000"/>
           </a:bodyPr>
           <a:lstStyle/>
           <a:p>
             <a:r>
-              <a:rPr lang="it-IT" dirty="0"/>
-              <a:t>Models and </a:t>
-            </a:r>
-            <a:r>
-              <a:rPr lang="it-IT" dirty="0" err="1"/>
-              <a:t>trained</a:t>
-            </a:r>
-            <a:r>
-              <a:rPr lang="it-IT" dirty="0"/>
-              <a:t> models</a:t>
+              <a:rPr lang="en-US" dirty="0"/>
+              <a:t>Models and trained models</a:t>
             </a:r>
           </a:p>
           <a:p>
             <a:pPr lvl="1"/>
             <a:r>
-              <a:rPr lang="it-IT" dirty="0"/>
-              <a:t>A model </a:t>
-            </a:r>
-            <a:r>
-              <a:rPr lang="it-IT" dirty="0" err="1"/>
-              <a:t>is</a:t>
-            </a:r>
-            <a:r>
-              <a:rPr lang="it-IT" dirty="0"/>
-              <a:t> the "</a:t>
-            </a:r>
-            <a:r>
-              <a:rPr lang="it-IT" dirty="0" err="1"/>
-              <a:t>algorithm</a:t>
-            </a:r>
-            <a:r>
-              <a:rPr lang="it-IT" dirty="0"/>
-              <a:t>" (</a:t>
-            </a:r>
-            <a:r>
-              <a:rPr lang="it-IT" dirty="0" err="1"/>
-              <a:t>engine</a:t>
-            </a:r>
-            <a:r>
-              <a:rPr lang="it-IT" dirty="0"/>
-              <a:t>)</a:t>
+              <a:rPr lang="en-US" dirty="0"/>
+              <a:t>A model is the "algorithm" (engine)</a:t>
             </a:r>
             <a:br>
-              <a:rPr lang="it-IT" dirty="0"/>
+              <a:rPr lang="en-US" dirty="0"/>
             </a:br>
             <a:r>
-              <a:rPr lang="it-IT" dirty="0"/>
+              <a:rPr lang="en-US" dirty="0"/>
               <a:t>on open.ai api : </a:t>
             </a:r>
             <a:r>
               <a:rPr lang="en-US" i="1" dirty="0"/>
               <a:t>GET https://api.openai.com/v1/engines</a:t>
             </a:r>
-            <a:endParaRPr lang="it-IT" i="1" dirty="0"/>
           </a:p>
           <a:p>
             <a:pPr lvl="1"/>
             <a:r>
-              <a:rPr lang="it-IT" dirty="0"/>
-              <a:t>A </a:t>
-            </a:r>
-            <a:r>
-              <a:rPr lang="it-IT" dirty="0" err="1"/>
-              <a:t>trained</a:t>
-            </a:r>
-            <a:r>
-              <a:rPr lang="it-IT" dirty="0"/>
-              <a:t> model </a:t>
-            </a:r>
-            <a:r>
-              <a:rPr lang="it-IT" dirty="0" err="1"/>
-              <a:t>is</a:t>
-            </a:r>
-            <a:r>
-              <a:rPr lang="it-IT" dirty="0"/>
-              <a:t> an </a:t>
-            </a:r>
-            <a:r>
-              <a:rPr lang="it-IT" dirty="0" err="1"/>
-              <a:t>instance</a:t>
-            </a:r>
-            <a:r>
-              <a:rPr lang="it-IT" dirty="0"/>
-              <a:t> of the </a:t>
-            </a:r>
-            <a:r>
-              <a:rPr lang="it-IT" dirty="0" err="1"/>
-              <a:t>algorithm</a:t>
-            </a:r>
-            <a:r>
-              <a:rPr lang="it-IT" dirty="0"/>
-              <a:t> </a:t>
-            </a:r>
-            <a:r>
-              <a:rPr lang="it-IT" dirty="0" err="1"/>
-              <a:t>trained</a:t>
-            </a:r>
-            <a:r>
-              <a:rPr lang="it-IT" dirty="0"/>
-              <a:t> with data</a:t>
+              <a:rPr lang="en-US" dirty="0"/>
+              <a:t>A trained model is an instance of the algorithm trained with data</a:t>
             </a:r>
             <a:br>
-              <a:rPr lang="it-IT" dirty="0"/>
+              <a:rPr lang="en-US" dirty="0"/>
             </a:br>
             <a:r>
-              <a:rPr lang="it-IT" dirty="0"/>
-              <a:t>on open.ai api : </a:t>
-            </a:r>
-            <a:r>
-              <a:rPr lang="en-US" dirty="0"/>
-              <a:t>GET https://api.openai.com/v1/models</a:t>
-            </a:r>
-            <a:endParaRPr lang="it-IT" dirty="0"/>
-          </a:p>
-          <a:p>
-            <a:r>
-              <a:rPr lang="it-IT" dirty="0"/>
-              <a:t>…</a:t>
-            </a:r>
-          </a:p>
-          <a:p>
-            <a:r>
-              <a:rPr lang="it-IT" dirty="0"/>
-              <a:t>Da-vinci</a:t>
-            </a:r>
-          </a:p>
-          <a:p>
-            <a:r>
-              <a:rPr lang="it-IT" dirty="0" err="1"/>
+              <a:rPr lang="en-US" dirty="0"/>
+              <a:t>on open.ai api : GET https://api.openai.com/v1/models</a:t>
+            </a:r>
+          </a:p>
+          <a:p>
+            <a:r>
+              <a:rPr lang="en-US" dirty="0"/>
+              <a:t>Family of </a:t>
+            </a:r>
+            <a:r>
+              <a:rPr lang="en-US"/>
+              <a:t>Large language models (LLM)</a:t>
+            </a:r>
+            <a:endParaRPr lang="en-US" dirty="0"/>
+          </a:p>
+          <a:p>
+            <a:r>
+              <a:rPr lang="en-US" dirty="0"/>
+              <a:t>Da-</a:t>
+            </a:r>
+            <a:r>
+              <a:rPr lang="en-US" dirty="0" err="1"/>
+              <a:t>vinci</a:t>
+            </a:r>
+            <a:r>
+              <a:rPr lang="en-US" dirty="0"/>
+              <a:t> family </a:t>
+            </a:r>
+          </a:p>
+          <a:p>
+            <a:r>
+              <a:rPr lang="en-US" dirty="0" err="1"/>
               <a:t>ChatGpt</a:t>
             </a:r>
             <a:r>
-              <a:rPr lang="it-IT" dirty="0"/>
-              <a:t> 3.0: da vinci </a:t>
-            </a:r>
-            <a:r>
-              <a:rPr lang="it-IT" dirty="0" err="1"/>
-              <a:t>trained</a:t>
-            </a:r>
-            <a:r>
-              <a:rPr lang="it-IT" dirty="0"/>
-              <a:t> with a </a:t>
-            </a:r>
-            <a:r>
-              <a:rPr lang="it-IT" dirty="0" err="1"/>
-              <a:t>lot</a:t>
-            </a:r>
-            <a:r>
-              <a:rPr lang="it-IT" dirty="0"/>
-              <a:t> of data</a:t>
-            </a:r>
-          </a:p>
-          <a:p>
-            <a:r>
-              <a:rPr lang="it-IT" dirty="0" err="1"/>
+              <a:rPr lang="en-US" dirty="0"/>
+              <a:t> 3.0: da </a:t>
+            </a:r>
+            <a:r>
+              <a:rPr lang="en-US" dirty="0" err="1"/>
+              <a:t>vinci</a:t>
+            </a:r>
+            <a:r>
+              <a:rPr lang="en-US" dirty="0"/>
+              <a:t> trained with a lot of data</a:t>
+            </a:r>
+          </a:p>
+          <a:p>
+            <a:r>
+              <a:rPr lang="en-US" dirty="0" err="1"/>
               <a:t>ChatGpt</a:t>
             </a:r>
             <a:r>
-              <a:rPr lang="it-IT" dirty="0"/>
+              <a:rPr lang="en-US" dirty="0"/>
               <a:t> 3.5 turbo </a:t>
             </a:r>
           </a:p>
           <a:p>
             <a:r>
-              <a:rPr lang="it-IT" dirty="0"/>
+              <a:rPr lang="en-US" dirty="0"/>
               <a:t>Codex </a:t>
             </a:r>
           </a:p>
           <a:p>
             <a:r>
-              <a:rPr lang="it-IT" dirty="0" err="1"/>
+              <a:rPr lang="en-US" dirty="0" err="1"/>
               <a:t>ChatGpt</a:t>
             </a:r>
             <a:r>
-              <a:rPr lang="it-IT" dirty="0"/>
+              <a:rPr lang="en-US" dirty="0"/>
               <a:t> 4.0</a:t>
             </a:r>
           </a:p>
@@ -7387,258 +7867,93 @@
           <a:lstStyle/>
           <a:p>
             <a:r>
-              <a:rPr lang="it-IT" dirty="0"/>
+              <a:rPr lang="en-US" dirty="0"/>
               <a:t>Open.ai</a:t>
             </a:r>
           </a:p>
           <a:p>
             <a:pPr lvl="1"/>
             <a:r>
-              <a:rPr lang="it-IT" dirty="0" err="1"/>
+              <a:rPr lang="en-US" dirty="0" err="1"/>
               <a:t>Chatgpt</a:t>
             </a:r>
             <a:r>
-              <a:rPr lang="it-IT" dirty="0"/>
+              <a:rPr lang="en-US" dirty="0"/>
               <a:t> web </a:t>
             </a:r>
             <a:r>
-              <a:rPr lang="it-IT" dirty="0" err="1"/>
+              <a:rPr lang="en-US" dirty="0" err="1"/>
               <a:t>ui</a:t>
             </a:r>
             <a:r>
-              <a:rPr lang="it-IT" dirty="0"/>
-              <a:t> (free and plus </a:t>
-            </a:r>
-            <a:r>
-              <a:rPr lang="it-IT" dirty="0" err="1"/>
-              <a:t>version</a:t>
-            </a:r>
-            <a:r>
-              <a:rPr lang="it-IT" dirty="0"/>
-              <a:t>. Plus </a:t>
-            </a:r>
-            <a:r>
-              <a:rPr lang="it-IT" dirty="0" err="1"/>
-              <a:t>version</a:t>
-            </a:r>
-            <a:r>
-              <a:rPr lang="it-IT" dirty="0"/>
-              <a:t> </a:t>
-            </a:r>
-            <a:r>
-              <a:rPr lang="it-IT" dirty="0" err="1"/>
-              <a:t>allows</a:t>
-            </a:r>
-            <a:r>
-              <a:rPr lang="it-IT" dirty="0"/>
-              <a:t> to use plugins) </a:t>
+              <a:rPr lang="en-US" dirty="0"/>
+              <a:t> (free and plus version, the plus version allows to use plugins) </a:t>
             </a:r>
           </a:p>
           <a:p>
             <a:pPr lvl="1"/>
             <a:r>
-              <a:rPr lang="it-IT" dirty="0"/>
-              <a:t>Open.ai api (</a:t>
-            </a:r>
-            <a:r>
-              <a:rPr lang="it-IT" dirty="0" err="1"/>
-              <a:t>pay</a:t>
-            </a:r>
-            <a:r>
-              <a:rPr lang="it-IT" dirty="0"/>
-              <a:t> per </a:t>
-            </a:r>
-            <a:r>
-              <a:rPr lang="it-IT" dirty="0" err="1"/>
-              <a:t>usage</a:t>
-            </a:r>
-            <a:r>
-              <a:rPr lang="it-IT" dirty="0"/>
-              <a:t>)</a:t>
-            </a:r>
-          </a:p>
-          <a:p>
-            <a:r>
-              <a:rPr lang="it-IT" dirty="0"/>
+              <a:rPr lang="en-US" dirty="0"/>
+              <a:t>Open.ai api (pay per usage)</a:t>
+            </a:r>
+          </a:p>
+          <a:p>
+            <a:r>
+              <a:rPr lang="en-US" dirty="0"/>
               <a:t>Azure Open.ai</a:t>
             </a:r>
           </a:p>
           <a:p>
             <a:pPr lvl="1"/>
             <a:r>
-              <a:rPr lang="it-IT" dirty="0" err="1"/>
-              <a:t>Added</a:t>
-            </a:r>
-            <a:r>
-              <a:rPr lang="it-IT" dirty="0"/>
-              <a:t> </a:t>
-            </a:r>
-            <a:r>
-              <a:rPr lang="it-IT" dirty="0" err="1"/>
-              <a:t>as</a:t>
-            </a:r>
-            <a:r>
-              <a:rPr lang="it-IT" dirty="0"/>
-              <a:t> </a:t>
-            </a:r>
-            <a:r>
-              <a:rPr lang="it-IT" dirty="0" err="1"/>
-              <a:t>additional</a:t>
-            </a:r>
-            <a:r>
-              <a:rPr lang="it-IT" dirty="0"/>
-              <a:t> </a:t>
-            </a:r>
-            <a:r>
-              <a:rPr lang="it-IT" dirty="0" err="1"/>
-              <a:t>offer</a:t>
-            </a:r>
-            <a:r>
-              <a:rPr lang="it-IT" dirty="0"/>
-              <a:t> in the MS AI </a:t>
-            </a:r>
-            <a:r>
-              <a:rPr lang="it-IT" dirty="0" err="1"/>
-              <a:t>ecosystem</a:t>
-            </a:r>
-            <a:r>
-              <a:rPr lang="it-IT" dirty="0"/>
-              <a:t> </a:t>
+              <a:rPr lang="en-US" dirty="0"/>
+              <a:t>Added as additional offer in the MS AI ecosystem </a:t>
             </a:r>
           </a:p>
           <a:p>
             <a:pPr lvl="1"/>
             <a:r>
-              <a:rPr lang="it-IT" dirty="0" err="1"/>
-              <a:t>Requires</a:t>
-            </a:r>
-            <a:r>
-              <a:rPr lang="it-IT" dirty="0"/>
-              <a:t> </a:t>
-            </a:r>
-            <a:r>
-              <a:rPr lang="it-IT" dirty="0" err="1"/>
-              <a:t>submission</a:t>
-            </a:r>
-            <a:r>
-              <a:rPr lang="it-IT" dirty="0"/>
-              <a:t> and </a:t>
-            </a:r>
-            <a:r>
-              <a:rPr lang="it-IT" dirty="0" err="1"/>
-              <a:t>approval</a:t>
-            </a:r>
-            <a:r>
-              <a:rPr lang="it-IT" dirty="0"/>
-              <a:t> of a </a:t>
-            </a:r>
-            <a:r>
-              <a:rPr lang="it-IT" dirty="0" err="1"/>
-              <a:t>request</a:t>
-            </a:r>
-            <a:r>
-              <a:rPr lang="it-IT" dirty="0"/>
-              <a:t> </a:t>
-            </a:r>
-            <a:r>
-              <a:rPr lang="it-IT" dirty="0" err="1"/>
-              <a:t>form</a:t>
-            </a:r>
-            <a:endParaRPr lang="it-IT" dirty="0"/>
+              <a:rPr lang="en-US" dirty="0"/>
+              <a:t>Requires submission and approval of a request form</a:t>
+            </a:r>
           </a:p>
           <a:p>
             <a:pPr lvl="1"/>
             <a:r>
-              <a:rPr lang="it-IT" dirty="0"/>
-              <a:t>A </a:t>
-            </a:r>
-            <a:r>
-              <a:rPr lang="it-IT" dirty="0" err="1"/>
-              <a:t>lot</a:t>
-            </a:r>
-            <a:r>
-              <a:rPr lang="it-IT" dirty="0"/>
-              <a:t> of </a:t>
-            </a:r>
-            <a:r>
-              <a:rPr lang="it-IT" dirty="0" err="1"/>
-              <a:t>annoucements</a:t>
-            </a:r>
-            <a:r>
-              <a:rPr lang="it-IT" dirty="0"/>
-              <a:t> on Azure open.ai </a:t>
-            </a:r>
-            <a:r>
-              <a:rPr lang="it-IT" dirty="0" err="1"/>
-              <a:t>at</a:t>
-            </a:r>
-            <a:r>
-              <a:rPr lang="it-IT" dirty="0"/>
-              <a:t> </a:t>
-            </a:r>
-            <a:r>
-              <a:rPr lang="it-IT" dirty="0" err="1"/>
+              <a:rPr lang="en-US" dirty="0"/>
+              <a:t>A lot of announcements on Azure open.ai at </a:t>
+            </a:r>
+            <a:r>
+              <a:rPr lang="en-US" dirty="0" err="1"/>
               <a:t>MSBuild</a:t>
             </a:r>
             <a:r>
-              <a:rPr lang="it-IT" dirty="0"/>
+              <a:rPr lang="en-US" dirty="0"/>
               <a:t> 2023</a:t>
             </a:r>
           </a:p>
           <a:p>
             <a:pPr lvl="2"/>
             <a:r>
-              <a:rPr lang="it-IT" dirty="0"/>
+              <a:rPr lang="en-US" dirty="0"/>
               <a:t>Prompt flow</a:t>
             </a:r>
           </a:p>
           <a:p>
             <a:pPr lvl="2"/>
             <a:r>
-              <a:rPr lang="it-IT" dirty="0"/>
+              <a:rPr lang="en-US" dirty="0"/>
               <a:t>Plugins</a:t>
             </a:r>
           </a:p>
           <a:p>
             <a:pPr lvl="1"/>
             <a:r>
-              <a:rPr lang="it-IT" dirty="0"/>
-              <a:t>MS </a:t>
-            </a:r>
-            <a:r>
-              <a:rPr lang="it-IT" dirty="0" err="1"/>
-              <a:t>is</a:t>
-            </a:r>
-            <a:r>
-              <a:rPr lang="it-IT" dirty="0"/>
-              <a:t> betting </a:t>
-            </a:r>
-            <a:r>
-              <a:rPr lang="it-IT" dirty="0" err="1"/>
-              <a:t>his</a:t>
-            </a:r>
-            <a:r>
-              <a:rPr lang="it-IT" dirty="0"/>
-              <a:t> </a:t>
-            </a:r>
-            <a:r>
-              <a:rPr lang="it-IT" dirty="0" err="1"/>
-              <a:t>ass</a:t>
-            </a:r>
-            <a:r>
-              <a:rPr lang="it-IT" dirty="0"/>
-              <a:t> on </a:t>
-            </a:r>
-            <a:r>
-              <a:rPr lang="it-IT" dirty="0" err="1"/>
-              <a:t>this</a:t>
-            </a:r>
-            <a:r>
-              <a:rPr lang="it-IT" dirty="0"/>
-              <a:t> </a:t>
-            </a:r>
-            <a:r>
-              <a:rPr lang="it-IT" dirty="0">
+              <a:rPr lang="en-US" dirty="0"/>
+              <a:t>MS is betting his ass on this </a:t>
+            </a:r>
+            <a:r>
+              <a:rPr lang="en-US" dirty="0">
                 <a:sym typeface="Wingdings" panose="05000000000000000000" pitchFamily="2" charset="2"/>
               </a:rPr>
               <a:t></a:t>
@@ -7751,72 +8066,52 @@
           <a:lstStyle/>
           <a:p>
             <a:r>
-              <a:rPr lang="it-IT" dirty="0"/>
-              <a:t>"Human" </a:t>
-            </a:r>
-            <a:r>
-              <a:rPr lang="it-IT" dirty="0" err="1"/>
-              <a:t>interface</a:t>
-            </a:r>
-            <a:r>
-              <a:rPr lang="it-IT" dirty="0"/>
-              <a:t> : </a:t>
-            </a:r>
-            <a:r>
-              <a:rPr lang="it-IT" dirty="0">
+              <a:rPr lang="en-US" dirty="0"/>
+              <a:t>"Human" interface : </a:t>
+            </a:r>
+            <a:r>
+              <a:rPr lang="en-US" dirty="0">
                 <a:hlinkClick r:id="rId2"/>
               </a:rPr>
               <a:t>https://chat.openai.com/</a:t>
             </a:r>
-            <a:endParaRPr lang="it-IT" dirty="0"/>
-          </a:p>
-          <a:p>
-            <a:r>
-              <a:rPr lang="it-IT" dirty="0" err="1"/>
-              <a:t>Rest</a:t>
-            </a:r>
-            <a:r>
-              <a:rPr lang="it-IT" dirty="0"/>
-              <a:t> Api</a:t>
+            <a:endParaRPr lang="en-US" dirty="0"/>
+          </a:p>
+          <a:p>
+            <a:r>
+              <a:rPr lang="en-US" dirty="0"/>
+              <a:t>Rest Api</a:t>
             </a:r>
           </a:p>
           <a:p>
             <a:pPr lvl="1"/>
             <a:r>
-              <a:rPr lang="it-IT" dirty="0"/>
+              <a:rPr lang="en-US" dirty="0"/>
               <a:t>https://platform.openai.com/docs/api-reference/introduction</a:t>
             </a:r>
           </a:p>
           <a:p>
             <a:pPr lvl="1"/>
             <a:r>
-              <a:rPr lang="it-IT" dirty="0"/>
+              <a:rPr lang="en-US" dirty="0"/>
               <a:t>Chat </a:t>
             </a:r>
             <a:r>
-              <a:rPr lang="it-IT" dirty="0" err="1"/>
+              <a:rPr lang="en-US" dirty="0" err="1"/>
               <a:t>complition</a:t>
             </a:r>
             <a:r>
-              <a:rPr lang="it-IT" dirty="0"/>
-              <a:t> endpoint -&gt; "</a:t>
-            </a:r>
-            <a:r>
-              <a:rPr lang="it-IT" dirty="0" err="1"/>
-              <a:t>equivalent</a:t>
-            </a:r>
-            <a:r>
-              <a:rPr lang="it-IT" dirty="0"/>
-              <a:t>" to : </a:t>
-            </a:r>
-            <a:r>
-              <a:rPr lang="it-IT" dirty="0">
+              <a:rPr lang="en-US" dirty="0"/>
+              <a:t> endpoint -&gt; "equivalent" to : </a:t>
+            </a:r>
+            <a:r>
+              <a:rPr lang="en-US" dirty="0">
                 <a:hlinkClick r:id="rId2"/>
               </a:rPr>
               <a:t>https://chat.openai.com/</a:t>
             </a:r>
             <a:br>
-              <a:rPr lang="it-IT" dirty="0"/>
+              <a:rPr lang="en-US" dirty="0"/>
             </a:br>
             <a:r>
               <a:rPr lang="en-US" i="1" dirty="0"/>
@@ -7826,93 +8121,46 @@
               <a:rPr lang="en-US" b="1" i="1" dirty="0"/>
               <a:t>chat/completions</a:t>
             </a:r>
-            <a:endParaRPr lang="it-IT" b="1" i="1" dirty="0"/>
           </a:p>
           <a:p>
             <a:pPr lvl="1"/>
             <a:r>
-              <a:rPr lang="it-IT" dirty="0" err="1"/>
-              <a:t>embedding</a:t>
-            </a:r>
-            <a:r>
-              <a:rPr lang="it-IT" dirty="0"/>
-              <a:t> endpoint (more on </a:t>
-            </a:r>
-            <a:r>
-              <a:rPr lang="it-IT" dirty="0" err="1"/>
-              <a:t>it</a:t>
-            </a:r>
-            <a:r>
-              <a:rPr lang="it-IT" dirty="0"/>
-              <a:t> </a:t>
-            </a:r>
-            <a:r>
-              <a:rPr lang="it-IT" dirty="0" err="1"/>
-              <a:t>later</a:t>
-            </a:r>
-            <a:r>
-              <a:rPr lang="it-IT" dirty="0"/>
-              <a:t>)</a:t>
+              <a:rPr lang="en-US" dirty="0"/>
+              <a:t>embedding endpoint (more on it later)</a:t>
             </a:r>
             <a:br>
-              <a:rPr lang="it-IT" dirty="0"/>
+              <a:rPr lang="en-US" dirty="0"/>
             </a:br>
             <a:r>
               <a:rPr lang="en-US" i="1" dirty="0"/>
               <a:t>POST https://api.openai.com/v1/embeddings</a:t>
             </a:r>
-            <a:endParaRPr lang="it-IT" i="1" dirty="0"/>
           </a:p>
           <a:p>
             <a:pPr lvl="1"/>
             <a:r>
-              <a:rPr lang="it-IT" dirty="0"/>
-              <a:t>Others i </a:t>
-            </a:r>
-            <a:r>
-              <a:rPr lang="it-IT" dirty="0" err="1"/>
-              <a:t>don't</a:t>
-            </a:r>
-            <a:r>
-              <a:rPr lang="it-IT" dirty="0"/>
-              <a:t> </a:t>
-            </a:r>
-            <a:r>
-              <a:rPr lang="it-IT" dirty="0" err="1"/>
-              <a:t>have</a:t>
-            </a:r>
-            <a:r>
-              <a:rPr lang="it-IT" dirty="0"/>
-              <a:t> </a:t>
-            </a:r>
-            <a:r>
-              <a:rPr lang="it-IT" dirty="0" err="1"/>
-              <a:t>played</a:t>
-            </a:r>
-            <a:r>
-              <a:rPr lang="it-IT" dirty="0"/>
-              <a:t> with </a:t>
-            </a:r>
-            <a:r>
-              <a:rPr lang="it-IT" dirty="0" err="1"/>
-              <a:t>yet</a:t>
-            </a:r>
-            <a:endParaRPr lang="it-IT" dirty="0"/>
+              <a:rPr lang="en-US" dirty="0"/>
+              <a:t>Others </a:t>
+            </a:r>
+            <a:r>
+              <a:rPr lang="en-US" dirty="0" err="1"/>
+              <a:t>i</a:t>
+            </a:r>
+            <a:r>
+              <a:rPr lang="en-US" dirty="0"/>
+              <a:t> don't have played with yet</a:t>
+            </a:r>
           </a:p>
           <a:p>
             <a:pPr lvl="2"/>
             <a:r>
-              <a:rPr lang="it-IT" dirty="0" err="1"/>
-              <a:t>edits</a:t>
-            </a:r>
-            <a:r>
-              <a:rPr lang="it-IT" dirty="0"/>
-              <a:t>, images (from text), audio (text from audio),</a:t>
+              <a:rPr lang="en-US" dirty="0"/>
+              <a:t>edits, images (from text), audio (text from audio),</a:t>
             </a:r>
           </a:p>
           <a:p>
             <a:pPr lvl="1"/>
-            <a:endParaRPr lang="it-IT" dirty="0"/>
+            <a:endParaRPr lang="en-US" dirty="0"/>
           </a:p>
           <a:p>
             <a:endParaRPr lang="en-US" dirty="0"/>
@@ -7971,22 +8219,17 @@
           <a:lstStyle/>
           <a:p>
             <a:r>
-              <a:rPr lang="it-IT" dirty="0"/>
+              <a:rPr lang="en-US" dirty="0"/>
               <a:t>Chat </a:t>
             </a:r>
             <a:r>
-              <a:rPr lang="it-IT" dirty="0" err="1"/>
+              <a:rPr lang="en-US" dirty="0" err="1"/>
               <a:t>complition</a:t>
             </a:r>
             <a:r>
-              <a:rPr lang="it-IT" dirty="0"/>
-              <a:t> endpoint: </a:t>
-            </a:r>
-            <a:r>
-              <a:rPr lang="it-IT" dirty="0" err="1"/>
-              <a:t>request</a:t>
-            </a:r>
-            <a:endParaRPr lang="en-US" dirty="0"/>
+              <a:rPr lang="en-US" dirty="0"/>
+              <a:t> endpoint: request</a:t>
+            </a:r>
           </a:p>
         </p:txBody>
       </p:sp>
@@ -8162,22 +8405,17 @@
           <a:lstStyle/>
           <a:p>
             <a:r>
-              <a:rPr lang="it-IT" dirty="0"/>
+              <a:rPr lang="en-US" dirty="0"/>
               <a:t>Chat </a:t>
             </a:r>
             <a:r>
-              <a:rPr lang="it-IT" dirty="0" err="1"/>
+              <a:rPr lang="en-US" dirty="0" err="1"/>
               <a:t>complition</a:t>
             </a:r>
             <a:r>
-              <a:rPr lang="it-IT" dirty="0"/>
-              <a:t> endpoint: </a:t>
-            </a:r>
-            <a:r>
-              <a:rPr lang="it-IT" dirty="0" err="1"/>
-              <a:t>response</a:t>
-            </a:r>
-            <a:endParaRPr lang="en-US" dirty="0"/>
+              <a:rPr lang="en-US" dirty="0"/>
+              <a:t> endpoint: response</a:t>
+            </a:r>
           </a:p>
         </p:txBody>
       </p:sp>
@@ -8557,92 +8795,30 @@
           <a:lstStyle/>
           <a:p>
             <a:r>
-              <a:rPr lang="it-IT" dirty="0" err="1"/>
-              <a:t>It</a:t>
-            </a:r>
-            <a:r>
-              <a:rPr lang="it-IT" dirty="0"/>
-              <a:t> costs </a:t>
-            </a:r>
-            <a:r>
-              <a:rPr lang="it-IT" b="1" i="1" dirty="0">
+              <a:rPr lang="en-US" dirty="0"/>
+              <a:t>It costs </a:t>
+            </a:r>
+            <a:r>
+              <a:rPr lang="en-US" b="1" i="1" dirty="0">
                 <a:solidFill>
                   <a:srgbClr val="FF0000"/>
                 </a:solidFill>
               </a:rPr>
-              <a:t>a </a:t>
-            </a:r>
-            <a:r>
-              <a:rPr lang="it-IT" b="1" i="1" dirty="0" err="1">
-                <a:solidFill>
-                  <a:srgbClr val="FF0000"/>
-                </a:solidFill>
-              </a:rPr>
-              <a:t>lot</a:t>
-            </a:r>
-            <a:endParaRPr lang="it-IT" b="1" i="1" dirty="0">
-              <a:solidFill>
-                <a:srgbClr val="FF0000"/>
-              </a:solidFill>
-            </a:endParaRPr>
+              <a:t>a lot</a:t>
+            </a:r>
           </a:p>
           <a:p>
             <a:pPr lvl="1"/>
             <a:r>
-              <a:rPr lang="it-IT" dirty="0"/>
-              <a:t>Training </a:t>
-            </a:r>
-            <a:r>
-              <a:rPr lang="it-IT" dirty="0" err="1"/>
-              <a:t>it</a:t>
-            </a:r>
-            <a:endParaRPr lang="it-IT" dirty="0"/>
+              <a:rPr lang="en-US" dirty="0"/>
+              <a:t>Training it</a:t>
+            </a:r>
           </a:p>
           <a:p>
             <a:pPr lvl="1"/>
             <a:r>
-              <a:rPr lang="it-IT" dirty="0"/>
-              <a:t>Running </a:t>
-            </a:r>
-            <a:r>
-              <a:rPr lang="it-IT" dirty="0" err="1"/>
-              <a:t>it</a:t>
-            </a:r>
-            <a:r>
-              <a:rPr lang="it-IT" dirty="0"/>
-              <a:t> (or </a:t>
-            </a:r>
-            <a:r>
-              <a:rPr lang="it-IT" dirty="0" err="1"/>
-              <a:t>having</a:t>
-            </a:r>
-            <a:r>
-              <a:rPr lang="it-IT" dirty="0"/>
-              <a:t> </a:t>
-            </a:r>
-            <a:r>
-              <a:rPr lang="it-IT" dirty="0" err="1"/>
-              <a:t>it</a:t>
-            </a:r>
-            <a:r>
-              <a:rPr lang="it-IT" dirty="0"/>
-              <a:t> </a:t>
-            </a:r>
-            <a:r>
-              <a:rPr lang="it-IT" dirty="0" err="1"/>
-              <a:t>hosted</a:t>
-            </a:r>
-            <a:r>
-              <a:rPr lang="it-IT" dirty="0"/>
-              <a:t> in the </a:t>
-            </a:r>
-            <a:r>
-              <a:rPr lang="it-IT" dirty="0" err="1"/>
-              <a:t>azure</a:t>
-            </a:r>
-            <a:r>
-              <a:rPr lang="it-IT" dirty="0"/>
-              <a:t> cloud)</a:t>
+              <a:rPr lang="en-US" dirty="0"/>
+              <a:t>Running it (or having it hosted in the azure cloud)</a:t>
             </a:r>
           </a:p>
           <a:p>
@@ -8677,21 +8853,17 @@
             </a:r>
             <a:r>
               <a:rPr lang="en-US" i="1" dirty="0"/>
-              <a:t> </a:t>
-            </a:r>
-            <a:r>
-              <a:rPr lang="it-IT" i="1" dirty="0"/>
-              <a:t>Fine Tuning</a:t>
-            </a:r>
-            <a:r>
-              <a:rPr lang="it-IT" dirty="0"/>
+              <a:t> Fine Tuning</a:t>
+            </a:r>
+            <a:r>
+              <a:rPr lang="en-US" dirty="0"/>
               <a:t>" or </a:t>
             </a:r>
             <a:br>
-              <a:rPr lang="it-IT" dirty="0"/>
+              <a:rPr lang="en-US" dirty="0"/>
             </a:br>
             <a:r>
-              <a:rPr lang="it-IT" dirty="0"/>
+              <a:rPr lang="en-US" dirty="0"/>
               <a:t>"</a:t>
             </a:r>
             <a:r>
@@ -8700,15 +8872,7 @@
             </a:r>
             <a:r>
               <a:rPr lang="en-US" i="1" dirty="0"/>
-              <a:t> </a:t>
-            </a:r>
-            <a:r>
-              <a:rPr lang="it-IT" i="1" dirty="0"/>
-              <a:t>Custom </a:t>
-            </a:r>
-            <a:r>
-              <a:rPr lang="en-US" i="1" dirty="0"/>
-              <a:t> training</a:t>
+              <a:t> Custom  training</a:t>
             </a:r>
             <a:r>
               <a:rPr lang="en-US" dirty="0"/>
@@ -9022,30 +9186,9 @@
           <a:lstStyle/>
           <a:p>
             <a:r>
-              <a:rPr lang="it-IT" dirty="0" err="1"/>
-              <a:t>What</a:t>
-            </a:r>
-            <a:r>
-              <a:rPr lang="it-IT" dirty="0"/>
-              <a:t> the </a:t>
-            </a:r>
-            <a:r>
-              <a:rPr lang="it-IT" dirty="0" err="1"/>
-              <a:t>hell</a:t>
-            </a:r>
-            <a:r>
-              <a:rPr lang="it-IT" dirty="0"/>
-              <a:t> are </a:t>
-            </a:r>
-            <a:r>
-              <a:rPr lang="it-IT" dirty="0" err="1"/>
-              <a:t>embeddings</a:t>
-            </a:r>
-            <a:r>
-              <a:rPr lang="it-IT" dirty="0"/>
-              <a:t> ?</a:t>
-            </a:r>
-            <a:endParaRPr lang="en-US" dirty="0"/>
+              <a:rPr lang="en-US" dirty="0"/>
+              <a:t>What the hell are embeddings ?</a:t>
+            </a:r>
           </a:p>
         </p:txBody>
       </p:sp>
@@ -9071,345 +9214,54 @@
           <a:lstStyle/>
           <a:p>
             <a:r>
-              <a:rPr lang="it-IT" dirty="0"/>
-              <a:t>An </a:t>
-            </a:r>
-            <a:r>
-              <a:rPr lang="it-IT" dirty="0" err="1"/>
-              <a:t>embedding</a:t>
-            </a:r>
-            <a:r>
-              <a:rPr lang="it-IT" dirty="0"/>
-              <a:t> model </a:t>
-            </a:r>
-            <a:r>
-              <a:rPr lang="it-IT" dirty="0" err="1"/>
-              <a:t>converts</a:t>
-            </a:r>
-            <a:r>
-              <a:rPr lang="it-IT" dirty="0"/>
-              <a:t> a </a:t>
-            </a:r>
-            <a:r>
-              <a:rPr lang="it-IT" dirty="0" err="1"/>
-              <a:t>block</a:t>
-            </a:r>
-            <a:r>
-              <a:rPr lang="it-IT" dirty="0"/>
-              <a:t> of text </a:t>
-            </a:r>
-            <a:r>
-              <a:rPr lang="it-IT" dirty="0" err="1"/>
-              <a:t>into</a:t>
-            </a:r>
-            <a:r>
-              <a:rPr lang="it-IT" dirty="0"/>
-              <a:t> a </a:t>
-            </a:r>
-            <a:r>
-              <a:rPr lang="it-IT" dirty="0" err="1"/>
-              <a:t>vector</a:t>
-            </a:r>
-            <a:r>
-              <a:rPr lang="it-IT" dirty="0"/>
-              <a:t> (array) of </a:t>
-            </a:r>
-            <a:r>
-              <a:rPr lang="it-IT" dirty="0" err="1"/>
-              <a:t>floats</a:t>
-            </a:r>
-            <a:r>
-              <a:rPr lang="it-IT" dirty="0"/>
-              <a:t> </a:t>
-            </a:r>
-            <a:r>
-              <a:rPr lang="it-IT" dirty="0" err="1"/>
-              <a:t>that</a:t>
-            </a:r>
-            <a:r>
-              <a:rPr lang="it-IT" dirty="0"/>
-              <a:t> "</a:t>
-            </a:r>
-            <a:r>
-              <a:rPr lang="it-IT" dirty="0" err="1"/>
-              <a:t>captures</a:t>
-            </a:r>
-            <a:r>
-              <a:rPr lang="it-IT" dirty="0"/>
-              <a:t>" the </a:t>
-            </a:r>
-            <a:r>
-              <a:rPr lang="it-IT" dirty="0" err="1"/>
-              <a:t>context</a:t>
-            </a:r>
-            <a:r>
-              <a:rPr lang="it-IT" dirty="0"/>
-              <a:t>/</a:t>
-            </a:r>
-            <a:r>
-              <a:rPr lang="it-IT" dirty="0" err="1"/>
-              <a:t>meaning</a:t>
-            </a:r>
-            <a:r>
-              <a:rPr lang="it-IT" dirty="0"/>
-              <a:t> of the </a:t>
-            </a:r>
-            <a:r>
-              <a:rPr lang="it-IT" dirty="0" err="1"/>
-              <a:t>provided</a:t>
-            </a:r>
-            <a:r>
-              <a:rPr lang="it-IT" dirty="0"/>
-              <a:t> text</a:t>
+              <a:rPr lang="en-US" dirty="0"/>
+              <a:t>An embedding model converts a block of text into a vector (array) of floats that "captures" the context/meaning of the provided text</a:t>
             </a:r>
           </a:p>
           <a:p>
             <a:pPr lvl="1"/>
             <a:r>
-              <a:rPr lang="it-IT" i="1" dirty="0"/>
+              <a:rPr lang="en-US" i="1" dirty="0"/>
               <a:t>text-embedding-ada-002</a:t>
             </a:r>
             <a:r>
-              <a:rPr lang="it-IT" dirty="0"/>
-              <a:t> </a:t>
-            </a:r>
-            <a:r>
-              <a:rPr lang="it-IT" dirty="0" err="1"/>
-              <a:t>is</a:t>
-            </a:r>
-            <a:r>
-              <a:rPr lang="it-IT" dirty="0"/>
-              <a:t> </a:t>
-            </a:r>
-            <a:r>
-              <a:rPr lang="it-IT" dirty="0" err="1"/>
-              <a:t>currently</a:t>
-            </a:r>
-            <a:r>
-              <a:rPr lang="it-IT" dirty="0"/>
-              <a:t> </a:t>
-            </a:r>
-            <a:r>
-              <a:rPr lang="it-IT" dirty="0" err="1"/>
-              <a:t>reccomended</a:t>
-            </a:r>
-            <a:r>
-              <a:rPr lang="it-IT" dirty="0"/>
-              <a:t> one</a:t>
+              <a:rPr lang="en-US" dirty="0"/>
+              <a:t> is currently recommended one</a:t>
             </a:r>
           </a:p>
           <a:p>
             <a:pPr lvl="1"/>
             <a:r>
-              <a:rPr lang="it-IT" dirty="0" err="1"/>
-              <a:t>vector</a:t>
-            </a:r>
-            <a:r>
-              <a:rPr lang="it-IT" dirty="0"/>
-              <a:t> </a:t>
-            </a:r>
-            <a:r>
-              <a:rPr lang="it-IT" dirty="0" err="1"/>
-              <a:t>has</a:t>
-            </a:r>
-            <a:r>
-              <a:rPr lang="it-IT" dirty="0"/>
-              <a:t> 1536 </a:t>
-            </a:r>
-            <a:r>
-              <a:rPr lang="it-IT" dirty="0" err="1"/>
-              <a:t>elements</a:t>
-            </a:r>
-            <a:r>
-              <a:rPr lang="it-IT" dirty="0"/>
-              <a:t> </a:t>
-            </a:r>
-          </a:p>
-          <a:p>
-            <a:r>
-              <a:rPr lang="it-IT" dirty="0"/>
-              <a:t>To </a:t>
-            </a:r>
-            <a:r>
-              <a:rPr lang="it-IT" dirty="0" err="1"/>
-              <a:t>find</a:t>
-            </a:r>
-            <a:r>
-              <a:rPr lang="it-IT" dirty="0"/>
-              <a:t> </a:t>
-            </a:r>
-            <a:r>
-              <a:rPr lang="it-IT" dirty="0" err="1"/>
-              <a:t>similarity</a:t>
-            </a:r>
-            <a:r>
-              <a:rPr lang="it-IT" dirty="0"/>
-              <a:t> </a:t>
-            </a:r>
-            <a:r>
-              <a:rPr lang="it-IT" dirty="0" err="1"/>
-              <a:t>between</a:t>
-            </a:r>
-            <a:r>
-              <a:rPr lang="it-IT" dirty="0"/>
-              <a:t> </a:t>
-            </a:r>
-            <a:r>
-              <a:rPr lang="it-IT" dirty="0" err="1"/>
-              <a:t>two</a:t>
-            </a:r>
-            <a:r>
-              <a:rPr lang="it-IT" dirty="0"/>
-              <a:t> </a:t>
-            </a:r>
-            <a:r>
-              <a:rPr lang="it-IT" dirty="0" err="1"/>
-              <a:t>block</a:t>
-            </a:r>
-            <a:r>
-              <a:rPr lang="it-IT" dirty="0"/>
-              <a:t> of texts</a:t>
+              <a:rPr lang="en-US" dirty="0"/>
+              <a:t>vector has 1536 elements </a:t>
+            </a:r>
+          </a:p>
+          <a:p>
+            <a:r>
+              <a:rPr lang="en-US" dirty="0"/>
+              <a:t>To find similarity between two block of texts</a:t>
             </a:r>
           </a:p>
           <a:p>
             <a:pPr lvl="1"/>
             <a:r>
-              <a:rPr lang="it-IT" i="1" dirty="0" err="1"/>
-              <a:t>Get</a:t>
-            </a:r>
-            <a:r>
-              <a:rPr lang="it-IT" i="1" dirty="0"/>
-              <a:t> the </a:t>
-            </a:r>
-            <a:r>
-              <a:rPr lang="it-IT" i="1" dirty="0" err="1"/>
-              <a:t>corresponding</a:t>
-            </a:r>
-            <a:r>
-              <a:rPr lang="it-IT" i="1" dirty="0"/>
-              <a:t> 2 </a:t>
-            </a:r>
-            <a:r>
-              <a:rPr lang="it-IT" i="1" dirty="0" err="1"/>
-              <a:t>embeddings</a:t>
-            </a:r>
-            <a:r>
-              <a:rPr lang="it-IT" i="1" dirty="0"/>
-              <a:t> </a:t>
-            </a:r>
-            <a:r>
-              <a:rPr lang="it-IT" i="1" dirty="0" err="1"/>
-              <a:t>vectors</a:t>
-            </a:r>
-            <a:endParaRPr lang="it-IT" i="1" dirty="0"/>
+              <a:rPr lang="en-US" i="1" dirty="0"/>
+              <a:t>Get the corresponding 2 embeddings vectors</a:t>
+            </a:r>
           </a:p>
           <a:p>
             <a:pPr lvl="1"/>
             <a:r>
-              <a:rPr lang="it-IT" i="1" dirty="0" err="1"/>
-              <a:t>Calculate</a:t>
-            </a:r>
-            <a:r>
-              <a:rPr lang="it-IT" i="1" dirty="0"/>
-              <a:t> the "</a:t>
-            </a:r>
-            <a:r>
-              <a:rPr lang="it-IT" i="1" dirty="0" err="1"/>
-              <a:t>distance</a:t>
-            </a:r>
-            <a:r>
-              <a:rPr lang="it-IT" i="1" dirty="0"/>
-              <a:t>" of the </a:t>
-            </a:r>
-            <a:r>
-              <a:rPr lang="it-IT" i="1" dirty="0" err="1"/>
-              <a:t>corresponding</a:t>
-            </a:r>
-            <a:r>
-              <a:rPr lang="it-IT" i="1" dirty="0"/>
-              <a:t> </a:t>
-            </a:r>
-            <a:r>
-              <a:rPr lang="it-IT" i="1" dirty="0" err="1"/>
-              <a:t>two</a:t>
-            </a:r>
-            <a:r>
-              <a:rPr lang="it-IT" i="1" dirty="0"/>
-              <a:t> </a:t>
-            </a:r>
-            <a:r>
-              <a:rPr lang="it-IT" i="1" dirty="0" err="1"/>
-              <a:t>embedding</a:t>
-            </a:r>
-            <a:r>
-              <a:rPr lang="it-IT" i="1" dirty="0"/>
-              <a:t> </a:t>
-            </a:r>
-            <a:r>
-              <a:rPr lang="it-IT" i="1" dirty="0" err="1"/>
-              <a:t>vectors</a:t>
-            </a:r>
-            <a:endParaRPr lang="it-IT" i="1" dirty="0"/>
+              <a:rPr lang="en-US" i="1" dirty="0"/>
+              <a:t>Calculate the "distance" of the corresponding two embedding vectors</a:t>
+            </a:r>
           </a:p>
           <a:p>
             <a:pPr lvl="2"/>
             <a:r>
-              <a:rPr lang="it-IT" dirty="0"/>
-              <a:t>Cosine </a:t>
-            </a:r>
-            <a:r>
-              <a:rPr lang="it-IT" dirty="0" err="1"/>
-              <a:t>similarity</a:t>
-            </a:r>
-            <a:r>
-              <a:rPr lang="it-IT" dirty="0"/>
-              <a:t> </a:t>
-            </a:r>
-            <a:r>
-              <a:rPr lang="it-IT" dirty="0" err="1"/>
-              <a:t>is</a:t>
-            </a:r>
-            <a:r>
-              <a:rPr lang="it-IT" dirty="0"/>
-              <a:t> </a:t>
-            </a:r>
-            <a:r>
-              <a:rPr lang="it-IT" dirty="0" err="1"/>
-              <a:t>currently</a:t>
-            </a:r>
-            <a:r>
-              <a:rPr lang="it-IT" dirty="0"/>
-              <a:t> the </a:t>
-            </a:r>
-            <a:r>
-              <a:rPr lang="it-IT" dirty="0" err="1"/>
-              <a:t>recomened</a:t>
-            </a:r>
-            <a:r>
-              <a:rPr lang="it-IT" dirty="0"/>
-              <a:t> </a:t>
-            </a:r>
-            <a:r>
-              <a:rPr lang="it-IT" dirty="0" err="1"/>
-              <a:t>method</a:t>
-            </a:r>
-            <a:r>
-              <a:rPr lang="it-IT" dirty="0"/>
-              <a:t> to </a:t>
-            </a:r>
-            <a:r>
-              <a:rPr lang="it-IT" dirty="0" err="1"/>
-              <a:t>calculate</a:t>
-            </a:r>
-            <a:r>
-              <a:rPr lang="it-IT" dirty="0"/>
-              <a:t> the </a:t>
-            </a:r>
-            <a:r>
-              <a:rPr lang="it-IT" dirty="0" err="1"/>
-              <a:t>distance</a:t>
-            </a:r>
-            <a:endParaRPr lang="it-IT" dirty="0"/>
+              <a:rPr lang="en-US" dirty="0"/>
+              <a:t>Cosine similarity is currently the recommended method to calculate the distance</a:t>
+            </a:r>
           </a:p>
           <a:p>
             <a:endParaRPr lang="en-US" dirty="0"/>
@@ -9448,677 +9300,138 @@
       </p:grpSpPr>
       <p:sp>
         <p:nvSpPr>
-          <p:cNvPr id="37" name="Rectangle 36">
-            <a:extLst>
-              <a:ext uri="{FF2B5EF4-FFF2-40B4-BE49-F238E27FC236}">
-                <a16:creationId xmlns:a16="http://schemas.microsoft.com/office/drawing/2014/main" id="{7A6875EF-D497-1E0E-FFCC-2D378105A8EF}"/>
-              </a:ext>
-            </a:extLst>
-          </p:cNvPr>
-          <p:cNvSpPr/>
-          <p:nvPr/>
+          <p:cNvPr id="2" name="Title 1">
+            <a:extLst>
+              <a:ext uri="{FF2B5EF4-FFF2-40B4-BE49-F238E27FC236}">
+                <a16:creationId xmlns:a16="http://schemas.microsoft.com/office/drawing/2014/main" id="{6AEC95F5-6CD6-29D3-645A-9DFD7745F050}"/>
+              </a:ext>
+            </a:extLst>
+          </p:cNvPr>
+          <p:cNvSpPr>
+            <a:spLocks noGrp="1"/>
+          </p:cNvSpPr>
+          <p:nvPr>
+            <p:ph type="title"/>
+          </p:nvPr>
+        </p:nvSpPr>
+        <p:spPr/>
+        <p:txBody>
+          <a:bodyPr/>
+          <a:lstStyle/>
+          <a:p>
+            <a:r>
+              <a:rPr lang="it-IT" dirty="0"/>
+              <a:t>Token </a:t>
+            </a:r>
+            <a:r>
+              <a:rPr lang="it-IT" dirty="0" err="1"/>
+              <a:t>limits</a:t>
+            </a:r>
+            <a:endParaRPr lang="en-US" dirty="0"/>
+          </a:p>
+        </p:txBody>
+      </p:sp>
+      <p:sp>
+        <p:nvSpPr>
+          <p:cNvPr id="3" name="Content Placeholder 2">
+            <a:extLst>
+              <a:ext uri="{FF2B5EF4-FFF2-40B4-BE49-F238E27FC236}">
+                <a16:creationId xmlns:a16="http://schemas.microsoft.com/office/drawing/2014/main" id="{42168503-AFFE-A5AD-A297-7D2B906BE0FA}"/>
+              </a:ext>
+            </a:extLst>
+          </p:cNvPr>
+          <p:cNvSpPr>
+            <a:spLocks noGrp="1"/>
+          </p:cNvSpPr>
+          <p:nvPr>
+            <p:ph idx="1"/>
+          </p:nvPr>
         </p:nvSpPr>
         <p:spPr>
           <a:xfrm>
-            <a:off x="1025847" y="5337831"/>
-            <a:ext cx="5290452" cy="1199049"/>
-          </a:xfrm>
-          <a:prstGeom prst="rect">
-            <a:avLst/>
-          </a:prstGeom>
-        </p:spPr>
-        <p:style>
-          <a:lnRef idx="2">
-            <a:schemeClr val="accent3">
-              <a:shade val="50000"/>
-            </a:schemeClr>
-          </a:lnRef>
-          <a:fillRef idx="1">
-            <a:schemeClr val="accent3"/>
-          </a:fillRef>
-          <a:effectRef idx="0">
-            <a:schemeClr val="accent3"/>
-          </a:effectRef>
-          <a:fontRef idx="minor">
-            <a:schemeClr val="lt1"/>
-          </a:fontRef>
-        </p:style>
-        <p:txBody>
-          <a:bodyPr rtlCol="0" anchor="ctr"/>
-          <a:lstStyle/>
-          <a:p>
-            <a:pPr algn="ctr"/>
-            <a:endParaRPr lang="en-US"/>
-          </a:p>
-        </p:txBody>
-      </p:sp>
-      <p:sp>
-        <p:nvSpPr>
-          <p:cNvPr id="2" name="Title 1">
-            <a:extLst>
-              <a:ext uri="{FF2B5EF4-FFF2-40B4-BE49-F238E27FC236}">
-                <a16:creationId xmlns:a16="http://schemas.microsoft.com/office/drawing/2014/main" id="{19447BD2-F230-3F22-C949-0D1A94A84CC4}"/>
-              </a:ext>
-            </a:extLst>
-          </p:cNvPr>
-          <p:cNvSpPr>
-            <a:spLocks noGrp="1"/>
-          </p:cNvSpPr>
-          <p:nvPr>
-            <p:ph type="title"/>
-          </p:nvPr>
-        </p:nvSpPr>
-        <p:spPr/>
-        <p:txBody>
-          <a:bodyPr/>
-          <a:lstStyle/>
-          <a:p>
-            <a:r>
-              <a:rPr lang="it-IT" dirty="0"/>
-              <a:t>And </a:t>
-            </a:r>
-            <a:r>
-              <a:rPr lang="it-IT" dirty="0" err="1"/>
-              <a:t>now</a:t>
-            </a:r>
-            <a:r>
-              <a:rPr lang="it-IT" dirty="0"/>
-              <a:t> a </a:t>
-            </a:r>
-            <a:r>
-              <a:rPr lang="it-IT" dirty="0" err="1"/>
-              <a:t>little</a:t>
-            </a:r>
-            <a:r>
-              <a:rPr lang="it-IT" dirty="0"/>
-              <a:t> </a:t>
-            </a:r>
-            <a:r>
-              <a:rPr lang="it-IT" dirty="0" err="1"/>
-              <a:t>math</a:t>
-            </a:r>
-            <a:endParaRPr lang="en-US" dirty="0"/>
-          </a:p>
-        </p:txBody>
-      </p:sp>
-      <p:pic>
-        <p:nvPicPr>
-          <p:cNvPr id="5" name="Content Placeholder 4">
-            <a:extLst>
-              <a:ext uri="{FF2B5EF4-FFF2-40B4-BE49-F238E27FC236}">
-                <a16:creationId xmlns:a16="http://schemas.microsoft.com/office/drawing/2014/main" id="{C53A5048-C239-BB59-D160-48BA728294D8}"/>
-              </a:ext>
-            </a:extLst>
-          </p:cNvPr>
-          <p:cNvPicPr>
-            <a:picLocks noGrp="1" noChangeAspect="1"/>
-          </p:cNvPicPr>
-          <p:nvPr>
-            <p:ph idx="1"/>
-          </p:nvPr>
-        </p:nvPicPr>
-        <p:blipFill>
-          <a:blip r:embed="rId2">
-            <a:extLst>
-              <a:ext uri="{28A0092B-C50C-407E-A947-70E740481C1C}">
-                <a14:useLocalDpi xmlns:a14="http://schemas.microsoft.com/office/drawing/2010/main" val="0"/>
-              </a:ext>
-              <a:ext uri="{96DAC541-7B7A-43D3-8B79-37D633B846F1}">
-                <asvg:svgBlip xmlns:asvg="http://schemas.microsoft.com/office/drawing/2016/SVG/main" r:embed="rId3"/>
-              </a:ext>
-            </a:extLst>
-          </a:blip>
-          <a:stretch>
-            <a:fillRect/>
-          </a:stretch>
-        </p:blipFill>
-        <p:spPr>
-          <a:xfrm>
-            <a:off x="838200" y="4114801"/>
-            <a:ext cx="8357737" cy="1667669"/>
+            <a:off x="838200" y="1825624"/>
+            <a:ext cx="10515600" cy="4519191"/>
           </a:xfrm>
         </p:spPr>
-      </p:pic>
-      <p:pic>
-        <p:nvPicPr>
-          <p:cNvPr id="7" name="Graphic 6">
-            <a:extLst>
-              <a:ext uri="{FF2B5EF4-FFF2-40B4-BE49-F238E27FC236}">
-                <a16:creationId xmlns:a16="http://schemas.microsoft.com/office/drawing/2014/main" id="{C8962B10-7564-DE92-3A68-E443B916C416}"/>
-              </a:ext>
-            </a:extLst>
-          </p:cNvPr>
-          <p:cNvPicPr>
-            <a:picLocks noChangeAspect="1"/>
-          </p:cNvPicPr>
-          <p:nvPr/>
-        </p:nvPicPr>
-        <p:blipFill>
-          <a:blip r:embed="rId4">
-            <a:extLst>
-              <a:ext uri="{28A0092B-C50C-407E-A947-70E740481C1C}">
-                <a14:useLocalDpi xmlns:a14="http://schemas.microsoft.com/office/drawing/2010/main" val="0"/>
-              </a:ext>
-              <a:ext uri="{96DAC541-7B7A-43D3-8B79-37D633B846F1}">
-                <asvg:svgBlip xmlns:asvg="http://schemas.microsoft.com/office/drawing/2016/SVG/main" r:embed="rId5"/>
-              </a:ext>
-            </a:extLst>
-          </a:blip>
-          <a:stretch>
-            <a:fillRect/>
-          </a:stretch>
-        </p:blipFill>
-        <p:spPr>
-          <a:xfrm>
-            <a:off x="7175453" y="1532792"/>
-            <a:ext cx="3939073" cy="2443684"/>
-          </a:xfrm>
-          <a:prstGeom prst="rect">
-            <a:avLst/>
-          </a:prstGeom>
-        </p:spPr>
-      </p:pic>
-      <p:cxnSp>
-        <p:nvCxnSpPr>
-          <p:cNvPr id="9" name="Straight Connector 8">
-            <a:extLst>
-              <a:ext uri="{FF2B5EF4-FFF2-40B4-BE49-F238E27FC236}">
-                <a16:creationId xmlns:a16="http://schemas.microsoft.com/office/drawing/2014/main" id="{21D86117-3B80-1101-7CDD-5B7CE7D5D3C2}"/>
-              </a:ext>
-            </a:extLst>
-          </p:cNvPr>
-          <p:cNvCxnSpPr/>
-          <p:nvPr/>
-        </p:nvCxnSpPr>
-        <p:spPr>
-          <a:xfrm>
-            <a:off x="3147754" y="1616623"/>
-            <a:ext cx="0" cy="3191069"/>
-          </a:xfrm>
-          <a:prstGeom prst="line">
-            <a:avLst/>
-          </a:prstGeom>
-          <a:ln>
-            <a:headEnd type="triangle" w="lg" len="med"/>
-            <a:tailEnd type="none"/>
-          </a:ln>
-        </p:spPr>
-        <p:style>
-          <a:lnRef idx="1">
-            <a:schemeClr val="accent1"/>
-          </a:lnRef>
-          <a:fillRef idx="0">
-            <a:schemeClr val="accent1"/>
-          </a:fillRef>
-          <a:effectRef idx="0">
-            <a:schemeClr val="accent1"/>
-          </a:effectRef>
-          <a:fontRef idx="minor">
-            <a:schemeClr val="tx1"/>
-          </a:fontRef>
-        </p:style>
-      </p:cxnSp>
-      <p:cxnSp>
-        <p:nvCxnSpPr>
-          <p:cNvPr id="10" name="Straight Connector 9">
-            <a:extLst>
-              <a:ext uri="{FF2B5EF4-FFF2-40B4-BE49-F238E27FC236}">
-                <a16:creationId xmlns:a16="http://schemas.microsoft.com/office/drawing/2014/main" id="{E38A56F9-AC2C-2E36-C73F-70AE7A94573D}"/>
-              </a:ext>
-            </a:extLst>
-          </p:cNvPr>
-          <p:cNvCxnSpPr>
-            <a:cxnSpLocks/>
-          </p:cNvCxnSpPr>
-          <p:nvPr/>
-        </p:nvCxnSpPr>
-        <p:spPr>
-          <a:xfrm>
-            <a:off x="1164957" y="3390808"/>
-            <a:ext cx="3917658" cy="0"/>
-          </a:xfrm>
-          <a:prstGeom prst="line">
-            <a:avLst/>
-          </a:prstGeom>
-          <a:ln>
-            <a:tailEnd type="triangle"/>
-          </a:ln>
-        </p:spPr>
-        <p:style>
-          <a:lnRef idx="1">
-            <a:schemeClr val="accent1"/>
-          </a:lnRef>
-          <a:fillRef idx="0">
-            <a:schemeClr val="accent1"/>
-          </a:fillRef>
-          <a:effectRef idx="0">
-            <a:schemeClr val="accent1"/>
-          </a:effectRef>
-          <a:fontRef idx="minor">
-            <a:schemeClr val="tx1"/>
-          </a:fontRef>
-        </p:style>
-      </p:cxnSp>
-      <p:sp>
-        <p:nvSpPr>
-          <p:cNvPr id="15" name="TextBox 14">
-            <a:extLst>
-              <a:ext uri="{FF2B5EF4-FFF2-40B4-BE49-F238E27FC236}">
-                <a16:creationId xmlns:a16="http://schemas.microsoft.com/office/drawing/2014/main" id="{E75BAD07-8389-81CB-DF3F-514270F477FA}"/>
-              </a:ext>
-            </a:extLst>
-          </p:cNvPr>
-          <p:cNvSpPr txBox="1"/>
-          <p:nvPr/>
-        </p:nvSpPr>
-        <p:spPr>
-          <a:xfrm>
-            <a:off x="5130552" y="3313852"/>
-            <a:ext cx="284052" cy="369332"/>
-          </a:xfrm>
-          <a:prstGeom prst="rect">
-            <a:avLst/>
-          </a:prstGeom>
-          <a:noFill/>
-        </p:spPr>
-        <p:txBody>
-          <a:bodyPr wrap="none" rtlCol="0">
-            <a:spAutoFit/>
+        <p:txBody>
+          <a:bodyPr>
+            <a:normAutofit lnSpcReduction="10000"/>
           </a:bodyPr>
           <a:lstStyle/>
           <a:p>
             <a:r>
-              <a:rPr lang="it-IT" dirty="0"/>
-              <a:t>x</a:t>
+              <a:rPr lang="en-US" dirty="0"/>
+              <a:t>First pass when processing a question is remove irrelevant words (such as "please")</a:t>
+            </a:r>
+          </a:p>
+          <a:p>
+            <a:r>
+              <a:rPr lang="en-US" dirty="0"/>
+              <a:t>Next words are split into tokens </a:t>
+            </a:r>
+          </a:p>
+          <a:p>
+            <a:pPr lvl="1"/>
+            <a:r>
+              <a:rPr lang="en-US" dirty="0"/>
+              <a:t>You can think of tokens as pieces of words used for natural language processing</a:t>
+            </a:r>
+          </a:p>
+          <a:p>
+            <a:pPr lvl="1"/>
+            <a:r>
+              <a:rPr lang="en-US" i="1" dirty="0"/>
+              <a:t>For English text, 1 token is approximately 4 characters or 0.75 words, e.g.</a:t>
+            </a:r>
+            <a:br>
+              <a:rPr lang="en-US" i="1" dirty="0"/>
+            </a:br>
+            <a:r>
+              <a:rPr lang="en-US" i="1" dirty="0"/>
+              <a:t>text of 100 chars * 4/3 =&gt; about 133 tokens</a:t>
+            </a:r>
+          </a:p>
+          <a:p>
+            <a:r>
+              <a:rPr lang="en-US" dirty="0"/>
+              <a:t>Each model has a token limit for each request (question + answer)</a:t>
+            </a:r>
+          </a:p>
+          <a:p>
+            <a:pPr lvl="1"/>
+            <a:r>
+              <a:rPr lang="en-US" dirty="0"/>
+              <a:t>gpt-3.5-turbo : max tokens is 4096</a:t>
+            </a:r>
+          </a:p>
+          <a:p>
+            <a:r>
+              <a:rPr lang="en-US" dirty="0"/>
+              <a:t>So keep track of it when setting up request to </a:t>
+            </a:r>
+            <a:r>
+              <a:rPr lang="en-US" dirty="0" err="1"/>
+              <a:t>ChatGpt</a:t>
             </a:r>
             <a:endParaRPr lang="en-US" dirty="0"/>
           </a:p>
-        </p:txBody>
-      </p:sp>
-      <p:sp>
-        <p:nvSpPr>
-          <p:cNvPr id="17" name="TextBox 16">
-            <a:extLst>
-              <a:ext uri="{FF2B5EF4-FFF2-40B4-BE49-F238E27FC236}">
-                <a16:creationId xmlns:a16="http://schemas.microsoft.com/office/drawing/2014/main" id="{5B75B719-C5E3-1E95-5217-93818A0FD52C}"/>
-              </a:ext>
-            </a:extLst>
-          </p:cNvPr>
-          <p:cNvSpPr txBox="1"/>
-          <p:nvPr/>
-        </p:nvSpPr>
-        <p:spPr>
-          <a:xfrm>
-            <a:off x="3258209" y="1348126"/>
-            <a:ext cx="288862" cy="369332"/>
-          </a:xfrm>
-          <a:prstGeom prst="rect">
-            <a:avLst/>
-          </a:prstGeom>
-          <a:noFill/>
-        </p:spPr>
-        <p:txBody>
-          <a:bodyPr wrap="none" rtlCol="0">
-            <a:spAutoFit/>
-          </a:bodyPr>
-          <a:lstStyle/>
-          <a:p>
-            <a:r>
-              <a:rPr lang="it-IT" dirty="0"/>
-              <a:t>y</a:t>
-            </a:r>
+          <a:p>
+            <a:pPr lvl="1"/>
+            <a:r>
+              <a:rPr lang="en-US" dirty="0"/>
+              <a:t>There are existing libraries to calculate tokens from words (no open.ai api endpoint exposed for that)</a:t>
+            </a:r>
+          </a:p>
+          <a:p>
+            <a:pPr lvl="1"/>
             <a:endParaRPr lang="en-US" dirty="0"/>
           </a:p>
         </p:txBody>
       </p:sp>
-      <p:cxnSp>
-        <p:nvCxnSpPr>
-          <p:cNvPr id="21" name="Straight Connector 20">
-            <a:extLst>
-              <a:ext uri="{FF2B5EF4-FFF2-40B4-BE49-F238E27FC236}">
-                <a16:creationId xmlns:a16="http://schemas.microsoft.com/office/drawing/2014/main" id="{619B3AAE-1E2A-8BB2-9C25-01D78C2C91A4}"/>
-              </a:ext>
-            </a:extLst>
-          </p:cNvPr>
-          <p:cNvCxnSpPr>
-            <a:cxnSpLocks/>
-          </p:cNvCxnSpPr>
-          <p:nvPr/>
-        </p:nvCxnSpPr>
-        <p:spPr>
-          <a:xfrm flipH="1">
-            <a:off x="3147754" y="2306146"/>
-            <a:ext cx="1476291" cy="1084662"/>
-          </a:xfrm>
-          <a:prstGeom prst="line">
-            <a:avLst/>
-          </a:prstGeom>
-          <a:ln>
-            <a:headEnd type="triangle" w="lg" len="med"/>
-            <a:tailEnd type="none"/>
-          </a:ln>
-        </p:spPr>
-        <p:style>
-          <a:lnRef idx="1">
-            <a:schemeClr val="accent1"/>
-          </a:lnRef>
-          <a:fillRef idx="0">
-            <a:schemeClr val="accent1"/>
-          </a:fillRef>
-          <a:effectRef idx="0">
-            <a:schemeClr val="accent1"/>
-          </a:effectRef>
-          <a:fontRef idx="minor">
-            <a:schemeClr val="tx1"/>
-          </a:fontRef>
-        </p:style>
-      </p:cxnSp>
-      <p:cxnSp>
-        <p:nvCxnSpPr>
-          <p:cNvPr id="25" name="Straight Connector 24">
-            <a:extLst>
-              <a:ext uri="{FF2B5EF4-FFF2-40B4-BE49-F238E27FC236}">
-                <a16:creationId xmlns:a16="http://schemas.microsoft.com/office/drawing/2014/main" id="{AD7B5C6E-CA86-8E75-C08A-9D9DB35163D9}"/>
-              </a:ext>
-            </a:extLst>
-          </p:cNvPr>
-          <p:cNvCxnSpPr>
-            <a:cxnSpLocks/>
-          </p:cNvCxnSpPr>
-          <p:nvPr/>
-        </p:nvCxnSpPr>
-        <p:spPr>
-          <a:xfrm flipH="1">
-            <a:off x="3125928" y="1616623"/>
-            <a:ext cx="998202" cy="1781338"/>
-          </a:xfrm>
-          <a:prstGeom prst="line">
-            <a:avLst/>
-          </a:prstGeom>
-          <a:ln>
-            <a:headEnd type="triangle" w="lg" len="med"/>
-            <a:tailEnd type="none"/>
-          </a:ln>
-        </p:spPr>
-        <p:style>
-          <a:lnRef idx="1">
-            <a:schemeClr val="accent1"/>
-          </a:lnRef>
-          <a:fillRef idx="0">
-            <a:schemeClr val="accent1"/>
-          </a:fillRef>
-          <a:effectRef idx="0">
-            <a:schemeClr val="accent1"/>
-          </a:effectRef>
-          <a:fontRef idx="minor">
-            <a:schemeClr val="tx1"/>
-          </a:fontRef>
-        </p:style>
-      </p:cxnSp>
-      <p:cxnSp>
-        <p:nvCxnSpPr>
-          <p:cNvPr id="26" name="Straight Connector 25">
-            <a:extLst>
-              <a:ext uri="{FF2B5EF4-FFF2-40B4-BE49-F238E27FC236}">
-                <a16:creationId xmlns:a16="http://schemas.microsoft.com/office/drawing/2014/main" id="{B92E9C7B-331D-EF4D-7662-F0BB9AED36F8}"/>
-              </a:ext>
-            </a:extLst>
-          </p:cNvPr>
-          <p:cNvCxnSpPr>
-            <a:cxnSpLocks/>
-          </p:cNvCxnSpPr>
-          <p:nvPr/>
-        </p:nvCxnSpPr>
-        <p:spPr>
-          <a:xfrm flipV="1">
-            <a:off x="1346718" y="3390807"/>
-            <a:ext cx="1801035" cy="539329"/>
-          </a:xfrm>
-          <a:prstGeom prst="line">
-            <a:avLst/>
-          </a:prstGeom>
-          <a:ln>
-            <a:headEnd type="triangle" w="lg" len="med"/>
-            <a:tailEnd type="none"/>
-          </a:ln>
-        </p:spPr>
-        <p:style>
-          <a:lnRef idx="1">
-            <a:schemeClr val="accent1"/>
-          </a:lnRef>
-          <a:fillRef idx="0">
-            <a:schemeClr val="accent1"/>
-          </a:fillRef>
-          <a:effectRef idx="0">
-            <a:schemeClr val="accent1"/>
-          </a:effectRef>
-          <a:fontRef idx="minor">
-            <a:schemeClr val="tx1"/>
-          </a:fontRef>
-        </p:style>
-      </p:cxnSp>
-      <p:sp>
-        <p:nvSpPr>
-          <p:cNvPr id="30" name="TextBox 29">
-            <a:extLst>
-              <a:ext uri="{FF2B5EF4-FFF2-40B4-BE49-F238E27FC236}">
-                <a16:creationId xmlns:a16="http://schemas.microsoft.com/office/drawing/2014/main" id="{2294BD79-FA2F-C23C-D376-E1F069FABDBC}"/>
-              </a:ext>
-            </a:extLst>
-          </p:cNvPr>
-          <p:cNvSpPr txBox="1"/>
-          <p:nvPr/>
-        </p:nvSpPr>
-        <p:spPr>
-          <a:xfrm>
-            <a:off x="4099087" y="1340973"/>
-            <a:ext cx="1093569" cy="369332"/>
-          </a:xfrm>
-          <a:prstGeom prst="rect">
-            <a:avLst/>
-          </a:prstGeom>
-          <a:noFill/>
-        </p:spPr>
-        <p:txBody>
-          <a:bodyPr wrap="none" rtlCol="0">
-            <a:spAutoFit/>
-          </a:bodyPr>
-          <a:lstStyle/>
-          <a:p>
-            <a:r>
-              <a:rPr lang="it-IT" dirty="0"/>
-              <a:t>V1 (0.5,1)</a:t>
-            </a:r>
-            <a:endParaRPr lang="en-US" dirty="0"/>
-          </a:p>
-        </p:txBody>
-      </p:sp>
-      <p:sp>
-        <p:nvSpPr>
-          <p:cNvPr id="31" name="TextBox 30">
-            <a:extLst>
-              <a:ext uri="{FF2B5EF4-FFF2-40B4-BE49-F238E27FC236}">
-                <a16:creationId xmlns:a16="http://schemas.microsoft.com/office/drawing/2014/main" id="{49E4C3BD-62EE-810A-F6F4-8548BA14410E}"/>
-              </a:ext>
-            </a:extLst>
-          </p:cNvPr>
-          <p:cNvSpPr txBox="1"/>
-          <p:nvPr/>
-        </p:nvSpPr>
-        <p:spPr>
-          <a:xfrm>
-            <a:off x="4645871" y="2092756"/>
-            <a:ext cx="1268296" cy="369332"/>
-          </a:xfrm>
-          <a:prstGeom prst="rect">
-            <a:avLst/>
-          </a:prstGeom>
-          <a:noFill/>
-        </p:spPr>
-        <p:txBody>
-          <a:bodyPr wrap="none" rtlCol="0">
-            <a:spAutoFit/>
-          </a:bodyPr>
-          <a:lstStyle/>
-          <a:p>
-            <a:r>
-              <a:rPr lang="it-IT" dirty="0"/>
-              <a:t>V2 (0.7,0.7)</a:t>
-            </a:r>
-            <a:endParaRPr lang="en-US" dirty="0"/>
-          </a:p>
-        </p:txBody>
-      </p:sp>
-      <p:sp>
-        <p:nvSpPr>
-          <p:cNvPr id="32" name="TextBox 31">
-            <a:extLst>
-              <a:ext uri="{FF2B5EF4-FFF2-40B4-BE49-F238E27FC236}">
-                <a16:creationId xmlns:a16="http://schemas.microsoft.com/office/drawing/2014/main" id="{8755BFDA-2AF3-849D-7707-CEF2C2F3D29F}"/>
-              </a:ext>
-            </a:extLst>
-          </p:cNvPr>
-          <p:cNvSpPr txBox="1"/>
-          <p:nvPr/>
-        </p:nvSpPr>
-        <p:spPr>
-          <a:xfrm>
-            <a:off x="1025847" y="3930136"/>
-            <a:ext cx="1409360" cy="369332"/>
-          </a:xfrm>
-          <a:prstGeom prst="rect">
-            <a:avLst/>
-          </a:prstGeom>
-          <a:noFill/>
-        </p:spPr>
-        <p:txBody>
-          <a:bodyPr wrap="none" rtlCol="0">
-            <a:spAutoFit/>
-          </a:bodyPr>
-          <a:lstStyle/>
-          <a:p>
-            <a:r>
-              <a:rPr lang="it-IT" dirty="0"/>
-              <a:t>V3 (-1.5,-0.5)</a:t>
-            </a:r>
-            <a:endParaRPr lang="en-US" dirty="0"/>
-          </a:p>
-        </p:txBody>
-      </p:sp>
-      <p:sp>
-        <p:nvSpPr>
-          <p:cNvPr id="36" name="TextBox 35">
-            <a:extLst>
-              <a:ext uri="{FF2B5EF4-FFF2-40B4-BE49-F238E27FC236}">
-                <a16:creationId xmlns:a16="http://schemas.microsoft.com/office/drawing/2014/main" id="{68C79DC0-D808-78FE-15E1-5BE5167A4CBF}"/>
-              </a:ext>
-            </a:extLst>
-          </p:cNvPr>
-          <p:cNvSpPr txBox="1"/>
-          <p:nvPr/>
-        </p:nvSpPr>
-        <p:spPr>
-          <a:xfrm>
-            <a:off x="987241" y="5509874"/>
-            <a:ext cx="3658630" cy="369332"/>
-          </a:xfrm>
-          <a:prstGeom prst="rect">
-            <a:avLst/>
-          </a:prstGeom>
-          <a:noFill/>
-        </p:spPr>
-        <p:txBody>
-          <a:bodyPr wrap="none" rtlCol="0">
-            <a:spAutoFit/>
-          </a:bodyPr>
-          <a:lstStyle/>
-          <a:p>
-            <a:r>
-              <a:rPr lang="it-IT" dirty="0"/>
-              <a:t> </a:t>
-            </a:r>
-            <a:r>
-              <a:rPr lang="it-IT" dirty="0" err="1"/>
-              <a:t>Don't</a:t>
-            </a:r>
-            <a:r>
-              <a:rPr lang="it-IT" dirty="0"/>
-              <a:t> be </a:t>
-            </a:r>
-            <a:r>
-              <a:rPr lang="it-IT" dirty="0" err="1"/>
-              <a:t>afraid</a:t>
-            </a:r>
-            <a:r>
-              <a:rPr lang="it-IT" dirty="0"/>
-              <a:t> : </a:t>
-            </a:r>
-            <a:r>
-              <a:rPr lang="it-IT" dirty="0" err="1"/>
-              <a:t>this</a:t>
-            </a:r>
-            <a:r>
-              <a:rPr lang="it-IT" dirty="0"/>
-              <a:t> </a:t>
-            </a:r>
-            <a:r>
-              <a:rPr lang="it-IT" dirty="0" err="1"/>
-              <a:t>is</a:t>
-            </a:r>
-            <a:r>
-              <a:rPr lang="it-IT" dirty="0"/>
-              <a:t> a for loop </a:t>
-            </a:r>
-            <a:r>
-              <a:rPr lang="it-IT" dirty="0">
-                <a:sym typeface="Wingdings" panose="05000000000000000000" pitchFamily="2" charset="2"/>
-              </a:rPr>
-              <a:t></a:t>
-            </a:r>
-            <a:endParaRPr lang="en-US" dirty="0"/>
-          </a:p>
-        </p:txBody>
-      </p:sp>
-      <p:pic>
-        <p:nvPicPr>
-          <p:cNvPr id="38" name="Picture 37" descr="A picture containing black, darkness&#10;&#10;Description automatically generated">
-            <a:extLst>
-              <a:ext uri="{FF2B5EF4-FFF2-40B4-BE49-F238E27FC236}">
-                <a16:creationId xmlns:a16="http://schemas.microsoft.com/office/drawing/2014/main" id="{DCD567A2-6454-6BB6-2A37-C680B5F791B0}"/>
-              </a:ext>
-            </a:extLst>
-          </p:cNvPr>
-          <p:cNvPicPr>
-            <a:picLocks noChangeAspect="1"/>
-          </p:cNvPicPr>
-          <p:nvPr/>
-        </p:nvPicPr>
-        <p:blipFill>
-          <a:blip r:embed="rId6">
-            <a:extLst>
-              <a:ext uri="{28A0092B-C50C-407E-A947-70E740481C1C}">
-                <a14:useLocalDpi xmlns:a14="http://schemas.microsoft.com/office/drawing/2010/main" val="0"/>
-              </a:ext>
-            </a:extLst>
-          </a:blip>
-          <a:stretch>
-            <a:fillRect/>
-          </a:stretch>
-        </p:blipFill>
-        <p:spPr>
-          <a:xfrm>
-            <a:off x="4537055" y="5445760"/>
-            <a:ext cx="1091120" cy="1091120"/>
-          </a:xfrm>
-          <a:prstGeom prst="rect">
-            <a:avLst/>
-          </a:prstGeom>
-        </p:spPr>
-      </p:pic>
     </p:spTree>
     <p:extLst>
       <p:ext uri="{BB962C8B-B14F-4D97-AF65-F5344CB8AC3E}">
-        <p14:creationId xmlns:p14="http://schemas.microsoft.com/office/powerpoint/2010/main" val="2214468846"/>
+        <p14:creationId xmlns:p14="http://schemas.microsoft.com/office/powerpoint/2010/main" val="3917042565"/>
       </p:ext>
     </p:extLst>
   </p:cSld>
@@ -10423,8 +9736,598 @@
 </a:theme>
 </file>
 
+<file path=ppt/theme/theme2.xml><?xml version="1.0" encoding="utf-8"?>
+<a:theme xmlns:a="http://schemas.openxmlformats.org/drawingml/2006/main" name="Office Theme">
+  <a:themeElements>
+    <a:clrScheme name="Office">
+      <a:dk1>
+        <a:sysClr val="windowText" lastClr="000000"/>
+      </a:dk1>
+      <a:lt1>
+        <a:sysClr val="window" lastClr="FFFFFF"/>
+      </a:lt1>
+      <a:dk2>
+        <a:srgbClr val="44546A"/>
+      </a:dk2>
+      <a:lt2>
+        <a:srgbClr val="E7E6E6"/>
+      </a:lt2>
+      <a:accent1>
+        <a:srgbClr val="4472C4"/>
+      </a:accent1>
+      <a:accent2>
+        <a:srgbClr val="ED7D31"/>
+      </a:accent2>
+      <a:accent3>
+        <a:srgbClr val="A5A5A5"/>
+      </a:accent3>
+      <a:accent4>
+        <a:srgbClr val="FFC000"/>
+      </a:accent4>
+      <a:accent5>
+        <a:srgbClr val="5B9BD5"/>
+      </a:accent5>
+      <a:accent6>
+        <a:srgbClr val="70AD47"/>
+      </a:accent6>
+      <a:hlink>
+        <a:srgbClr val="0563C1"/>
+      </a:hlink>
+      <a:folHlink>
+        <a:srgbClr val="954F72"/>
+      </a:folHlink>
+    </a:clrScheme>
+    <a:fontScheme name="Office">
+      <a:majorFont>
+        <a:latin typeface="Calibri Light" panose="020F0302020204030204"/>
+        <a:ea typeface=""/>
+        <a:cs typeface=""/>
+        <a:font script="Jpan" typeface="游ゴシック Light"/>
+        <a:font script="Hang" typeface="맑은 고딕"/>
+        <a:font script="Hans" typeface="等线 Light"/>
+        <a:font script="Hant" typeface="新細明體"/>
+        <a:font script="Arab" typeface="Times New Roman"/>
+        <a:font script="Hebr" typeface="Times New Roman"/>
+        <a:font script="Thai" typeface="Angsana New"/>
+        <a:font script="Ethi" typeface="Nyala"/>
+        <a:font script="Beng" typeface="Vrinda"/>
+        <a:font script="Gujr" typeface="Shruti"/>
+        <a:font script="Khmr" typeface="MoolBoran"/>
+        <a:font script="Knda" typeface="Tunga"/>
+        <a:font script="Guru" typeface="Raavi"/>
+        <a:font script="Cans" typeface="Euphemia"/>
+        <a:font script="Cher" typeface="Plantagenet Cherokee"/>
+        <a:font script="Yiii" typeface="Microsoft Yi Baiti"/>
+        <a:font script="Tibt" typeface="Microsoft Himalaya"/>
+        <a:font script="Thaa" typeface="MV Boli"/>
+        <a:font script="Deva" typeface="Mangal"/>
+        <a:font script="Telu" typeface="Gautami"/>
+        <a:font script="Taml" typeface="Latha"/>
+        <a:font script="Syrc" typeface="Estrangelo Edessa"/>
+        <a:font script="Orya" typeface="Kalinga"/>
+        <a:font script="Mlym" typeface="Kartika"/>
+        <a:font script="Laoo" typeface="DokChampa"/>
+        <a:font script="Sinh" typeface="Iskoola Pota"/>
+        <a:font script="Mong" typeface="Mongolian Baiti"/>
+        <a:font script="Viet" typeface="Times New Roman"/>
+        <a:font script="Uigh" typeface="Microsoft Uighur"/>
+        <a:font script="Geor" typeface="Sylfaen"/>
+        <a:font script="Armn" typeface="Arial"/>
+        <a:font script="Bugi" typeface="Leelawadee UI"/>
+        <a:font script="Bopo" typeface="Microsoft JhengHei"/>
+        <a:font script="Java" typeface="Javanese Text"/>
+        <a:font script="Lisu" typeface="Segoe UI"/>
+        <a:font script="Mymr" typeface="Myanmar Text"/>
+        <a:font script="Nkoo" typeface="Ebrima"/>
+        <a:font script="Olck" typeface="Nirmala UI"/>
+        <a:font script="Osma" typeface="Ebrima"/>
+        <a:font script="Phag" typeface="Phagspa"/>
+        <a:font script="Syrn" typeface="Estrangelo Edessa"/>
+        <a:font script="Syrj" typeface="Estrangelo Edessa"/>
+        <a:font script="Syre" typeface="Estrangelo Edessa"/>
+        <a:font script="Sora" typeface="Nirmala UI"/>
+        <a:font script="Tale" typeface="Microsoft Tai Le"/>
+        <a:font script="Talu" typeface="Microsoft New Tai Lue"/>
+        <a:font script="Tfng" typeface="Ebrima"/>
+      </a:majorFont>
+      <a:minorFont>
+        <a:latin typeface="Calibri" panose="020F0502020204030204"/>
+        <a:ea typeface=""/>
+        <a:cs typeface=""/>
+        <a:font script="Jpan" typeface="游ゴシック"/>
+        <a:font script="Hang" typeface="맑은 고딕"/>
+        <a:font script="Hans" typeface="等线"/>
+        <a:font script="Hant" typeface="新細明體"/>
+        <a:font script="Arab" typeface="Arial"/>
+        <a:font script="Hebr" typeface="Arial"/>
+        <a:font script="Thai" typeface="Cordia New"/>
+        <a:font script="Ethi" typeface="Nyala"/>
+        <a:font script="Beng" typeface="Vrinda"/>
+        <a:font script="Gujr" typeface="Shruti"/>
+        <a:font script="Khmr" typeface="DaunPenh"/>
+        <a:font script="Knda" typeface="Tunga"/>
+        <a:font script="Guru" typeface="Raavi"/>
+        <a:font script="Cans" typeface="Euphemia"/>
+        <a:font script="Cher" typeface="Plantagenet Cherokee"/>
+        <a:font script="Yiii" typeface="Microsoft Yi Baiti"/>
+        <a:font script="Tibt" typeface="Microsoft Himalaya"/>
+        <a:font script="Thaa" typeface="MV Boli"/>
+        <a:font script="Deva" typeface="Mangal"/>
+        <a:font script="Telu" typeface="Gautami"/>
+        <a:font script="Taml" typeface="Latha"/>
+        <a:font script="Syrc" typeface="Estrangelo Edessa"/>
+        <a:font script="Orya" typeface="Kalinga"/>
+        <a:font script="Mlym" typeface="Kartika"/>
+        <a:font script="Laoo" typeface="DokChampa"/>
+        <a:font script="Sinh" typeface="Iskoola Pota"/>
+        <a:font script="Mong" typeface="Mongolian Baiti"/>
+        <a:font script="Viet" typeface="Arial"/>
+        <a:font script="Uigh" typeface="Microsoft Uighur"/>
+        <a:font script="Geor" typeface="Sylfaen"/>
+        <a:font script="Armn" typeface="Arial"/>
+        <a:font script="Bugi" typeface="Leelawadee UI"/>
+        <a:font script="Bopo" typeface="Microsoft JhengHei"/>
+        <a:font script="Java" typeface="Javanese Text"/>
+        <a:font script="Lisu" typeface="Segoe UI"/>
+        <a:font script="Mymr" typeface="Myanmar Text"/>
+        <a:font script="Nkoo" typeface="Ebrima"/>
+        <a:font script="Olck" typeface="Nirmala UI"/>
+        <a:font script="Osma" typeface="Ebrima"/>
+        <a:font script="Phag" typeface="Phagspa"/>
+        <a:font script="Syrn" typeface="Estrangelo Edessa"/>
+        <a:font script="Syrj" typeface="Estrangelo Edessa"/>
+        <a:font script="Syre" typeface="Estrangelo Edessa"/>
+        <a:font script="Sora" typeface="Nirmala UI"/>
+        <a:font script="Tale" typeface="Microsoft Tai Le"/>
+        <a:font script="Talu" typeface="Microsoft New Tai Lue"/>
+        <a:font script="Tfng" typeface="Ebrima"/>
+      </a:minorFont>
+    </a:fontScheme>
+    <a:fmtScheme name="Office">
+      <a:fillStyleLst>
+        <a:solidFill>
+          <a:schemeClr val="phClr"/>
+        </a:solidFill>
+        <a:gradFill rotWithShape="1">
+          <a:gsLst>
+            <a:gs pos="0">
+              <a:schemeClr val="phClr">
+                <a:lumMod val="110000"/>
+                <a:satMod val="105000"/>
+                <a:tint val="67000"/>
+              </a:schemeClr>
+            </a:gs>
+            <a:gs pos="50000">
+              <a:schemeClr val="phClr">
+                <a:lumMod val="105000"/>
+                <a:satMod val="103000"/>
+                <a:tint val="73000"/>
+              </a:schemeClr>
+            </a:gs>
+            <a:gs pos="100000">
+              <a:schemeClr val="phClr">
+                <a:lumMod val="105000"/>
+                <a:satMod val="109000"/>
+                <a:tint val="81000"/>
+              </a:schemeClr>
+            </a:gs>
+          </a:gsLst>
+          <a:lin ang="5400000" scaled="0"/>
+        </a:gradFill>
+        <a:gradFill rotWithShape="1">
+          <a:gsLst>
+            <a:gs pos="0">
+              <a:schemeClr val="phClr">
+                <a:satMod val="103000"/>
+                <a:lumMod val="102000"/>
+                <a:tint val="94000"/>
+              </a:schemeClr>
+            </a:gs>
+            <a:gs pos="50000">
+              <a:schemeClr val="phClr">
+                <a:satMod val="110000"/>
+                <a:lumMod val="100000"/>
+                <a:shade val="100000"/>
+              </a:schemeClr>
+            </a:gs>
+            <a:gs pos="100000">
+              <a:schemeClr val="phClr">
+                <a:lumMod val="99000"/>
+                <a:satMod val="120000"/>
+                <a:shade val="78000"/>
+              </a:schemeClr>
+            </a:gs>
+          </a:gsLst>
+          <a:lin ang="5400000" scaled="0"/>
+        </a:gradFill>
+      </a:fillStyleLst>
+      <a:lnStyleLst>
+        <a:ln w="6350" cap="flat" cmpd="sng" algn="ctr">
+          <a:solidFill>
+            <a:schemeClr val="phClr"/>
+          </a:solidFill>
+          <a:prstDash val="solid"/>
+          <a:miter lim="800000"/>
+        </a:ln>
+        <a:ln w="12700" cap="flat" cmpd="sng" algn="ctr">
+          <a:solidFill>
+            <a:schemeClr val="phClr"/>
+          </a:solidFill>
+          <a:prstDash val="solid"/>
+          <a:miter lim="800000"/>
+        </a:ln>
+        <a:ln w="19050" cap="flat" cmpd="sng" algn="ctr">
+          <a:solidFill>
+            <a:schemeClr val="phClr"/>
+          </a:solidFill>
+          <a:prstDash val="solid"/>
+          <a:miter lim="800000"/>
+        </a:ln>
+      </a:lnStyleLst>
+      <a:effectStyleLst>
+        <a:effectStyle>
+          <a:effectLst/>
+        </a:effectStyle>
+        <a:effectStyle>
+          <a:effectLst/>
+        </a:effectStyle>
+        <a:effectStyle>
+          <a:effectLst>
+            <a:outerShdw blurRad="57150" dist="19050" dir="5400000" algn="ctr" rotWithShape="0">
+              <a:srgbClr val="000000">
+                <a:alpha val="63000"/>
+              </a:srgbClr>
+            </a:outerShdw>
+          </a:effectLst>
+        </a:effectStyle>
+      </a:effectStyleLst>
+      <a:bgFillStyleLst>
+        <a:solidFill>
+          <a:schemeClr val="phClr"/>
+        </a:solidFill>
+        <a:solidFill>
+          <a:schemeClr val="phClr">
+            <a:tint val="95000"/>
+            <a:satMod val="170000"/>
+          </a:schemeClr>
+        </a:solidFill>
+        <a:gradFill rotWithShape="1">
+          <a:gsLst>
+            <a:gs pos="0">
+              <a:schemeClr val="phClr">
+                <a:tint val="93000"/>
+                <a:satMod val="150000"/>
+                <a:shade val="98000"/>
+                <a:lumMod val="102000"/>
+              </a:schemeClr>
+            </a:gs>
+            <a:gs pos="50000">
+              <a:schemeClr val="phClr">
+                <a:tint val="98000"/>
+                <a:satMod val="130000"/>
+                <a:shade val="90000"/>
+                <a:lumMod val="103000"/>
+              </a:schemeClr>
+            </a:gs>
+            <a:gs pos="100000">
+              <a:schemeClr val="phClr">
+                <a:shade val="63000"/>
+                <a:satMod val="120000"/>
+              </a:schemeClr>
+            </a:gs>
+          </a:gsLst>
+          <a:lin ang="5400000" scaled="0"/>
+        </a:gradFill>
+      </a:bgFillStyleLst>
+    </a:fmtScheme>
+  </a:themeElements>
+  <a:objectDefaults/>
+  <a:extraClrSchemeLst/>
+  <a:extLst>
+    <a:ext uri="{05A4C25C-085E-4340-85A3-A5531E510DB2}">
+      <thm15:themeFamily xmlns:thm15="http://schemas.microsoft.com/office/thememl/2012/main" name="Office Theme" id="{62F939B6-93AF-4DB8-9C6B-D6C7DFDC589F}" vid="{4A3C46E8-61CC-4603-A589-7422A47A8E4A}"/>
+    </a:ext>
+  </a:extLst>
+</a:theme>
+</file>
+
+<file path=ppt/theme/theme3.xml><?xml version="1.0" encoding="utf-8"?>
+<a:theme xmlns:a="http://schemas.openxmlformats.org/drawingml/2006/main" name="Office Theme">
+  <a:themeElements>
+    <a:clrScheme name="Office">
+      <a:dk1>
+        <a:sysClr val="windowText" lastClr="000000"/>
+      </a:dk1>
+      <a:lt1>
+        <a:sysClr val="window" lastClr="FFFFFF"/>
+      </a:lt1>
+      <a:dk2>
+        <a:srgbClr val="44546A"/>
+      </a:dk2>
+      <a:lt2>
+        <a:srgbClr val="E7E6E6"/>
+      </a:lt2>
+      <a:accent1>
+        <a:srgbClr val="4472C4"/>
+      </a:accent1>
+      <a:accent2>
+        <a:srgbClr val="ED7D31"/>
+      </a:accent2>
+      <a:accent3>
+        <a:srgbClr val="A5A5A5"/>
+      </a:accent3>
+      <a:accent4>
+        <a:srgbClr val="FFC000"/>
+      </a:accent4>
+      <a:accent5>
+        <a:srgbClr val="5B9BD5"/>
+      </a:accent5>
+      <a:accent6>
+        <a:srgbClr val="70AD47"/>
+      </a:accent6>
+      <a:hlink>
+        <a:srgbClr val="0563C1"/>
+      </a:hlink>
+      <a:folHlink>
+        <a:srgbClr val="954F72"/>
+      </a:folHlink>
+    </a:clrScheme>
+    <a:fontScheme name="Office">
+      <a:majorFont>
+        <a:latin typeface="Calibri Light" panose="020F0302020204030204"/>
+        <a:ea typeface=""/>
+        <a:cs typeface=""/>
+        <a:font script="Jpan" typeface="游ゴシック Light"/>
+        <a:font script="Hang" typeface="맑은 고딕"/>
+        <a:font script="Hans" typeface="等线 Light"/>
+        <a:font script="Hant" typeface="新細明體"/>
+        <a:font script="Arab" typeface="Times New Roman"/>
+        <a:font script="Hebr" typeface="Times New Roman"/>
+        <a:font script="Thai" typeface="Angsana New"/>
+        <a:font script="Ethi" typeface="Nyala"/>
+        <a:font script="Beng" typeface="Vrinda"/>
+        <a:font script="Gujr" typeface="Shruti"/>
+        <a:font script="Khmr" typeface="MoolBoran"/>
+        <a:font script="Knda" typeface="Tunga"/>
+        <a:font script="Guru" typeface="Raavi"/>
+        <a:font script="Cans" typeface="Euphemia"/>
+        <a:font script="Cher" typeface="Plantagenet Cherokee"/>
+        <a:font script="Yiii" typeface="Microsoft Yi Baiti"/>
+        <a:font script="Tibt" typeface="Microsoft Himalaya"/>
+        <a:font script="Thaa" typeface="MV Boli"/>
+        <a:font script="Deva" typeface="Mangal"/>
+        <a:font script="Telu" typeface="Gautami"/>
+        <a:font script="Taml" typeface="Latha"/>
+        <a:font script="Syrc" typeface="Estrangelo Edessa"/>
+        <a:font script="Orya" typeface="Kalinga"/>
+        <a:font script="Mlym" typeface="Kartika"/>
+        <a:font script="Laoo" typeface="DokChampa"/>
+        <a:font script="Sinh" typeface="Iskoola Pota"/>
+        <a:font script="Mong" typeface="Mongolian Baiti"/>
+        <a:font script="Viet" typeface="Times New Roman"/>
+        <a:font script="Uigh" typeface="Microsoft Uighur"/>
+        <a:font script="Geor" typeface="Sylfaen"/>
+        <a:font script="Armn" typeface="Arial"/>
+        <a:font script="Bugi" typeface="Leelawadee UI"/>
+        <a:font script="Bopo" typeface="Microsoft JhengHei"/>
+        <a:font script="Java" typeface="Javanese Text"/>
+        <a:font script="Lisu" typeface="Segoe UI"/>
+        <a:font script="Mymr" typeface="Myanmar Text"/>
+        <a:font script="Nkoo" typeface="Ebrima"/>
+        <a:font script="Olck" typeface="Nirmala UI"/>
+        <a:font script="Osma" typeface="Ebrima"/>
+        <a:font script="Phag" typeface="Phagspa"/>
+        <a:font script="Syrn" typeface="Estrangelo Edessa"/>
+        <a:font script="Syrj" typeface="Estrangelo Edessa"/>
+        <a:font script="Syre" typeface="Estrangelo Edessa"/>
+        <a:font script="Sora" typeface="Nirmala UI"/>
+        <a:font script="Tale" typeface="Microsoft Tai Le"/>
+        <a:font script="Talu" typeface="Microsoft New Tai Lue"/>
+        <a:font script="Tfng" typeface="Ebrima"/>
+      </a:majorFont>
+      <a:minorFont>
+        <a:latin typeface="Calibri" panose="020F0502020204030204"/>
+        <a:ea typeface=""/>
+        <a:cs typeface=""/>
+        <a:font script="Jpan" typeface="游ゴシック"/>
+        <a:font script="Hang" typeface="맑은 고딕"/>
+        <a:font script="Hans" typeface="等线"/>
+        <a:font script="Hant" typeface="新細明體"/>
+        <a:font script="Arab" typeface="Arial"/>
+        <a:font script="Hebr" typeface="Arial"/>
+        <a:font script="Thai" typeface="Cordia New"/>
+        <a:font script="Ethi" typeface="Nyala"/>
+        <a:font script="Beng" typeface="Vrinda"/>
+        <a:font script="Gujr" typeface="Shruti"/>
+        <a:font script="Khmr" typeface="DaunPenh"/>
+        <a:font script="Knda" typeface="Tunga"/>
+        <a:font script="Guru" typeface="Raavi"/>
+        <a:font script="Cans" typeface="Euphemia"/>
+        <a:font script="Cher" typeface="Plantagenet Cherokee"/>
+        <a:font script="Yiii" typeface="Microsoft Yi Baiti"/>
+        <a:font script="Tibt" typeface="Microsoft Himalaya"/>
+        <a:font script="Thaa" typeface="MV Boli"/>
+        <a:font script="Deva" typeface="Mangal"/>
+        <a:font script="Telu" typeface="Gautami"/>
+        <a:font script="Taml" typeface="Latha"/>
+        <a:font script="Syrc" typeface="Estrangelo Edessa"/>
+        <a:font script="Orya" typeface="Kalinga"/>
+        <a:font script="Mlym" typeface="Kartika"/>
+        <a:font script="Laoo" typeface="DokChampa"/>
+        <a:font script="Sinh" typeface="Iskoola Pota"/>
+        <a:font script="Mong" typeface="Mongolian Baiti"/>
+        <a:font script="Viet" typeface="Arial"/>
+        <a:font script="Uigh" typeface="Microsoft Uighur"/>
+        <a:font script="Geor" typeface="Sylfaen"/>
+        <a:font script="Armn" typeface="Arial"/>
+        <a:font script="Bugi" typeface="Leelawadee UI"/>
+        <a:font script="Bopo" typeface="Microsoft JhengHei"/>
+        <a:font script="Java" typeface="Javanese Text"/>
+        <a:font script="Lisu" typeface="Segoe UI"/>
+        <a:font script="Mymr" typeface="Myanmar Text"/>
+        <a:font script="Nkoo" typeface="Ebrima"/>
+        <a:font script="Olck" typeface="Nirmala UI"/>
+        <a:font script="Osma" typeface="Ebrima"/>
+        <a:font script="Phag" typeface="Phagspa"/>
+        <a:font script="Syrn" typeface="Estrangelo Edessa"/>
+        <a:font script="Syrj" typeface="Estrangelo Edessa"/>
+        <a:font script="Syre" typeface="Estrangelo Edessa"/>
+        <a:font script="Sora" typeface="Nirmala UI"/>
+        <a:font script="Tale" typeface="Microsoft Tai Le"/>
+        <a:font script="Talu" typeface="Microsoft New Tai Lue"/>
+        <a:font script="Tfng" typeface="Ebrima"/>
+      </a:minorFont>
+    </a:fontScheme>
+    <a:fmtScheme name="Office">
+      <a:fillStyleLst>
+        <a:solidFill>
+          <a:schemeClr val="phClr"/>
+        </a:solidFill>
+        <a:gradFill rotWithShape="1">
+          <a:gsLst>
+            <a:gs pos="0">
+              <a:schemeClr val="phClr">
+                <a:lumMod val="110000"/>
+                <a:satMod val="105000"/>
+                <a:tint val="67000"/>
+              </a:schemeClr>
+            </a:gs>
+            <a:gs pos="50000">
+              <a:schemeClr val="phClr">
+                <a:lumMod val="105000"/>
+                <a:satMod val="103000"/>
+                <a:tint val="73000"/>
+              </a:schemeClr>
+            </a:gs>
+            <a:gs pos="100000">
+              <a:schemeClr val="phClr">
+                <a:lumMod val="105000"/>
+                <a:satMod val="109000"/>
+                <a:tint val="81000"/>
+              </a:schemeClr>
+            </a:gs>
+          </a:gsLst>
+          <a:lin ang="5400000" scaled="0"/>
+        </a:gradFill>
+        <a:gradFill rotWithShape="1">
+          <a:gsLst>
+            <a:gs pos="0">
+              <a:schemeClr val="phClr">
+                <a:satMod val="103000"/>
+                <a:lumMod val="102000"/>
+                <a:tint val="94000"/>
+              </a:schemeClr>
+            </a:gs>
+            <a:gs pos="50000">
+              <a:schemeClr val="phClr">
+                <a:satMod val="110000"/>
+                <a:lumMod val="100000"/>
+                <a:shade val="100000"/>
+              </a:schemeClr>
+            </a:gs>
+            <a:gs pos="100000">
+              <a:schemeClr val="phClr">
+                <a:lumMod val="99000"/>
+                <a:satMod val="120000"/>
+                <a:shade val="78000"/>
+              </a:schemeClr>
+            </a:gs>
+          </a:gsLst>
+          <a:lin ang="5400000" scaled="0"/>
+        </a:gradFill>
+      </a:fillStyleLst>
+      <a:lnStyleLst>
+        <a:ln w="6350" cap="flat" cmpd="sng" algn="ctr">
+          <a:solidFill>
+            <a:schemeClr val="phClr"/>
+          </a:solidFill>
+          <a:prstDash val="solid"/>
+          <a:miter lim="800000"/>
+        </a:ln>
+        <a:ln w="12700" cap="flat" cmpd="sng" algn="ctr">
+          <a:solidFill>
+            <a:schemeClr val="phClr"/>
+          </a:solidFill>
+          <a:prstDash val="solid"/>
+          <a:miter lim="800000"/>
+        </a:ln>
+        <a:ln w="19050" cap="flat" cmpd="sng" algn="ctr">
+          <a:solidFill>
+            <a:schemeClr val="phClr"/>
+          </a:solidFill>
+          <a:prstDash val="solid"/>
+          <a:miter lim="800000"/>
+        </a:ln>
+      </a:lnStyleLst>
+      <a:effectStyleLst>
+        <a:effectStyle>
+          <a:effectLst/>
+        </a:effectStyle>
+        <a:effectStyle>
+          <a:effectLst/>
+        </a:effectStyle>
+        <a:effectStyle>
+          <a:effectLst>
+            <a:outerShdw blurRad="57150" dist="19050" dir="5400000" algn="ctr" rotWithShape="0">
+              <a:srgbClr val="000000">
+                <a:alpha val="63000"/>
+              </a:srgbClr>
+            </a:outerShdw>
+          </a:effectLst>
+        </a:effectStyle>
+      </a:effectStyleLst>
+      <a:bgFillStyleLst>
+        <a:solidFill>
+          <a:schemeClr val="phClr"/>
+        </a:solidFill>
+        <a:solidFill>
+          <a:schemeClr val="phClr">
+            <a:tint val="95000"/>
+            <a:satMod val="170000"/>
+          </a:schemeClr>
+        </a:solidFill>
+        <a:gradFill rotWithShape="1">
+          <a:gsLst>
+            <a:gs pos="0">
+              <a:schemeClr val="phClr">
+                <a:tint val="93000"/>
+                <a:satMod val="150000"/>
+                <a:shade val="98000"/>
+                <a:lumMod val="102000"/>
+              </a:schemeClr>
+            </a:gs>
+            <a:gs pos="50000">
+              <a:schemeClr val="phClr">
+                <a:tint val="98000"/>
+                <a:satMod val="130000"/>
+                <a:shade val="90000"/>
+                <a:lumMod val="103000"/>
+              </a:schemeClr>
+            </a:gs>
+            <a:gs pos="100000">
+              <a:schemeClr val="phClr">
+                <a:shade val="63000"/>
+                <a:satMod val="120000"/>
+              </a:schemeClr>
+            </a:gs>
+          </a:gsLst>
+          <a:lin ang="5400000" scaled="0"/>
+        </a:gradFill>
+      </a:bgFillStyleLst>
+    </a:fmtScheme>
+  </a:themeElements>
+  <a:objectDefaults/>
+  <a:extraClrSchemeLst/>
+  <a:extLst>
+    <a:ext uri="{05A4C25C-085E-4340-85A3-A5531E510DB2}">
+      <thm15:themeFamily xmlns:thm15="http://schemas.microsoft.com/office/thememl/2012/main" name="Office Theme" id="{62F939B6-93AF-4DB8-9C6B-D6C7DFDC589F}" vid="{4A3C46E8-61CC-4603-A589-7422A47A8E4A}"/>
+    </a:ext>
+  </a:extLst>
+</a:theme>
+</file>
+
 <file path=docMetadata/LabelInfo.xml><?xml version="1.0" encoding="utf-8"?>
 <clbl:labelList xmlns:clbl="http://schemas.microsoft.com/office/2020/mipLabelMetadata">
-  <clbl:label id="{fc24caf1-31f7-40c1-bde0-ca915f0156e3}" enabled="1" method="Standard" siteId="{088e9b00-ffd0-458e-bfa1-acf4c596d3cb}" removed="0"/>
+  <clbl:label id="{1d38f7c5-8395-4346-97e3-960b3861d380}" enabled="1" method="Privileged" siteId="{088e9b00-ffd0-458e-bfa1-acf4c596d3cb}" contentBits="2" removed="0"/>
 </clbl:labelList>
 </file>